--- a/Documentation/IPSO_Intro_W3C.pptx
+++ b/Documentation/IPSO_Intro_W3C.pptx
@@ -5,28 +5,27 @@
     <p:sldMasterId id="2147483676" r:id="rId1"/>
   </p:sldMasterIdLst>
   <p:notesMasterIdLst>
-    <p:notesMasterId r:id="rId18"/>
+    <p:notesMasterId r:id="rId17"/>
   </p:notesMasterIdLst>
   <p:handoutMasterIdLst>
-    <p:handoutMasterId r:id="rId19"/>
+    <p:handoutMasterId r:id="rId18"/>
   </p:handoutMasterIdLst>
   <p:sldIdLst>
     <p:sldId id="259" r:id="rId2"/>
-    <p:sldId id="315" r:id="rId3"/>
-    <p:sldId id="325" r:id="rId4"/>
-    <p:sldId id="328" r:id="rId5"/>
-    <p:sldId id="329" r:id="rId6"/>
-    <p:sldId id="339" r:id="rId7"/>
-    <p:sldId id="340" r:id="rId8"/>
-    <p:sldId id="330" r:id="rId9"/>
-    <p:sldId id="320" r:id="rId10"/>
-    <p:sldId id="321" r:id="rId11"/>
-    <p:sldId id="322" r:id="rId12"/>
-    <p:sldId id="341" r:id="rId13"/>
-    <p:sldId id="334" r:id="rId14"/>
-    <p:sldId id="333" r:id="rId15"/>
-    <p:sldId id="326" r:id="rId16"/>
-    <p:sldId id="314" r:id="rId17"/>
+    <p:sldId id="343" r:id="rId3"/>
+    <p:sldId id="329" r:id="rId4"/>
+    <p:sldId id="339" r:id="rId5"/>
+    <p:sldId id="340" r:id="rId6"/>
+    <p:sldId id="330" r:id="rId7"/>
+    <p:sldId id="320" r:id="rId8"/>
+    <p:sldId id="342" r:id="rId9"/>
+    <p:sldId id="321" r:id="rId10"/>
+    <p:sldId id="322" r:id="rId11"/>
+    <p:sldId id="341" r:id="rId12"/>
+    <p:sldId id="334" r:id="rId13"/>
+    <p:sldId id="333" r:id="rId14"/>
+    <p:sldId id="326" r:id="rId15"/>
+    <p:sldId id="314" r:id="rId16"/>
   </p:sldIdLst>
   <p:sldSz cx="12192000" cy="6858000"/>
   <p:notesSz cx="6884988" cy="10018713"/>
@@ -1647,10 +1646,6 @@
           <a:bodyPr/>
           <a:lstStyle/>
           <a:p>
-            <a:r>
-              <a:rPr lang="en-US" dirty="0" smtClean="0"/>
-              <a:t>IPSO Smart Objects </a:t>
-            </a:r>
             <a:endParaRPr lang="en-US" dirty="0"/>
           </a:p>
         </p:txBody>
@@ -1765,7 +1760,7 @@
     </p:spTree>
     <p:extLst>
       <p:ext uri="{BB962C8B-B14F-4D97-AF65-F5344CB8AC3E}">
-        <p14:creationId xmlns:p14="http://schemas.microsoft.com/office/powerpoint/2010/main" val="1224074592"/>
+        <p14:creationId xmlns:p14="http://schemas.microsoft.com/office/powerpoint/2010/main" val="653956172"/>
       </p:ext>
     </p:extLst>
   </p:cSld>
@@ -1819,6 +1814,14 @@
           <a:bodyPr/>
           <a:lstStyle/>
           <a:p>
+            <a:r>
+              <a:rPr lang="en-US" dirty="0" smtClean="0"/>
+              <a:t>For example you can</a:t>
+            </a:r>
+            <a:r>
+              <a:rPr lang="en-US" baseline="0" dirty="0" smtClean="0"/>
+              <a:t> create a new object for your specific device by reusing the humidity object but adapting it to your own. </a:t>
+            </a:r>
             <a:endParaRPr lang="en-US" dirty="0"/>
           </a:p>
         </p:txBody>
@@ -1933,7 +1936,7 @@
     </p:spTree>
     <p:extLst>
       <p:ext uri="{BB962C8B-B14F-4D97-AF65-F5344CB8AC3E}">
-        <p14:creationId xmlns:p14="http://schemas.microsoft.com/office/powerpoint/2010/main" val="653956172"/>
+        <p14:creationId xmlns:p14="http://schemas.microsoft.com/office/powerpoint/2010/main" val="2373073642"/>
       </p:ext>
     </p:extLst>
   </p:cSld>
@@ -1987,6 +1990,62 @@
           <a:bodyPr/>
           <a:lstStyle/>
           <a:p>
+            <a:pPr marL="171450" indent="-171450">
+              <a:buFont typeface="Arial"/>
+              <a:buChar char="•"/>
+            </a:pPr>
+            <a:r>
+              <a:rPr lang="en-US" dirty="0" smtClean="0"/>
+              <a:t>Another way of creating composite objects is by using Object</a:t>
+            </a:r>
+            <a:r>
+              <a:rPr lang="en-US" baseline="0" dirty="0" smtClean="0"/>
+              <a:t> Links. </a:t>
+            </a:r>
+          </a:p>
+          <a:p>
+            <a:pPr marL="171450" indent="-171450">
+              <a:buFont typeface="Arial"/>
+              <a:buChar char="•"/>
+            </a:pPr>
+            <a:r>
+              <a:rPr lang="en-US" baseline="0" dirty="0" smtClean="0"/>
+              <a:t>So instead of nesting JSON we have one level plus linking, more like in the web.</a:t>
+            </a:r>
+          </a:p>
+          <a:p>
+            <a:pPr marL="171450" indent="-171450">
+              <a:buFont typeface="Arial"/>
+              <a:buChar char="•"/>
+            </a:pPr>
+            <a:r>
+              <a:rPr lang="en-US" baseline="0" dirty="0" smtClean="0"/>
+              <a:t>It would look the same once serialized with </a:t>
+            </a:r>
+            <a:r>
+              <a:rPr lang="en-US" baseline="0" dirty="0" err="1" smtClean="0"/>
+              <a:t>SenML</a:t>
+            </a:r>
+            <a:r>
+              <a:rPr lang="en-US" baseline="0" dirty="0" smtClean="0"/>
+              <a:t> but is actually links.</a:t>
+            </a:r>
+          </a:p>
+          <a:p>
+            <a:pPr marL="171450" indent="-171450">
+              <a:buFont typeface="Arial"/>
+              <a:buChar char="•"/>
+            </a:pPr>
+            <a:r>
+              <a:rPr lang="en-US" baseline="0" dirty="0" smtClean="0"/>
+              <a:t>This kind of pattern could be use also for controllers since the links are typed, so you could substitute the links for something else like the data coming from a dial, or some other device that has an user interface.</a:t>
+            </a:r>
+          </a:p>
+          <a:p>
+            <a:pPr marL="171450" indent="-171450">
+              <a:buFont typeface="Arial"/>
+              <a:buChar char="•"/>
+            </a:pPr>
             <a:endParaRPr lang="en-US" dirty="0"/>
           </a:p>
         </p:txBody>
@@ -2040,7 +2099,7 @@
               <a:pPr>
                 <a:defRPr/>
               </a:pPr>
-              <a:t>14</a:t>
+              <a:t>13</a:t>
             </a:fld>
             <a:endParaRPr lang="en-US" dirty="0"/>
           </a:p>
@@ -2952,7 +3011,7 @@
             <a:fld id="{A51D5D40-B425-B849-A9BC-1045A25E78D9}" type="slidenum">
               <a:rPr lang="en-US" sz="1300"/>
               <a:pPr eaLnBrk="1" hangingPunct="1"/>
-              <a:t>15</a:t>
+              <a:t>14</a:t>
             </a:fld>
             <a:endParaRPr lang="en-US" sz="1300"/>
           </a:p>
@@ -3100,7 +3159,7 @@
           <a:p>
             <a:fld id="{D1E33C2B-3F10-4E9F-A60A-AFC9EEA81319}" type="slidenum">
               <a:rPr lang="en-US" smtClean="0"/>
-              <a:t>16</a:t>
+              <a:t>15</a:t>
             </a:fld>
             <a:endParaRPr lang="en-US"/>
           </a:p>
@@ -3187,7 +3246,176 @@
           <a:bodyPr/>
           <a:lstStyle/>
           <a:p>
-            <a:endParaRPr lang="en-US" baseline="0" dirty="0">
+            <a:pPr marL="171450" indent="-171450">
+              <a:buFont typeface="Arial"/>
+              <a:buChar char="•"/>
+            </a:pPr>
+            <a:r>
+              <a:rPr lang="en-US" sz="1200" kern="1200" dirty="0" smtClean="0">
+                <a:solidFill>
+                  <a:schemeClr val="tx1"/>
+                </a:solidFill>
+                <a:effectLst/>
+                <a:latin typeface="Arial" charset="0"/>
+                <a:ea typeface="+mn-ea"/>
+                <a:cs typeface="+mn-cs"/>
+              </a:rPr>
+              <a:t>A lot of the problems that we have today for </a:t>
+            </a:r>
+            <a:r>
+              <a:rPr lang="en-US" sz="1200" kern="1200" dirty="0" err="1" smtClean="0">
+                <a:solidFill>
+                  <a:schemeClr val="tx1"/>
+                </a:solidFill>
+                <a:effectLst/>
+                <a:latin typeface="Arial" charset="0"/>
+                <a:ea typeface="+mn-ea"/>
+                <a:cs typeface="+mn-cs"/>
+              </a:rPr>
+              <a:t>IoT</a:t>
+            </a:r>
+            <a:r>
+              <a:rPr lang="en-US" sz="1200" kern="1200" dirty="0" smtClean="0">
+                <a:solidFill>
+                  <a:schemeClr val="tx1"/>
+                </a:solidFill>
+                <a:effectLst/>
+                <a:latin typeface="Arial" charset="0"/>
+                <a:ea typeface="+mn-ea"/>
+                <a:cs typeface="+mn-cs"/>
+              </a:rPr>
+              <a:t>, have already been already solved by the</a:t>
+            </a:r>
+            <a:r>
+              <a:rPr lang="en-US" sz="1200" kern="1200" baseline="0" dirty="0" smtClean="0">
+                <a:solidFill>
+                  <a:schemeClr val="tx1"/>
+                </a:solidFill>
+                <a:effectLst/>
+                <a:latin typeface="Arial" charset="0"/>
+                <a:ea typeface="+mn-ea"/>
+                <a:cs typeface="+mn-cs"/>
+              </a:rPr>
+              <a:t> web. Some of the web properties can be very useful for </a:t>
+            </a:r>
+            <a:r>
+              <a:rPr lang="en-US" sz="1200" kern="1200" baseline="0" dirty="0" err="1" smtClean="0">
+                <a:solidFill>
+                  <a:schemeClr val="tx1"/>
+                </a:solidFill>
+                <a:effectLst/>
+                <a:latin typeface="Arial" charset="0"/>
+                <a:ea typeface="+mn-ea"/>
+                <a:cs typeface="+mn-cs"/>
+              </a:rPr>
+              <a:t>IoT</a:t>
+            </a:r>
+            <a:r>
+              <a:rPr lang="en-US" sz="1200" kern="1200" baseline="0" dirty="0" smtClean="0">
+                <a:solidFill>
+                  <a:schemeClr val="tx1"/>
+                </a:solidFill>
+                <a:effectLst/>
+                <a:latin typeface="Arial" charset="0"/>
+                <a:ea typeface="+mn-ea"/>
+                <a:cs typeface="+mn-cs"/>
+              </a:rPr>
+              <a:t>.</a:t>
+            </a:r>
+          </a:p>
+          <a:p>
+            <a:pPr marL="171450" indent="-171450">
+              <a:buFont typeface="Arial"/>
+              <a:buChar char="•"/>
+            </a:pPr>
+            <a:r>
+              <a:rPr lang="en-US" sz="1200" kern="1200" baseline="0" dirty="0" smtClean="0">
+                <a:solidFill>
+                  <a:schemeClr val="tx1"/>
+                </a:solidFill>
+                <a:effectLst/>
+                <a:latin typeface="Arial" charset="0"/>
+                <a:ea typeface="+mn-ea"/>
+                <a:cs typeface="+mn-cs"/>
+              </a:rPr>
+              <a:t>First of all, the narrow waist, which means that the value is created at the endpoints and everything in between is communication infrastructure.</a:t>
+            </a:r>
+            <a:endParaRPr lang="en-US" sz="1200" kern="1200" dirty="0" smtClean="0">
+              <a:solidFill>
+                <a:schemeClr val="tx1"/>
+              </a:solidFill>
+              <a:effectLst/>
+              <a:latin typeface="Arial" charset="0"/>
+              <a:ea typeface="+mn-ea"/>
+              <a:cs typeface="+mn-cs"/>
+            </a:endParaRPr>
+          </a:p>
+          <a:p>
+            <a:pPr marL="171450" indent="-171450">
+              <a:buFont typeface="Arial"/>
+              <a:buChar char="•"/>
+            </a:pPr>
+            <a:r>
+              <a:rPr lang="en-US" sz="1200" kern="1200" dirty="0" smtClean="0">
+                <a:solidFill>
+                  <a:schemeClr val="tx1"/>
+                </a:solidFill>
+                <a:effectLst/>
+                <a:latin typeface="Arial" charset="0"/>
+                <a:ea typeface="+mn-ea"/>
+                <a:cs typeface="+mn-cs"/>
+              </a:rPr>
+              <a:t>Those endpoints communicate</a:t>
+            </a:r>
+            <a:r>
+              <a:rPr lang="en-US" sz="1200" kern="1200" baseline="0" dirty="0" smtClean="0">
+                <a:solidFill>
+                  <a:schemeClr val="tx1"/>
+                </a:solidFill>
+                <a:effectLst/>
+                <a:latin typeface="Arial" charset="0"/>
+                <a:ea typeface="+mn-ea"/>
+                <a:cs typeface="+mn-cs"/>
+              </a:rPr>
+              <a:t> using REST APIs that do not require to keep a state. It also defines different roles for the endpoints as clients and servers and defines a set of stateless methods to interact between them.</a:t>
+            </a:r>
+          </a:p>
+          <a:p>
+            <a:pPr marL="171450" indent="-171450">
+              <a:buFont typeface="Arial"/>
+              <a:buChar char="•"/>
+            </a:pPr>
+            <a:r>
+              <a:rPr lang="en-US" sz="1200" kern="1200" baseline="0" dirty="0" smtClean="0">
+                <a:solidFill>
+                  <a:schemeClr val="tx1"/>
+                </a:solidFill>
+                <a:effectLst/>
+                <a:latin typeface="Arial" charset="0"/>
+                <a:ea typeface="+mn-ea"/>
+                <a:cs typeface="+mn-cs"/>
+              </a:rPr>
+              <a:t>The web focuses on resources and on the content hosted by the endpoints. It supports multiple representation formats (HTML, JSON…) and identifies each piece of information as a resource. Basically a resource can be anything.</a:t>
+            </a:r>
+          </a:p>
+          <a:p>
+            <a:pPr marL="171450" indent="-171450">
+              <a:buFont typeface="Arial"/>
+              <a:buChar char="•"/>
+            </a:pPr>
+            <a:r>
+              <a:rPr lang="en-US" sz="1200" kern="1200" baseline="0" dirty="0" smtClean="0">
+                <a:solidFill>
+                  <a:schemeClr val="tx1"/>
+                </a:solidFill>
+                <a:effectLst/>
+                <a:latin typeface="Arial" charset="0"/>
+                <a:ea typeface="+mn-ea"/>
+                <a:cs typeface="+mn-cs"/>
+              </a:rPr>
+              <a:t>It also brings Uniform Addressing, regardless of the resource it can be found via a URI and a Hyperlink can point to it. IP addresses and DNS are unique which makes the web global and easily scalable.</a:t>
+            </a:r>
+            <a:endParaRPr lang="en-US" dirty="0">
               <a:latin typeface="Arial" charset="0"/>
             </a:endParaRPr>
           </a:p>
@@ -3493,7 +3721,7 @@
             <a:fld id="{1D535339-8385-F148-A20E-9136B5CB9B04}" type="datetime1">
               <a:rPr lang="en-US" sz="1300"/>
               <a:pPr eaLnBrk="1" hangingPunct="1"/>
-              <a:t>16/06/15</a:t>
+              <a:t>17/06/15</a:t>
             </a:fld>
             <a:r>
               <a:rPr lang="en-US" sz="1300"/>
@@ -3884,52 +4112,118 @@
           <a:bodyPr/>
           <a:lstStyle/>
           <a:p>
-            <a:pPr marL="0" indent="0">
-              <a:buFont typeface="Arial"/>
-              <a:buNone/>
-            </a:pPr>
-            <a:r>
-              <a:rPr lang="en-US" sz="1200" kern="1200" baseline="0" dirty="0" smtClean="0">
-                <a:solidFill>
-                  <a:schemeClr val="tx1"/>
-                </a:solidFill>
-                <a:latin typeface="Arial" charset="0"/>
-                <a:ea typeface="+mn-ea"/>
-                <a:cs typeface="Andale Mono"/>
-              </a:rPr>
-              <a:t>Since we have only few slides and little time, I will focus on being pragmatic and on the content and message of this presentation.</a:t>
-            </a:r>
-          </a:p>
-          <a:p>
             <a:pPr marL="171450" indent="-171450">
               <a:buFont typeface="Arial"/>
               <a:buChar char="•"/>
             </a:pPr>
             <a:r>
-              <a:rPr lang="en-US" sz="1200" kern="1200" baseline="0" dirty="0" smtClean="0">
-                <a:solidFill>
-                  <a:schemeClr val="tx1"/>
-                </a:solidFill>
-                <a:latin typeface="Arial" charset="0"/>
-                <a:ea typeface="+mn-ea"/>
-                <a:cs typeface="Andale Mono"/>
-              </a:rPr>
-              <a:t>IP for Smart Objects is an Alliance of several companies, you can find that information on the IPSO Alliance Website. IPSO has few committees, among those the IPSO Smart Objects Committee where we define Smart Objects.</a:t>
-            </a:r>
-          </a:p>
-          <a:p>
-            <a:pPr marL="0" indent="0">
+              <a:rPr lang="en-US" baseline="0" dirty="0" err="1" smtClean="0">
+                <a:latin typeface="Arial" charset="0"/>
+              </a:rPr>
+              <a:t>CoAP</a:t>
+            </a:r>
+            <a:r>
+              <a:rPr lang="en-US" baseline="0" dirty="0" smtClean="0">
+                <a:latin typeface="Arial" charset="0"/>
+              </a:rPr>
+              <a:t> is the Constrained Application Protocol by the IETF for constrained devices and networks.  </a:t>
+            </a:r>
+            <a:r>
+              <a:rPr lang="en-US" baseline="0" dirty="0" err="1" smtClean="0">
+                <a:latin typeface="Arial" charset="0"/>
+              </a:rPr>
+              <a:t>CoAP</a:t>
+            </a:r>
+            <a:r>
+              <a:rPr lang="en-US" baseline="0" dirty="0" smtClean="0">
+                <a:latin typeface="Arial" charset="0"/>
+              </a:rPr>
+              <a:t> </a:t>
+            </a:r>
+            <a:r>
+              <a:rPr lang="en-US" baseline="0" dirty="0" smtClean="0">
+                <a:latin typeface="Arial" charset="0"/>
+              </a:rPr>
+              <a:t>is the equivalent of HTTP but for constrained </a:t>
+            </a:r>
+            <a:r>
+              <a:rPr lang="en-US" baseline="0" dirty="0" smtClean="0">
+                <a:latin typeface="Arial" charset="0"/>
+              </a:rPr>
+              <a:t>devices. From HTTP it takes multiple characteristics:</a:t>
+            </a:r>
+          </a:p>
+          <a:p>
+            <a:pPr marL="628650" lvl="1" indent="-171450">
               <a:buFont typeface="Arial"/>
-              <a:buNone/>
+              <a:buChar char="•"/>
             </a:pPr>
-            <a:endParaRPr lang="en-US" sz="1200" kern="1200" baseline="0" dirty="0" smtClean="0">
-              <a:solidFill>
-                <a:schemeClr val="tx1"/>
-              </a:solidFill>
-              <a:latin typeface="Arial" charset="0"/>
-              <a:ea typeface="+mn-ea"/>
-              <a:cs typeface="Andale Mono"/>
-            </a:endParaRPr>
+            <a:r>
+              <a:rPr lang="en-US" baseline="0" dirty="0" smtClean="0">
+                <a:latin typeface="Arial" charset="0"/>
+              </a:rPr>
+              <a:t>It </a:t>
+            </a:r>
+            <a:r>
+              <a:rPr lang="en-US" baseline="0" dirty="0" smtClean="0">
+                <a:latin typeface="Arial" charset="0"/>
+              </a:rPr>
+              <a:t>is also client/server type, although endpoints will often be both, so it’d be more of a P2P scenario</a:t>
+            </a:r>
+            <a:r>
+              <a:rPr lang="en-US" baseline="0" dirty="0" smtClean="0">
+                <a:latin typeface="Arial" charset="0"/>
+              </a:rPr>
+              <a:t>.</a:t>
+            </a:r>
+          </a:p>
+          <a:p>
+            <a:pPr marL="628650" lvl="1" indent="-171450">
+              <a:buFont typeface="Arial"/>
+              <a:buChar char="•"/>
+            </a:pPr>
+            <a:r>
+              <a:rPr lang="en-US" baseline="0" dirty="0" smtClean="0">
+                <a:latin typeface="Arial" charset="0"/>
+              </a:rPr>
+              <a:t>It </a:t>
+            </a:r>
+            <a:r>
+              <a:rPr lang="en-US" baseline="0" dirty="0" smtClean="0">
+                <a:latin typeface="Arial" charset="0"/>
+              </a:rPr>
+              <a:t>also uses a smaller subset of methods to operate on </a:t>
+            </a:r>
+            <a:r>
+              <a:rPr lang="en-US" baseline="0" dirty="0" smtClean="0">
+                <a:latin typeface="Arial" charset="0"/>
+              </a:rPr>
+              <a:t>resources.</a:t>
+            </a:r>
+          </a:p>
+          <a:p>
+            <a:pPr marL="628650" lvl="1" indent="-171450">
+              <a:buFont typeface="Arial"/>
+              <a:buChar char="•"/>
+            </a:pPr>
+            <a:r>
+              <a:rPr lang="en-US" baseline="0" dirty="0" smtClean="0">
+                <a:latin typeface="Arial" charset="0"/>
+              </a:rPr>
+              <a:t>Same key concepts like media types, </a:t>
+            </a:r>
+            <a:r>
+              <a:rPr lang="en-US" baseline="0" dirty="0" err="1" smtClean="0">
+                <a:latin typeface="Arial" charset="0"/>
+              </a:rPr>
+              <a:t>Url</a:t>
+            </a:r>
+            <a:r>
+              <a:rPr lang="en-US" baseline="0" dirty="0" smtClean="0">
+                <a:latin typeface="Arial" charset="0"/>
+              </a:rPr>
+              <a:t>, URN, etc.</a:t>
+            </a:r>
           </a:p>
           <a:p>
             <a:pPr marL="171450" indent="-171450">
@@ -3937,15 +4231,34 @@
               <a:buChar char="•"/>
             </a:pPr>
             <a:r>
-              <a:rPr lang="en-US" sz="1200" kern="1200" baseline="0" dirty="0" smtClean="0">
-                <a:solidFill>
-                  <a:schemeClr val="tx1"/>
-                </a:solidFill>
-                <a:latin typeface="Arial" charset="0"/>
-                <a:ea typeface="+mn-ea"/>
-                <a:cs typeface="Andale Mono"/>
-              </a:rPr>
-              <a:t>The overall goal is for semantic interoperability btw devices (sensors and actuators) and the applications that use them. We are creating a standard set of semantics that can be used to provide plug and play interoperability btw devices and applications.</a:t>
+              <a:rPr lang="en-US" baseline="0" dirty="0" smtClean="0">
+                <a:latin typeface="Arial" charset="0"/>
+              </a:rPr>
+              <a:t>Some of the new things is that it provides some resource discovery mechanisms via the well-known </a:t>
+            </a:r>
+            <a:r>
+              <a:rPr lang="en-US" baseline="0" dirty="0" err="1" smtClean="0">
+                <a:latin typeface="Arial" charset="0"/>
+              </a:rPr>
+              <a:t>ur</a:t>
+            </a:r>
+            <a:r>
+              <a:rPr lang="en-US" baseline="0" dirty="0" smtClean="0">
+                <a:latin typeface="Arial" charset="0"/>
+              </a:rPr>
+              <a:t> that </a:t>
+            </a:r>
+            <a:r>
+              <a:rPr lang="en-US" baseline="0" dirty="0" err="1" smtClean="0">
+                <a:latin typeface="Arial" charset="0"/>
+              </a:rPr>
+              <a:t>CoAP</a:t>
+            </a:r>
+            <a:r>
+              <a:rPr lang="en-US" baseline="0" dirty="0" smtClean="0">
+                <a:latin typeface="Arial" charset="0"/>
+              </a:rPr>
+              <a:t> devices should implement, so that other endpoints can get the list of resources hosted on that endpoint.</a:t>
             </a:r>
           </a:p>
           <a:p>
@@ -3953,13 +4266,20 @@
               <a:buFont typeface="Arial"/>
               <a:buChar char="•"/>
             </a:pPr>
-            <a:endParaRPr lang="en-US" sz="1200" kern="1200" baseline="0" dirty="0" smtClean="0">
-              <a:solidFill>
-                <a:schemeClr val="tx1"/>
-              </a:solidFill>
+            <a:r>
+              <a:rPr lang="en-US" baseline="0" dirty="0" smtClean="0">
+                <a:latin typeface="Arial" charset="0"/>
+              </a:rPr>
+              <a:t>It also provides Resource Discovery via the RD, The </a:t>
+            </a:r>
+            <a:r>
+              <a:rPr lang="en-US" baseline="0" dirty="0" smtClean="0">
+                <a:latin typeface="Arial" charset="0"/>
+              </a:rPr>
+              <a:t>new things is that it provides Resource Discovery via the RD. </a:t>
+            </a:r>
+            <a:endParaRPr lang="en-US" baseline="0" dirty="0" smtClean="0">
               <a:latin typeface="Arial" charset="0"/>
-              <a:ea typeface="+mn-ea"/>
-              <a:cs typeface="Andale Mono"/>
             </a:endParaRPr>
           </a:p>
           <a:p>
@@ -3968,103 +4288,10 @@
               <a:buChar char="•"/>
             </a:pPr>
             <a:r>
-              <a:rPr lang="en-US" sz="1200" kern="1200" baseline="0" dirty="0" smtClean="0">
-                <a:solidFill>
-                  <a:schemeClr val="tx1"/>
-                </a:solidFill>
-                <a:latin typeface="Arial" charset="0"/>
-                <a:ea typeface="+mn-ea"/>
-                <a:cs typeface="Andale Mono"/>
-              </a:rPr>
-              <a:t>We have taken the LWM2M Object model almost as it is. LWM2M Objects are used for management of devices, they provide a </a:t>
-            </a:r>
-            <a:r>
-              <a:rPr lang="en-US" sz="1200" b="1" kern="1200" baseline="0" dirty="0" smtClean="0">
-                <a:solidFill>
-                  <a:schemeClr val="tx1"/>
-                </a:solidFill>
-                <a:latin typeface="Arial" charset="0"/>
-                <a:ea typeface="+mn-ea"/>
-                <a:cs typeface="Andale Mono"/>
-              </a:rPr>
-              <a:t>clear URI forma</a:t>
-            </a:r>
-            <a:r>
-              <a:rPr lang="en-US" sz="1200" kern="1200" baseline="0" dirty="0" smtClean="0">
-                <a:solidFill>
-                  <a:schemeClr val="tx1"/>
-                </a:solidFill>
-                <a:latin typeface="Arial" charset="0"/>
-                <a:ea typeface="+mn-ea"/>
-                <a:cs typeface="Andale Mono"/>
-              </a:rPr>
-              <a:t>t for addressing those </a:t>
-            </a:r>
-            <a:r>
-              <a:rPr lang="en-US" sz="1200" b="1" kern="1200" baseline="0" dirty="0" smtClean="0">
-                <a:solidFill>
-                  <a:schemeClr val="tx1"/>
-                </a:solidFill>
-                <a:latin typeface="Arial" charset="0"/>
-                <a:ea typeface="+mn-ea"/>
-                <a:cs typeface="Andale Mono"/>
-              </a:rPr>
-              <a:t>management objects</a:t>
-            </a:r>
-            <a:r>
-              <a:rPr lang="en-US" sz="1200" kern="1200" baseline="0" dirty="0" smtClean="0">
-                <a:solidFill>
-                  <a:schemeClr val="tx1"/>
-                </a:solidFill>
-                <a:latin typeface="Arial" charset="0"/>
-                <a:ea typeface="+mn-ea"/>
-                <a:cs typeface="Andale Mono"/>
-              </a:rPr>
-              <a:t>, as well </a:t>
-            </a:r>
-            <a:r>
-              <a:rPr lang="en-US" sz="1200" b="1" kern="1200" baseline="0" dirty="0" smtClean="0">
-                <a:solidFill>
-                  <a:schemeClr val="tx1"/>
-                </a:solidFill>
-                <a:latin typeface="Arial" charset="0"/>
-                <a:ea typeface="+mn-ea"/>
-                <a:cs typeface="Andale Mono"/>
-              </a:rPr>
-              <a:t>as access control, instantiation</a:t>
-            </a:r>
-            <a:r>
-              <a:rPr lang="en-US" sz="1200" kern="1200" baseline="0" dirty="0" smtClean="0">
-                <a:solidFill>
-                  <a:schemeClr val="tx1"/>
-                </a:solidFill>
-                <a:latin typeface="Arial" charset="0"/>
-                <a:ea typeface="+mn-ea"/>
-                <a:cs typeface="Andale Mono"/>
-              </a:rPr>
-              <a:t> </a:t>
-            </a:r>
-            <a:r>
-              <a:rPr lang="en-US" sz="1200" b="1" kern="1200" baseline="0" dirty="0" smtClean="0">
-                <a:solidFill>
-                  <a:schemeClr val="tx1"/>
-                </a:solidFill>
-                <a:latin typeface="Arial" charset="0"/>
-                <a:ea typeface="+mn-ea"/>
-                <a:cs typeface="Andale Mono"/>
-              </a:rPr>
-              <a:t>and resources</a:t>
-            </a:r>
-            <a:r>
-              <a:rPr lang="en-US" sz="1200" kern="1200" baseline="0" dirty="0" smtClean="0">
-                <a:solidFill>
-                  <a:schemeClr val="tx1"/>
-                </a:solidFill>
-                <a:latin typeface="Arial" charset="0"/>
-                <a:ea typeface="+mn-ea"/>
-                <a:cs typeface="Andale Mono"/>
-              </a:rPr>
-              <a:t>.</a:t>
+              <a:rPr lang="en-US" baseline="0" dirty="0" smtClean="0">
+                <a:latin typeface="Arial" charset="0"/>
+              </a:rPr>
+              <a:t>Oriented to be used over IPv6 by means of a translation layer for constrained devices (6LowPAN).</a:t>
             </a:r>
           </a:p>
           <a:p>
@@ -4072,14 +4299,30 @@
               <a:buFont typeface="Arial"/>
               <a:buChar char="•"/>
             </a:pPr>
-            <a:endParaRPr lang="en-US" sz="1200" kern="1200" baseline="0" dirty="0" smtClean="0">
-              <a:solidFill>
-                <a:schemeClr val="tx1"/>
-              </a:solidFill>
-              <a:latin typeface="Arial" charset="0"/>
-              <a:ea typeface="+mn-ea"/>
-              <a:cs typeface="Andale Mono"/>
-            </a:endParaRPr>
+            <a:r>
+              <a:rPr lang="en-US" baseline="0" dirty="0" smtClean="0">
+                <a:latin typeface="Arial" charset="0"/>
+              </a:rPr>
+              <a:t>Instead </a:t>
+            </a:r>
+            <a:r>
+              <a:rPr lang="en-US" baseline="0" dirty="0" smtClean="0">
+                <a:latin typeface="Arial" charset="0"/>
+              </a:rPr>
+              <a:t>of using TCP mainly, it uses UDP or SMS bindings. Therefore to fix the problem of reliability it uses some fields in the application protocol (</a:t>
+            </a:r>
+            <a:r>
+              <a:rPr lang="en-US" baseline="0" dirty="0" err="1" smtClean="0">
+                <a:latin typeface="Arial" charset="0"/>
+              </a:rPr>
+              <a:t>CoAP</a:t>
+            </a:r>
+            <a:r>
+              <a:rPr lang="en-US" baseline="0" dirty="0" smtClean="0">
+                <a:latin typeface="Arial" charset="0"/>
+              </a:rPr>
+              <a:t>) to request a confirmation if needed.</a:t>
+            </a:r>
           </a:p>
           <a:p>
             <a:pPr marL="171450" indent="-171450">
@@ -4087,252 +4330,35 @@
               <a:buChar char="•"/>
             </a:pPr>
             <a:r>
-              <a:rPr lang="en-US" sz="1200" kern="1200" baseline="0" dirty="0" smtClean="0">
-                <a:solidFill>
-                  <a:schemeClr val="tx1"/>
-                </a:solidFill>
-                <a:latin typeface="Arial" charset="0"/>
-                <a:ea typeface="+mn-ea"/>
-                <a:cs typeface="Andale Mono"/>
-              </a:rPr>
-              <a:t>In IPSO </a:t>
-            </a:r>
-            <a:r>
-              <a:rPr lang="en-US" sz="1200" b="1" kern="1200" baseline="0" dirty="0" smtClean="0">
-                <a:solidFill>
-                  <a:schemeClr val="tx1"/>
-                </a:solidFill>
-                <a:latin typeface="Arial" charset="0"/>
-                <a:ea typeface="+mn-ea"/>
-                <a:cs typeface="Andale Mono"/>
-              </a:rPr>
-              <a:t>we extend </a:t>
-            </a:r>
-            <a:r>
-              <a:rPr lang="en-US" sz="1200" kern="1200" baseline="0" dirty="0" smtClean="0">
-                <a:solidFill>
-                  <a:schemeClr val="tx1"/>
-                </a:solidFill>
-                <a:latin typeface="Arial" charset="0"/>
-                <a:ea typeface="+mn-ea"/>
-                <a:cs typeface="Andale Mono"/>
-              </a:rPr>
-              <a:t>that model with the </a:t>
-            </a:r>
-            <a:r>
-              <a:rPr lang="en-US" sz="1200" b="1" kern="1200" baseline="0" dirty="0" smtClean="0">
-                <a:solidFill>
-                  <a:schemeClr val="tx1"/>
-                </a:solidFill>
-                <a:latin typeface="Arial" charset="0"/>
-                <a:ea typeface="+mn-ea"/>
-                <a:cs typeface="Andale Mono"/>
-              </a:rPr>
-              <a:t>concept of reusable resources</a:t>
-            </a:r>
-            <a:r>
-              <a:rPr lang="en-US" sz="1200" kern="1200" baseline="0" dirty="0" smtClean="0">
-                <a:solidFill>
-                  <a:schemeClr val="tx1"/>
-                </a:solidFill>
-                <a:latin typeface="Arial" charset="0"/>
-                <a:ea typeface="+mn-ea"/>
-                <a:cs typeface="Andale Mono"/>
-              </a:rPr>
-              <a:t>. The goal is that if you have some specific sensor, you can take one of the existing IPSO Objects and use it as it is or take its resources and extend it to suit your particular device characteristics. </a:t>
-            </a:r>
-          </a:p>
-          <a:p>
-            <a:pPr marL="171450" indent="-171450">
-              <a:buFont typeface="Arial"/>
-              <a:buChar char="•"/>
-            </a:pPr>
-            <a:endParaRPr lang="en-US" sz="1200" kern="1200" baseline="0" dirty="0" smtClean="0">
-              <a:solidFill>
-                <a:schemeClr val="tx1"/>
-              </a:solidFill>
-              <a:latin typeface="Arial" charset="0"/>
-              <a:ea typeface="+mn-ea"/>
-              <a:cs typeface="Andale Mono"/>
-            </a:endParaRPr>
-          </a:p>
-          <a:p>
-            <a:pPr marL="171450" indent="-171450">
-              <a:buFont typeface="Arial"/>
-              <a:buChar char="•"/>
-            </a:pPr>
-            <a:r>
-              <a:rPr lang="en-US" sz="1200" kern="1200" baseline="0" dirty="0" smtClean="0">
-                <a:solidFill>
-                  <a:schemeClr val="tx1"/>
-                </a:solidFill>
-                <a:latin typeface="Arial" charset="0"/>
-                <a:ea typeface="+mn-ea"/>
-                <a:cs typeface="Andale Mono"/>
-              </a:rPr>
-              <a:t>We have designed IPSO Objects to be transport protocol independent. It obviously supports </a:t>
-            </a:r>
-            <a:r>
-              <a:rPr lang="en-US" sz="1200" kern="1200" baseline="0" dirty="0" err="1" smtClean="0">
-                <a:solidFill>
-                  <a:schemeClr val="tx1"/>
-                </a:solidFill>
-                <a:latin typeface="Arial" charset="0"/>
-                <a:ea typeface="+mn-ea"/>
-                <a:cs typeface="Andale Mono"/>
-              </a:rPr>
-              <a:t>CoAP</a:t>
-            </a:r>
-            <a:r>
-              <a:rPr lang="en-US" sz="1200" kern="1200" baseline="0" dirty="0" smtClean="0">
-                <a:solidFill>
-                  <a:schemeClr val="tx1"/>
-                </a:solidFill>
-                <a:latin typeface="Arial" charset="0"/>
-                <a:ea typeface="+mn-ea"/>
-                <a:cs typeface="Andale Mono"/>
-              </a:rPr>
-              <a:t> as it is based on LWM2M objects, but people have used them with MQTT or HTTP as well. So you can basically send the object data over as long as you support the basic data types and content formats. </a:t>
-            </a:r>
-          </a:p>
-          <a:p>
-            <a:pPr marL="171450" indent="-171450">
-              <a:buFont typeface="Arial"/>
-              <a:buChar char="•"/>
-            </a:pPr>
-            <a:endParaRPr lang="en-US" sz="1200" kern="1200" baseline="0" dirty="0" smtClean="0">
-              <a:solidFill>
-                <a:schemeClr val="tx1"/>
-              </a:solidFill>
-              <a:latin typeface="Arial" charset="0"/>
-              <a:ea typeface="+mn-ea"/>
-              <a:cs typeface="Andale Mono"/>
-            </a:endParaRPr>
-          </a:p>
-          <a:p>
-            <a:pPr marL="171450" indent="-171450">
-              <a:buFont typeface="Arial"/>
-              <a:buChar char="•"/>
-            </a:pPr>
-            <a:r>
-              <a:rPr lang="en-US" sz="1200" kern="1200" baseline="0" dirty="0" smtClean="0">
-                <a:solidFill>
-                  <a:schemeClr val="tx1"/>
-                </a:solidFill>
-                <a:latin typeface="Arial" charset="0"/>
-                <a:ea typeface="+mn-ea"/>
-                <a:cs typeface="Andale Mono"/>
-              </a:rPr>
-              <a:t>Also for serialization it will depend on the protocol, can be TLV, JSON, plain text . For example we have successfully done </a:t>
-            </a:r>
-            <a:r>
-              <a:rPr lang="en-US" sz="1200" kern="1200" baseline="0" dirty="0" err="1" smtClean="0">
-                <a:solidFill>
-                  <a:schemeClr val="tx1"/>
-                </a:solidFill>
-                <a:latin typeface="Arial" charset="0"/>
-                <a:ea typeface="+mn-ea"/>
-                <a:cs typeface="Andale Mono"/>
-              </a:rPr>
-              <a:t>interop</a:t>
-            </a:r>
-            <a:r>
-              <a:rPr lang="en-US" sz="1200" kern="1200" baseline="0" dirty="0" smtClean="0">
-                <a:solidFill>
-                  <a:schemeClr val="tx1"/>
-                </a:solidFill>
-                <a:latin typeface="Arial" charset="0"/>
-                <a:ea typeface="+mn-ea"/>
-                <a:cs typeface="Andale Mono"/>
-              </a:rPr>
-              <a:t> tests with TLV and plaintext.</a:t>
-            </a:r>
-          </a:p>
-          <a:p>
-            <a:pPr marL="171450" indent="-171450">
-              <a:buFont typeface="Arial"/>
-              <a:buChar char="•"/>
-            </a:pPr>
-            <a:endParaRPr lang="en-US" sz="1200" kern="1200" baseline="0" dirty="0" smtClean="0">
-              <a:solidFill>
-                <a:schemeClr val="tx1"/>
-              </a:solidFill>
-              <a:latin typeface="Arial" charset="0"/>
-              <a:ea typeface="+mn-ea"/>
-              <a:cs typeface="Andale Mono"/>
-            </a:endParaRPr>
-          </a:p>
-          <a:p>
-            <a:pPr marL="171450" indent="-171450">
-              <a:buFont typeface="Arial"/>
-              <a:buChar char="•"/>
-            </a:pPr>
-            <a:r>
-              <a:rPr lang="en-US" sz="1200" kern="1200" baseline="0" dirty="0" smtClean="0">
-                <a:solidFill>
-                  <a:schemeClr val="tx1"/>
-                </a:solidFill>
-                <a:latin typeface="Arial" charset="0"/>
-                <a:ea typeface="+mn-ea"/>
-                <a:cs typeface="Andale Mono"/>
-              </a:rPr>
-              <a:t>We have already released a basic set of smart objects last year, with some very common sensors and actuator templates, you can go and have a look at the website or you can let us know if you are interested on using them or give feedback and so on.</a:t>
-            </a:r>
-          </a:p>
-          <a:p>
-            <a:pPr marL="171450" indent="-171450">
-              <a:buFont typeface="Arial"/>
-              <a:buChar char="•"/>
-            </a:pPr>
-            <a:endParaRPr lang="en-US" sz="1200" kern="1200" baseline="0" dirty="0" smtClean="0">
-              <a:solidFill>
-                <a:schemeClr val="tx1"/>
-              </a:solidFill>
-              <a:latin typeface="Arial" charset="0"/>
-              <a:ea typeface="+mn-ea"/>
-              <a:cs typeface="Andale Mono"/>
-            </a:endParaRPr>
-          </a:p>
-          <a:p>
-            <a:pPr marL="171450" indent="-171450">
-              <a:buFont typeface="Arial"/>
-              <a:buChar char="•"/>
-            </a:pPr>
-            <a:r>
-              <a:rPr lang="en-US" sz="1200" kern="1200" baseline="0" dirty="0" smtClean="0">
-                <a:solidFill>
-                  <a:schemeClr val="tx1"/>
-                </a:solidFill>
-                <a:latin typeface="Arial" charset="0"/>
-                <a:ea typeface="+mn-ea"/>
-                <a:cs typeface="Andale Mono"/>
-              </a:rPr>
-              <a:t>We also have tested it between the partners in IPSO few weeks ago. Each brought their own implementation of IPSO objects, we used </a:t>
-            </a:r>
-            <a:r>
-              <a:rPr lang="en-US" sz="1200" kern="1200" baseline="0" dirty="0" err="1" smtClean="0">
-                <a:solidFill>
-                  <a:schemeClr val="tx1"/>
-                </a:solidFill>
-                <a:latin typeface="Arial" charset="0"/>
-                <a:ea typeface="+mn-ea"/>
-                <a:cs typeface="Andale Mono"/>
-              </a:rPr>
-              <a:t>CoAP</a:t>
-            </a:r>
-            <a:r>
-              <a:rPr lang="en-US" sz="1200" kern="1200" baseline="0" dirty="0" smtClean="0">
-                <a:solidFill>
-                  <a:schemeClr val="tx1"/>
-                </a:solidFill>
-                <a:latin typeface="Arial" charset="0"/>
-                <a:ea typeface="+mn-ea"/>
-                <a:cs typeface="Andale Mono"/>
-              </a:rPr>
-              <a:t> LWM2M for the application layer and tested it over an IPv6 network</a:t>
-            </a:r>
-          </a:p>
-          <a:p>
+              <a:rPr lang="en-US" baseline="0" dirty="0" smtClean="0">
+                <a:latin typeface="Arial" charset="0"/>
+              </a:rPr>
+              <a:t>And </a:t>
+            </a:r>
+            <a:r>
+              <a:rPr lang="en-US" baseline="0" dirty="0" smtClean="0">
+                <a:latin typeface="Arial" charset="0"/>
+              </a:rPr>
+              <a:t>last it also has a simple but very </a:t>
+            </a:r>
+            <a:r>
+              <a:rPr lang="en-US" baseline="0" dirty="0" smtClean="0">
+                <a:latin typeface="Arial" charset="0"/>
+              </a:rPr>
+              <a:t>versatile </a:t>
+            </a:r>
+            <a:r>
+              <a:rPr lang="en-US" baseline="0" dirty="0" smtClean="0">
+                <a:latin typeface="Arial" charset="0"/>
+              </a:rPr>
+              <a:t>publish subscribe mechanism with the Observe </a:t>
+            </a:r>
+            <a:r>
+              <a:rPr lang="en-US" baseline="0" dirty="0" smtClean="0">
+                <a:latin typeface="Arial" charset="0"/>
+              </a:rPr>
+              <a:t>flag.</a:t>
+            </a:r>
             <a:endParaRPr lang="en-US" baseline="0" dirty="0">
               <a:latin typeface="Arial" charset="0"/>
             </a:endParaRPr>
@@ -5030,674 +5056,7 @@
           <a:bodyPr/>
           <a:lstStyle/>
           <a:p>
-            <a:r>
-              <a:rPr lang="en-US" sz="1200" kern="1200" dirty="0" smtClean="0">
-                <a:solidFill>
-                  <a:schemeClr val="tx1"/>
-                </a:solidFill>
-                <a:effectLst/>
-                <a:latin typeface="Arial" charset="0"/>
-                <a:ea typeface="+mn-ea"/>
-                <a:cs typeface="+mn-cs"/>
-              </a:rPr>
-              <a:t>Conceptually</a:t>
-            </a:r>
-            <a:r>
-              <a:rPr lang="en-US" sz="1200" kern="1200" baseline="0" dirty="0" smtClean="0">
-                <a:solidFill>
-                  <a:schemeClr val="tx1"/>
-                </a:solidFill>
-                <a:effectLst/>
-                <a:latin typeface="Arial" charset="0"/>
-                <a:ea typeface="+mn-ea"/>
-                <a:cs typeface="+mn-cs"/>
-              </a:rPr>
-              <a:t> speaking, a lot of what is being standardized nowadays in IETF, OMA or IPSO is </a:t>
-            </a:r>
-            <a:r>
-              <a:rPr lang="en-US" sz="1200" kern="1200" baseline="0" smtClean="0">
-                <a:solidFill>
-                  <a:schemeClr val="tx1"/>
-                </a:solidFill>
-                <a:effectLst/>
-                <a:latin typeface="Arial" charset="0"/>
-                <a:ea typeface="+mn-ea"/>
-                <a:cs typeface="+mn-cs"/>
-              </a:rPr>
-              <a:t>inspired on the </a:t>
-            </a:r>
-            <a:r>
-              <a:rPr lang="en-US" sz="1200" kern="1200" baseline="0" dirty="0" smtClean="0">
-                <a:solidFill>
-                  <a:schemeClr val="tx1"/>
-                </a:solidFill>
-                <a:effectLst/>
-                <a:latin typeface="Arial" charset="0"/>
-                <a:ea typeface="+mn-ea"/>
-                <a:cs typeface="+mn-cs"/>
-              </a:rPr>
-              <a:t>web. And it is only natural since the goal is something like a web of devices.</a:t>
-            </a:r>
-            <a:endParaRPr lang="en-US" sz="1200" kern="1200" dirty="0" smtClean="0">
-              <a:solidFill>
-                <a:schemeClr val="tx1"/>
-              </a:solidFill>
-              <a:effectLst/>
-              <a:latin typeface="Arial" charset="0"/>
-              <a:ea typeface="+mn-ea"/>
-              <a:cs typeface="+mn-cs"/>
-            </a:endParaRPr>
-          </a:p>
-          <a:p>
-            <a:endParaRPr lang="en-US" sz="1200" kern="1200" dirty="0" smtClean="0">
-              <a:solidFill>
-                <a:schemeClr val="tx1"/>
-              </a:solidFill>
-              <a:effectLst/>
-              <a:latin typeface="Arial" charset="0"/>
-              <a:ea typeface="+mn-ea"/>
-              <a:cs typeface="+mn-cs"/>
-            </a:endParaRPr>
-          </a:p>
-          <a:p>
-            <a:r>
-              <a:rPr lang="en-US" sz="1200" kern="1200" dirty="0" smtClean="0">
-                <a:solidFill>
-                  <a:schemeClr val="tx1"/>
-                </a:solidFill>
-                <a:effectLst/>
-                <a:latin typeface="Arial" charset="0"/>
-                <a:ea typeface="+mn-ea"/>
-                <a:cs typeface="+mn-cs"/>
-              </a:rPr>
-              <a:t>First</a:t>
-            </a:r>
-            <a:r>
-              <a:rPr lang="en-US" sz="1200" kern="1200" baseline="0" dirty="0" smtClean="0">
-                <a:solidFill>
-                  <a:schemeClr val="tx1"/>
-                </a:solidFill>
-                <a:effectLst/>
-                <a:latin typeface="Arial" charset="0"/>
-                <a:ea typeface="+mn-ea"/>
-                <a:cs typeface="+mn-cs"/>
-              </a:rPr>
-              <a:t> thing that </a:t>
-            </a:r>
-            <a:r>
-              <a:rPr lang="en-US" sz="1200" kern="1200" dirty="0" smtClean="0">
-                <a:solidFill>
-                  <a:schemeClr val="tx1"/>
-                </a:solidFill>
-                <a:effectLst/>
-                <a:latin typeface="Arial" charset="0"/>
-                <a:ea typeface="+mn-ea"/>
-                <a:cs typeface="+mn-cs"/>
-              </a:rPr>
-              <a:t>HTTP made is to define a client and server and</a:t>
-            </a:r>
-            <a:r>
-              <a:rPr lang="en-US" sz="1200" kern="1200" baseline="0" dirty="0" smtClean="0">
-                <a:solidFill>
-                  <a:schemeClr val="tx1"/>
-                </a:solidFill>
-                <a:effectLst/>
-                <a:latin typeface="Arial" charset="0"/>
-                <a:ea typeface="+mn-ea"/>
-                <a:cs typeface="+mn-cs"/>
-              </a:rPr>
-              <a:t> </a:t>
-            </a:r>
-            <a:r>
-              <a:rPr lang="en-US" sz="1200" i="1" kern="1200" dirty="0" smtClean="0">
-                <a:solidFill>
-                  <a:schemeClr val="tx1"/>
-                </a:solidFill>
-                <a:effectLst/>
-                <a:latin typeface="Arial" charset="0"/>
-                <a:ea typeface="+mn-ea"/>
-                <a:cs typeface="+mn-cs"/>
-              </a:rPr>
-              <a:t>request</a:t>
-            </a:r>
-            <a:r>
-              <a:rPr lang="en-US" sz="1200" kern="1200" dirty="0" smtClean="0">
-                <a:solidFill>
-                  <a:schemeClr val="tx1"/>
-                </a:solidFill>
-                <a:effectLst/>
-                <a:latin typeface="Arial" charset="0"/>
-                <a:ea typeface="+mn-ea"/>
-                <a:cs typeface="+mn-cs"/>
-              </a:rPr>
-              <a:t>-</a:t>
-            </a:r>
-            <a:r>
-              <a:rPr lang="en-US" sz="1200" i="1" kern="1200" dirty="0" smtClean="0">
-                <a:solidFill>
-                  <a:schemeClr val="tx1"/>
-                </a:solidFill>
-                <a:effectLst/>
-                <a:latin typeface="Arial" charset="0"/>
-                <a:ea typeface="+mn-ea"/>
-                <a:cs typeface="+mn-cs"/>
-              </a:rPr>
-              <a:t>response </a:t>
-            </a:r>
-            <a:r>
-              <a:rPr lang="en-US" sz="1200" kern="1200" dirty="0" smtClean="0">
-                <a:solidFill>
-                  <a:schemeClr val="tx1"/>
-                </a:solidFill>
-                <a:effectLst/>
-                <a:latin typeface="Arial" charset="0"/>
-                <a:ea typeface="+mn-ea"/>
-                <a:cs typeface="+mn-cs"/>
-              </a:rPr>
-              <a:t>scheme i.e. </a:t>
-            </a:r>
-            <a:r>
-              <a:rPr lang="en-US" sz="1200" i="1" kern="1200" dirty="0" smtClean="0">
-                <a:solidFill>
-                  <a:schemeClr val="tx1"/>
-                </a:solidFill>
-                <a:effectLst/>
-                <a:latin typeface="Arial" charset="0"/>
-                <a:ea typeface="+mn-ea"/>
-                <a:cs typeface="+mn-cs"/>
-              </a:rPr>
-              <a:t>request </a:t>
-            </a:r>
-            <a:r>
-              <a:rPr lang="en-US" sz="1200" kern="1200" dirty="0" smtClean="0">
-                <a:solidFill>
-                  <a:schemeClr val="tx1"/>
-                </a:solidFill>
-                <a:effectLst/>
-                <a:latin typeface="Arial" charset="0"/>
-                <a:ea typeface="+mn-ea"/>
-                <a:cs typeface="+mn-cs"/>
-              </a:rPr>
-              <a:t>from the client is sent to the server and the server replies with a </a:t>
-            </a:r>
-            <a:r>
-              <a:rPr lang="en-US" sz="1200" i="1" kern="1200" dirty="0" smtClean="0">
-                <a:solidFill>
-                  <a:schemeClr val="tx1"/>
-                </a:solidFill>
-                <a:effectLst/>
-                <a:latin typeface="Arial" charset="0"/>
-                <a:ea typeface="+mn-ea"/>
-                <a:cs typeface="+mn-cs"/>
-              </a:rPr>
-              <a:t>respond </a:t>
-            </a:r>
-            <a:r>
-              <a:rPr lang="en-US" sz="1200" kern="1200" dirty="0" smtClean="0">
-                <a:solidFill>
-                  <a:schemeClr val="tx1"/>
-                </a:solidFill>
-                <a:effectLst/>
-                <a:latin typeface="Arial" charset="0"/>
-                <a:ea typeface="+mn-ea"/>
-                <a:cs typeface="+mn-cs"/>
-              </a:rPr>
-              <a:t>to the client. </a:t>
-            </a:r>
-          </a:p>
-          <a:p>
-            <a:r>
-              <a:rPr lang="en-US" sz="1200" kern="1200" dirty="0" smtClean="0">
-                <a:solidFill>
-                  <a:schemeClr val="tx1"/>
-                </a:solidFill>
-                <a:effectLst/>
-                <a:latin typeface="Arial" charset="0"/>
-                <a:ea typeface="+mn-ea"/>
-                <a:cs typeface="+mn-cs"/>
-              </a:rPr>
-              <a:t>HTTP supports many different representation formats that are also used in </a:t>
-            </a:r>
-            <a:r>
-              <a:rPr lang="en-US" sz="1200" kern="1200" dirty="0" err="1" smtClean="0">
-                <a:solidFill>
-                  <a:schemeClr val="tx1"/>
-                </a:solidFill>
-                <a:effectLst/>
-                <a:latin typeface="Arial" charset="0"/>
-                <a:ea typeface="+mn-ea"/>
-                <a:cs typeface="+mn-cs"/>
-              </a:rPr>
-              <a:t>IoT</a:t>
-            </a:r>
-            <a:r>
-              <a:rPr lang="en-US" sz="1200" kern="1200" dirty="0" smtClean="0">
-                <a:solidFill>
-                  <a:schemeClr val="tx1"/>
-                </a:solidFill>
-                <a:effectLst/>
-                <a:latin typeface="Arial" charset="0"/>
-                <a:ea typeface="+mn-ea"/>
-                <a:cs typeface="+mn-cs"/>
-              </a:rPr>
-              <a:t> without much modification.</a:t>
-            </a:r>
-            <a:r>
-              <a:rPr lang="en-US" sz="1200" kern="1200" baseline="0" dirty="0" smtClean="0">
-                <a:solidFill>
-                  <a:schemeClr val="tx1"/>
-                </a:solidFill>
-                <a:effectLst/>
-                <a:latin typeface="Arial" charset="0"/>
-                <a:ea typeface="+mn-ea"/>
-                <a:cs typeface="+mn-cs"/>
-              </a:rPr>
-              <a:t> </a:t>
-            </a:r>
-          </a:p>
-          <a:p>
-            <a:r>
-              <a:rPr lang="en-US" sz="1200" kern="1200" baseline="0" dirty="0" smtClean="0">
-                <a:solidFill>
-                  <a:schemeClr val="tx1"/>
-                </a:solidFill>
-                <a:effectLst/>
-                <a:latin typeface="Arial" charset="0"/>
-                <a:ea typeface="+mn-ea"/>
-                <a:cs typeface="+mn-cs"/>
-              </a:rPr>
-              <a:t>The content in the web is </a:t>
-            </a:r>
-            <a:r>
-              <a:rPr lang="en-US" sz="1200" kern="1200" dirty="0" smtClean="0">
-                <a:solidFill>
-                  <a:schemeClr val="tx1"/>
-                </a:solidFill>
-                <a:effectLst/>
-                <a:latin typeface="Arial" charset="0"/>
-                <a:ea typeface="+mn-ea"/>
-                <a:cs typeface="+mn-cs"/>
-              </a:rPr>
-              <a:t>defined as a </a:t>
-            </a:r>
-            <a:r>
-              <a:rPr lang="en-US" sz="1200" i="1" kern="1200" dirty="0" smtClean="0">
-                <a:solidFill>
-                  <a:schemeClr val="tx1"/>
-                </a:solidFill>
-                <a:effectLst/>
-                <a:latin typeface="Arial" charset="0"/>
-                <a:ea typeface="+mn-ea"/>
-                <a:cs typeface="+mn-cs"/>
-              </a:rPr>
-              <a:t>resource </a:t>
-            </a:r>
-            <a:r>
-              <a:rPr lang="en-US" sz="1200" kern="1200" dirty="0" smtClean="0">
-                <a:solidFill>
-                  <a:schemeClr val="tx1"/>
-                </a:solidFill>
-                <a:effectLst/>
-                <a:latin typeface="Arial" charset="0"/>
-                <a:ea typeface="+mn-ea"/>
-                <a:cs typeface="+mn-cs"/>
-              </a:rPr>
-              <a:t>and has an identity on the web server. </a:t>
-            </a:r>
-            <a:endParaRPr lang="en-US" dirty="0" smtClean="0"/>
-          </a:p>
-          <a:p>
-            <a:r>
-              <a:rPr lang="en-US" sz="1200" kern="1200" dirty="0" smtClean="0">
-                <a:solidFill>
-                  <a:schemeClr val="tx1"/>
-                </a:solidFill>
-                <a:effectLst/>
-                <a:latin typeface="Arial" charset="0"/>
-                <a:ea typeface="+mn-ea"/>
-                <a:cs typeface="+mn-cs"/>
-              </a:rPr>
-              <a:t>Resources on the web server are accessible via uniform resource locator (URL) that indicates a reference to the unique resource on the web server and follows a specific format.</a:t>
-            </a:r>
-          </a:p>
-          <a:p>
-            <a:endParaRPr lang="en-US" sz="1200" kern="1200" dirty="0" smtClean="0">
-              <a:solidFill>
-                <a:schemeClr val="tx1"/>
-              </a:solidFill>
-              <a:effectLst/>
-              <a:latin typeface="Arial" charset="0"/>
-              <a:ea typeface="+mn-ea"/>
-              <a:cs typeface="+mn-cs"/>
-            </a:endParaRPr>
-          </a:p>
-          <a:p>
-            <a:r>
-              <a:rPr lang="en-US" sz="1200" kern="1200" dirty="0" smtClean="0">
-                <a:solidFill>
-                  <a:schemeClr val="tx1"/>
-                </a:solidFill>
-                <a:effectLst/>
-                <a:latin typeface="Arial" charset="0"/>
-                <a:ea typeface="+mn-ea"/>
-                <a:cs typeface="+mn-cs"/>
-              </a:rPr>
-              <a:t>So in summary from the web we get the REST type of communication,</a:t>
-            </a:r>
-            <a:r>
-              <a:rPr lang="en-US" sz="1200" kern="1200" baseline="0" dirty="0" smtClean="0">
-                <a:solidFill>
-                  <a:schemeClr val="tx1"/>
-                </a:solidFill>
-                <a:effectLst/>
-                <a:latin typeface="Arial" charset="0"/>
-                <a:ea typeface="+mn-ea"/>
-                <a:cs typeface="+mn-cs"/>
-              </a:rPr>
-              <a:t> some methods to operate on the content, on resources that is. </a:t>
-            </a:r>
-            <a:endParaRPr lang="en-US" sz="1200" kern="1200" dirty="0" smtClean="0">
-              <a:solidFill>
-                <a:schemeClr val="tx1"/>
-              </a:solidFill>
-              <a:effectLst/>
-              <a:latin typeface="Arial" charset="0"/>
-              <a:ea typeface="+mn-ea"/>
-              <a:cs typeface="+mn-cs"/>
-            </a:endParaRPr>
-          </a:p>
-          <a:p>
-            <a:endParaRPr lang="en-US" sz="1200" kern="1200" dirty="0" smtClean="0">
-              <a:solidFill>
-                <a:schemeClr val="tx1"/>
-              </a:solidFill>
-              <a:effectLst/>
-              <a:latin typeface="Arial" charset="0"/>
-              <a:ea typeface="+mn-ea"/>
-              <a:cs typeface="+mn-cs"/>
-            </a:endParaRPr>
-          </a:p>
-          <a:p>
-            <a:endParaRPr lang="en-US" sz="1200" kern="1200" dirty="0" smtClean="0">
-              <a:solidFill>
-                <a:schemeClr val="tx1"/>
-              </a:solidFill>
-              <a:effectLst/>
-              <a:latin typeface="Arial" charset="0"/>
-              <a:ea typeface="+mn-ea"/>
-              <a:cs typeface="+mn-cs"/>
-            </a:endParaRPr>
-          </a:p>
-          <a:p>
-            <a:endParaRPr lang="en-US" sz="1200" kern="1200" dirty="0" smtClean="0">
-              <a:solidFill>
-                <a:schemeClr val="tx1"/>
-              </a:solidFill>
-              <a:effectLst/>
-              <a:latin typeface="Arial" charset="0"/>
-              <a:ea typeface="+mn-ea"/>
-              <a:cs typeface="+mn-cs"/>
-            </a:endParaRPr>
-          </a:p>
-          <a:p>
-            <a:endParaRPr lang="en-US" sz="1200" kern="1200" dirty="0" smtClean="0">
-              <a:solidFill>
-                <a:schemeClr val="tx1"/>
-              </a:solidFill>
-              <a:effectLst/>
-              <a:latin typeface="Arial" charset="0"/>
-              <a:ea typeface="+mn-ea"/>
-              <a:cs typeface="+mn-cs"/>
-            </a:endParaRPr>
-          </a:p>
-          <a:p>
-            <a:endParaRPr lang="en-US" sz="1200" kern="1200" dirty="0" smtClean="0">
-              <a:solidFill>
-                <a:schemeClr val="tx1"/>
-              </a:solidFill>
-              <a:effectLst/>
-              <a:latin typeface="Arial" charset="0"/>
-              <a:ea typeface="+mn-ea"/>
-              <a:cs typeface="+mn-cs"/>
-            </a:endParaRPr>
-          </a:p>
-          <a:p>
-            <a:endParaRPr lang="en-US" dirty="0" smtClean="0"/>
-          </a:p>
-          <a:p>
-            <a:endParaRPr lang="en-US" sz="1200" kern="1200" dirty="0" smtClean="0">
-              <a:solidFill>
-                <a:schemeClr val="tx1"/>
-              </a:solidFill>
-              <a:effectLst/>
-              <a:latin typeface="Arial" charset="0"/>
-              <a:ea typeface="+mn-ea"/>
-              <a:cs typeface="+mn-cs"/>
-            </a:endParaRPr>
-          </a:p>
-          <a:p>
-            <a:r>
-              <a:rPr lang="en-US" sz="1200" kern="1200" dirty="0" smtClean="0">
-                <a:solidFill>
-                  <a:schemeClr val="tx1"/>
-                </a:solidFill>
-                <a:effectLst/>
-                <a:latin typeface="Arial" charset="0"/>
-                <a:ea typeface="+mn-ea"/>
-                <a:cs typeface="+mn-cs"/>
-              </a:rPr>
-              <a:t>Uniform Resource Identifier (URI) is a string of characters used to identify a name or a resource on the Internet</a:t>
-            </a:r>
-          </a:p>
-          <a:p>
-            <a:endParaRPr lang="en-US" sz="1200" kern="1200" dirty="0" smtClean="0">
-              <a:solidFill>
-                <a:schemeClr val="tx1"/>
-              </a:solidFill>
-              <a:effectLst/>
-              <a:latin typeface="Arial" charset="0"/>
-              <a:ea typeface="+mn-ea"/>
-              <a:cs typeface="+mn-cs"/>
-            </a:endParaRPr>
-          </a:p>
-          <a:p>
-            <a:r>
-              <a:rPr lang="en-US" sz="1200" kern="1200" dirty="0" smtClean="0">
-                <a:solidFill>
-                  <a:schemeClr val="tx1"/>
-                </a:solidFill>
-                <a:effectLst/>
-                <a:latin typeface="Arial" charset="0"/>
-                <a:ea typeface="+mn-ea"/>
-                <a:cs typeface="+mn-cs"/>
-              </a:rPr>
-              <a:t>A URI identifies a resource either by location, or a name, or both. A URI has two specializations known as URL and URN.</a:t>
-            </a:r>
-          </a:p>
-          <a:p>
-            <a:endParaRPr lang="en-US" sz="1200" kern="1200" dirty="0" smtClean="0">
-              <a:solidFill>
-                <a:schemeClr val="tx1"/>
-              </a:solidFill>
-              <a:effectLst/>
-              <a:latin typeface="Arial" charset="0"/>
-              <a:ea typeface="+mn-ea"/>
-              <a:cs typeface="+mn-cs"/>
-            </a:endParaRPr>
-          </a:p>
-          <a:p>
-            <a:r>
-              <a:rPr lang="en-US" sz="1200" kern="1200" dirty="0" smtClean="0">
-                <a:solidFill>
-                  <a:schemeClr val="tx1"/>
-                </a:solidFill>
-                <a:effectLst/>
-                <a:latin typeface="Arial" charset="0"/>
-                <a:ea typeface="+mn-ea"/>
-                <a:cs typeface="+mn-cs"/>
-              </a:rPr>
-              <a:t>A Uniform Resource Locator (URL) is a subset of the Uniform Resource Identifier (URI) that specifies where an identified resource is available and the mechanism for retrieving </a:t>
-            </a:r>
-            <a:r>
-              <a:rPr lang="en-US" sz="1200" kern="1200" dirty="0" err="1" smtClean="0">
-                <a:solidFill>
-                  <a:schemeClr val="tx1"/>
-                </a:solidFill>
-                <a:effectLst/>
-                <a:latin typeface="Arial" charset="0"/>
-                <a:ea typeface="+mn-ea"/>
-                <a:cs typeface="+mn-cs"/>
-              </a:rPr>
-              <a:t>it.URL</a:t>
-            </a:r>
-            <a:r>
-              <a:rPr lang="en-US" sz="1200" kern="1200" dirty="0" smtClean="0">
-                <a:solidFill>
-                  <a:schemeClr val="tx1"/>
-                </a:solidFill>
-                <a:effectLst/>
-                <a:latin typeface="Arial" charset="0"/>
-                <a:ea typeface="+mn-ea"/>
-                <a:cs typeface="+mn-cs"/>
-              </a:rPr>
-              <a:t> defines how the resource can be obtained. It does not have to be HTTP URL (http://), a URL can also be (ftp://) or (</a:t>
-            </a:r>
-            <a:r>
-              <a:rPr lang="en-US" sz="1200" kern="1200" dirty="0" err="1" smtClean="0">
-                <a:solidFill>
-                  <a:schemeClr val="tx1"/>
-                </a:solidFill>
-                <a:effectLst/>
-                <a:latin typeface="Arial" charset="0"/>
-                <a:ea typeface="+mn-ea"/>
-                <a:cs typeface="+mn-cs"/>
-              </a:rPr>
-              <a:t>smb</a:t>
-            </a:r>
-            <a:r>
-              <a:rPr lang="en-US" sz="1200" kern="1200" dirty="0" smtClean="0">
-                <a:solidFill>
-                  <a:schemeClr val="tx1"/>
-                </a:solidFill>
-                <a:effectLst/>
-                <a:latin typeface="Arial" charset="0"/>
-                <a:ea typeface="+mn-ea"/>
-                <a:cs typeface="+mn-cs"/>
-              </a:rPr>
-              <a:t>://)</a:t>
-            </a:r>
-          </a:p>
-          <a:p>
-            <a:endParaRPr lang="en-US" sz="1200" kern="1200" dirty="0" smtClean="0">
-              <a:solidFill>
-                <a:schemeClr val="tx1"/>
-              </a:solidFill>
-              <a:effectLst/>
-              <a:latin typeface="Arial" charset="0"/>
-              <a:ea typeface="+mn-ea"/>
-              <a:cs typeface="+mn-cs"/>
-            </a:endParaRPr>
-          </a:p>
-          <a:p>
-            <a:r>
-              <a:rPr lang="en-US" sz="1200" kern="1200" dirty="0" smtClean="0">
-                <a:solidFill>
-                  <a:schemeClr val="tx1"/>
-                </a:solidFill>
-                <a:effectLst/>
-                <a:latin typeface="Arial" charset="0"/>
-                <a:ea typeface="+mn-ea"/>
-                <a:cs typeface="+mn-cs"/>
-              </a:rPr>
-              <a:t>A Uniform Resource Name (URN) is a Uniform Resource Identifier (URI) that uses the URN scheme, and does not imply availability of the identified resource. Both URNs (names) and URLs (locators) are URIs, and a particular URI may be both a name and a locator at the same time.</a:t>
-            </a:r>
-          </a:p>
-          <a:p>
-            <a:endParaRPr lang="en-US" sz="1200" kern="1200" dirty="0" smtClean="0">
-              <a:solidFill>
-                <a:schemeClr val="tx1"/>
-              </a:solidFill>
-              <a:effectLst/>
-              <a:latin typeface="Arial" charset="0"/>
-              <a:ea typeface="+mn-ea"/>
-              <a:cs typeface="+mn-cs"/>
-            </a:endParaRPr>
-          </a:p>
-          <a:p>
-            <a:r>
-              <a:rPr lang="en-US" sz="1200" kern="1200" dirty="0" smtClean="0">
-                <a:solidFill>
-                  <a:schemeClr val="tx1"/>
-                </a:solidFill>
-                <a:effectLst/>
-                <a:latin typeface="Arial" charset="0"/>
-                <a:ea typeface="+mn-ea"/>
-                <a:cs typeface="+mn-cs"/>
-              </a:rPr>
-              <a:t>The URNs are part of a larger Internet information architecture which is composed of URNs, URCs and URLs.</a:t>
-            </a:r>
-          </a:p>
-          <a:p>
-            <a:endParaRPr lang="en-US" sz="1200" kern="1200" dirty="0" smtClean="0">
-              <a:solidFill>
-                <a:schemeClr val="tx1"/>
-              </a:solidFill>
-              <a:effectLst/>
-              <a:latin typeface="Arial" charset="0"/>
-              <a:ea typeface="+mn-ea"/>
-              <a:cs typeface="+mn-cs"/>
-            </a:endParaRPr>
-          </a:p>
-          <a:p>
-            <a:r>
-              <a:rPr lang="en-US" sz="1200" kern="1200" dirty="0" err="1" smtClean="0">
-                <a:solidFill>
-                  <a:schemeClr val="tx1"/>
-                </a:solidFill>
-                <a:effectLst/>
-                <a:latin typeface="Arial" charset="0"/>
-                <a:ea typeface="+mn-ea"/>
-                <a:cs typeface="+mn-cs"/>
-              </a:rPr>
-              <a:t>bar.html</a:t>
-            </a:r>
-            <a:r>
-              <a:rPr lang="en-US" sz="1200" kern="1200" dirty="0" smtClean="0">
-                <a:solidFill>
-                  <a:schemeClr val="tx1"/>
-                </a:solidFill>
-                <a:effectLst/>
-                <a:latin typeface="Arial" charset="0"/>
-                <a:ea typeface="+mn-ea"/>
-                <a:cs typeface="+mn-cs"/>
-              </a:rPr>
-              <a:t> is not a URN. A URN is similar to a person's name, while a URL is like a street address. The URN defines something's identity, while the URL provides a location. Essentially, "what" vs. "where". A URN has to be of this form &lt;URN&gt; ::= "urn:" &lt;NID&gt; ":" &lt;NSS&gt; where &lt;NID&gt; is the Namespace Identifier, and &lt;NSS&gt; is the Namespace Specific String.</a:t>
-            </a:r>
-          </a:p>
-          <a:p>
-            <a:endParaRPr lang="en-US" sz="1200" kern="1200" dirty="0" smtClean="0">
-              <a:solidFill>
-                <a:schemeClr val="tx1"/>
-              </a:solidFill>
-              <a:effectLst/>
-              <a:latin typeface="Arial" charset="0"/>
-              <a:ea typeface="+mn-ea"/>
-              <a:cs typeface="+mn-cs"/>
-            </a:endParaRPr>
-          </a:p>
-          <a:p>
-            <a:endParaRPr lang="en-US" sz="1200" kern="1200" dirty="0" smtClean="0">
-              <a:solidFill>
-                <a:schemeClr val="tx1"/>
-              </a:solidFill>
-              <a:effectLst/>
-              <a:latin typeface="Arial" charset="0"/>
-              <a:ea typeface="+mn-ea"/>
-              <a:cs typeface="+mn-cs"/>
-            </a:endParaRPr>
-          </a:p>
-          <a:p>
-            <a:pPr marL="0" marR="0" indent="0" algn="l" defTabSz="914400" rtl="0" eaLnBrk="0" fontAlgn="base" latinLnBrk="0" hangingPunct="0">
+            <a:pPr marL="171450" marR="0" indent="-171450" algn="l" defTabSz="914400" rtl="0" eaLnBrk="0" fontAlgn="base" latinLnBrk="0" hangingPunct="0">
               <a:lnSpc>
                 <a:spcPct val="100000"/>
               </a:lnSpc>
@@ -5709,17 +5068,134 @@
               </a:spcAft>
               <a:buClrTx/>
               <a:buSzTx/>
-              <a:buFontTx/>
-              <a:buNone/>
+              <a:buFont typeface="Arial"/>
+              <a:buChar char="•"/>
               <a:tabLst/>
               <a:defRPr/>
             </a:pPr>
-            <a:endParaRPr lang="en-US" dirty="0" smtClean="0"/>
-          </a:p>
-          <a:p>
-            <a:endParaRPr lang="en-US" dirty="0">
-              <a:latin typeface="Arial" charset="0"/>
-            </a:endParaRPr>
+            <a:r>
+              <a:rPr lang="en-US" baseline="0" dirty="0" err="1" smtClean="0">
+                <a:latin typeface="Arial" charset="0"/>
+              </a:rPr>
+              <a:t>CoAP</a:t>
+            </a:r>
+            <a:r>
+              <a:rPr lang="en-US" baseline="0" dirty="0" smtClean="0">
+                <a:latin typeface="Arial" charset="0"/>
+              </a:rPr>
+              <a:t> </a:t>
+            </a:r>
+            <a:r>
+              <a:rPr lang="en-US" baseline="0" dirty="0" err="1" smtClean="0">
+                <a:latin typeface="Arial" charset="0"/>
+              </a:rPr>
+              <a:t>Core_Link</a:t>
+            </a:r>
+            <a:r>
+              <a:rPr lang="en-US" baseline="0" dirty="0" smtClean="0">
+                <a:latin typeface="Arial" charset="0"/>
+              </a:rPr>
+              <a:t> RFC6690 expands the definitions on the web linking RFC and expands it for </a:t>
+            </a:r>
+            <a:r>
+              <a:rPr lang="en-US" baseline="0" dirty="0" err="1" smtClean="0">
+                <a:latin typeface="Arial" charset="0"/>
+              </a:rPr>
+              <a:t>IoT</a:t>
+            </a:r>
+            <a:r>
+              <a:rPr lang="en-US" baseline="0" dirty="0" smtClean="0">
+                <a:latin typeface="Arial" charset="0"/>
+              </a:rPr>
+              <a:t>. </a:t>
+            </a:r>
+          </a:p>
+          <a:p>
+            <a:pPr marL="171450" marR="0" indent="-171450" algn="l" defTabSz="914400" rtl="0" eaLnBrk="0" fontAlgn="base" latinLnBrk="0" hangingPunct="0">
+              <a:lnSpc>
+                <a:spcPct val="100000"/>
+              </a:lnSpc>
+              <a:spcBef>
+                <a:spcPct val="30000"/>
+              </a:spcBef>
+              <a:spcAft>
+                <a:spcPct val="0"/>
+              </a:spcAft>
+              <a:buClrTx/>
+              <a:buSzTx/>
+              <a:buFont typeface="Arial"/>
+              <a:buChar char="•"/>
+              <a:tabLst/>
+              <a:defRPr/>
+            </a:pPr>
+            <a:r>
+              <a:rPr lang="en-US" baseline="0" dirty="0" smtClean="0">
+                <a:latin typeface="Arial" charset="0"/>
+              </a:rPr>
+              <a:t>RFC6690 defines the serialization of links in a formal way as well as defining specific M2M content types.</a:t>
+            </a:r>
+          </a:p>
+          <a:p>
+            <a:pPr marL="171450" marR="0" indent="-171450" algn="l" defTabSz="914400" rtl="0" eaLnBrk="0" fontAlgn="base" latinLnBrk="0" hangingPunct="0">
+              <a:lnSpc>
+                <a:spcPct val="100000"/>
+              </a:lnSpc>
+              <a:spcBef>
+                <a:spcPct val="30000"/>
+              </a:spcBef>
+              <a:spcAft>
+                <a:spcPct val="0"/>
+              </a:spcAft>
+              <a:buClrTx/>
+              <a:buSzTx/>
+              <a:buFont typeface="Arial"/>
+              <a:buChar char="•"/>
+              <a:tabLst/>
+              <a:defRPr/>
+            </a:pPr>
+            <a:r>
+              <a:rPr lang="en-US" baseline="0" dirty="0" smtClean="0">
+                <a:latin typeface="Arial" charset="0"/>
+              </a:rPr>
+              <a:t>It also defines a well-known resource which is the well-known/core which is globally reserved. Also can be used with HTTP since it is also reserved there. </a:t>
+            </a:r>
+          </a:p>
+          <a:p>
+            <a:pPr marL="171450" marR="0" indent="-171450" algn="l" defTabSz="914400" rtl="0" eaLnBrk="0" fontAlgn="base" latinLnBrk="0" hangingPunct="0">
+              <a:lnSpc>
+                <a:spcPct val="100000"/>
+              </a:lnSpc>
+              <a:spcBef>
+                <a:spcPct val="30000"/>
+              </a:spcBef>
+              <a:spcAft>
+                <a:spcPct val="0"/>
+              </a:spcAft>
+              <a:buClrTx/>
+              <a:buSzTx/>
+              <a:buFont typeface="Arial"/>
+              <a:buChar char="•"/>
+              <a:tabLst/>
+              <a:defRPr/>
+            </a:pPr>
+            <a:r>
+              <a:rPr lang="en-US" baseline="0" dirty="0" smtClean="0">
+                <a:latin typeface="Arial" charset="0"/>
+              </a:rPr>
+              <a:t>This well-known resource can accept optional query string parameters. So we could use this new content types and resources types to find resources on the device based on attribute and relation. You can see that we are requesting an IPSO temperature resource, with content type 0 (plaintext) and that it has to be observable.</a:t>
+            </a:r>
+          </a:p>
+          <a:p>
+            <a:pPr marL="171450" indent="-171450">
+              <a:buFont typeface="Arial"/>
+              <a:buChar char="•"/>
+            </a:pPr>
+            <a:r>
+              <a:rPr lang="en-US" baseline="0" dirty="0" smtClean="0">
+                <a:latin typeface="Arial" charset="0"/>
+              </a:rPr>
+              <a:t>In order to find them and see the links, we can use GET  message with content type and the representation that we want (for example JSON)</a:t>
+            </a:r>
           </a:p>
         </p:txBody>
       </p:sp>
@@ -6023,7 +5499,7 @@
             <a:fld id="{1D535339-8385-F148-A20E-9136B5CB9B04}" type="datetime1">
               <a:rPr lang="en-US" sz="1300"/>
               <a:pPr eaLnBrk="1" hangingPunct="1"/>
-              <a:t>16/06/15</a:t>
+              <a:t>17/06/15</a:t>
             </a:fld>
             <a:r>
               <a:rPr lang="en-US" sz="1300"/>
@@ -6414,132 +5890,100 @@
           <a:bodyPr/>
           <a:lstStyle/>
           <a:p>
-            <a:r>
-              <a:rPr lang="en-US" dirty="0" smtClean="0">
-                <a:latin typeface="Arial" charset="0"/>
-              </a:rPr>
-              <a:t>Moving into </a:t>
-            </a:r>
-            <a:r>
-              <a:rPr lang="en-US" dirty="0" err="1" smtClean="0">
+            <a:pPr marL="171450" indent="-171450">
+              <a:buFont typeface="Arial"/>
+              <a:buChar char="•"/>
+            </a:pPr>
+            <a:r>
+              <a:rPr lang="en-US" baseline="0" dirty="0" smtClean="0">
+                <a:latin typeface="Arial" charset="0"/>
+              </a:rPr>
+              <a:t>So, </a:t>
+            </a:r>
+            <a:r>
+              <a:rPr lang="en-US" baseline="0" dirty="0" err="1" smtClean="0">
+                <a:latin typeface="Arial" charset="0"/>
+              </a:rPr>
+              <a:t>CoRE</a:t>
+            </a:r>
+            <a:r>
+              <a:rPr lang="en-US" baseline="0" dirty="0" smtClean="0">
+                <a:latin typeface="Arial" charset="0"/>
+              </a:rPr>
+              <a:t> links defines the link format and how to discover resources from one device to another and that is useful if they are on the same network.</a:t>
+            </a:r>
+          </a:p>
+          <a:p>
+            <a:pPr marL="171450" indent="-171450">
+              <a:buFont typeface="Arial"/>
+              <a:buChar char="•"/>
+            </a:pPr>
+            <a:r>
+              <a:rPr lang="en-US" baseline="0" dirty="0" smtClean="0">
+                <a:latin typeface="Arial" charset="0"/>
+              </a:rPr>
+              <a:t>For cases of multiple subnets or over the internet, it makes sense to use a directory of resources. </a:t>
+            </a:r>
+          </a:p>
+          <a:p>
+            <a:pPr marL="171450" indent="-171450">
+              <a:buFont typeface="Arial"/>
+              <a:buChar char="•"/>
+            </a:pPr>
+            <a:r>
+              <a:rPr lang="en-US" baseline="0" dirty="0" smtClean="0">
+                <a:latin typeface="Arial" charset="0"/>
+              </a:rPr>
+              <a:t>Clients can discover resources by querying the RD and getting the URIs to those resources. Similarly like a reverse search engine.</a:t>
+            </a:r>
+          </a:p>
+          <a:p>
+            <a:pPr marL="171450" indent="-171450">
+              <a:buFont typeface="Arial"/>
+              <a:buChar char="•"/>
+            </a:pPr>
+            <a:r>
+              <a:rPr lang="en-US" baseline="0" dirty="0" smtClean="0">
+                <a:latin typeface="Arial" charset="0"/>
+              </a:rPr>
+              <a:t>Sleepy endpoints can register their resources with POST messages.</a:t>
+            </a:r>
+          </a:p>
+          <a:p>
+            <a:pPr marL="171450" indent="-171450">
+              <a:buFont typeface="Arial"/>
+              <a:buChar char="•"/>
+            </a:pPr>
+            <a:r>
+              <a:rPr lang="en-US" baseline="0" dirty="0" smtClean="0">
+                <a:latin typeface="Arial" charset="0"/>
+              </a:rPr>
+              <a:t>They can also update resources or delete them. </a:t>
+            </a:r>
+          </a:p>
+          <a:p>
+            <a:pPr marL="171450" indent="-171450">
+              <a:buFont typeface="Arial"/>
+              <a:buChar char="•"/>
+            </a:pPr>
+            <a:r>
+              <a:rPr lang="en-US" baseline="0" dirty="0" smtClean="0">
+                <a:latin typeface="Arial" charset="0"/>
+              </a:rPr>
+              <a:t>Lookups can be made with </a:t>
+            </a:r>
+            <a:r>
+              <a:rPr lang="en-US" baseline="0" dirty="0" err="1" smtClean="0">
                 <a:latin typeface="Arial" charset="0"/>
               </a:rPr>
               <a:t>CoAP</a:t>
             </a:r>
             <a:r>
-              <a:rPr lang="en-US" dirty="0" smtClean="0">
-                <a:latin typeface="Arial" charset="0"/>
-              </a:rPr>
-              <a:t>.</a:t>
-            </a:r>
-            <a:r>
               <a:rPr lang="en-US" baseline="0" dirty="0" smtClean="0">
                 <a:latin typeface="Arial" charset="0"/>
               </a:rPr>
-              <a:t> </a:t>
-            </a:r>
-          </a:p>
-          <a:p>
-            <a:r>
-              <a:rPr lang="en-US" baseline="0" dirty="0" err="1" smtClean="0">
-                <a:latin typeface="Arial" charset="0"/>
-              </a:rPr>
-              <a:t>CoAP</a:t>
-            </a:r>
-            <a:r>
-              <a:rPr lang="en-US" baseline="0" dirty="0" smtClean="0">
-                <a:latin typeface="Arial" charset="0"/>
-              </a:rPr>
-              <a:t> is the equivalent of HTTP but for constrained devices. It is also client/server type, although endpoints will often be both, so it’d be more of a P2P scenario. But that is the versatility that it has, often one server in the sensor and a client would be enough if the scenario is simple. It also uses a smaller subset of methods to operate on resources and also uses URL, URN….</a:t>
-            </a:r>
-          </a:p>
-          <a:p>
-            <a:endParaRPr lang="en-US" baseline="0" dirty="0" smtClean="0">
-              <a:latin typeface="Arial" charset="0"/>
-            </a:endParaRPr>
-          </a:p>
-          <a:p>
-            <a:r>
-              <a:rPr lang="en-US" baseline="0" dirty="0" smtClean="0">
-                <a:latin typeface="Arial" charset="0"/>
-              </a:rPr>
-              <a:t>The new things is that it provides Resource Discovery via the RD. A node that can also be running on devices or be more of a server entity, to which you can request with a formatted URL and it should answer with the location of the devices matching the request.</a:t>
-            </a:r>
-          </a:p>
-          <a:p>
-            <a:r>
-              <a:rPr lang="en-US" baseline="0" dirty="0" smtClean="0">
-                <a:latin typeface="Arial" charset="0"/>
-              </a:rPr>
-              <a:t>It also has the .well-known URI, that </a:t>
-            </a:r>
-            <a:r>
-              <a:rPr lang="en-US" baseline="0" dirty="0" err="1" smtClean="0">
-                <a:latin typeface="Arial" charset="0"/>
-              </a:rPr>
-              <a:t>CoAP</a:t>
-            </a:r>
-            <a:r>
-              <a:rPr lang="en-US" baseline="0" dirty="0" smtClean="0">
-                <a:latin typeface="Arial" charset="0"/>
-              </a:rPr>
-              <a:t> devices should implement, so that you can see which resources they have underneath.</a:t>
-            </a:r>
-          </a:p>
-          <a:p>
-            <a:r>
-              <a:rPr lang="en-US" baseline="0" dirty="0" smtClean="0">
-                <a:latin typeface="Arial" charset="0"/>
-              </a:rPr>
-              <a:t>Instead of using TCP mainly, it uses UDP or SMS bindings. Therefore to fix the problem of reliability it uses some fields in the application protocol (</a:t>
-            </a:r>
-            <a:r>
-              <a:rPr lang="en-US" baseline="0" dirty="0" err="1" smtClean="0">
-                <a:latin typeface="Arial" charset="0"/>
-              </a:rPr>
-              <a:t>CoAP</a:t>
-            </a:r>
-            <a:r>
-              <a:rPr lang="en-US" baseline="0" dirty="0" smtClean="0">
-                <a:latin typeface="Arial" charset="0"/>
-              </a:rPr>
-              <a:t>).</a:t>
-            </a:r>
-          </a:p>
-          <a:p>
-            <a:r>
-              <a:rPr lang="en-US" baseline="0" dirty="0" smtClean="0">
-                <a:latin typeface="Arial" charset="0"/>
-              </a:rPr>
-              <a:t>And last it also has a simple but very </a:t>
-            </a:r>
-            <a:r>
-              <a:rPr lang="en-US" baseline="0" dirty="0" err="1" smtClean="0">
-                <a:latin typeface="Arial" charset="0"/>
-              </a:rPr>
-              <a:t>versatil</a:t>
-            </a:r>
-            <a:r>
-              <a:rPr lang="en-US" baseline="0" dirty="0" smtClean="0">
-                <a:latin typeface="Arial" charset="0"/>
-              </a:rPr>
-              <a:t> publish subscribe mechanism with the Observe flag. This last point actually is now being extended for instance with the </a:t>
-            </a:r>
-            <a:r>
-              <a:rPr lang="en-US" baseline="0" dirty="0" err="1" smtClean="0">
-                <a:latin typeface="Arial" charset="0"/>
-              </a:rPr>
-              <a:t>PubSb</a:t>
-            </a:r>
-            <a:r>
-              <a:rPr lang="en-US" baseline="0" dirty="0" smtClean="0">
-                <a:latin typeface="Arial" charset="0"/>
-              </a:rPr>
-              <a:t> draft that Michael Ari and I have been working on.</a:t>
-            </a:r>
-            <a:endParaRPr lang="en-US" baseline="0" dirty="0">
-              <a:latin typeface="Arial" charset="0"/>
-            </a:endParaRPr>
+              <a:t>  from the EP or via normal HTTP.</a:t>
+            </a:r>
           </a:p>
         </p:txBody>
       </p:sp>
@@ -6843,7 +6287,7 @@
             <a:fld id="{1D535339-8385-F148-A20E-9136B5CB9B04}" type="datetime1">
               <a:rPr lang="en-US" sz="1300"/>
               <a:pPr eaLnBrk="1" hangingPunct="1"/>
-              <a:t>16/06/15</a:t>
+              <a:t>17/06/15</a:t>
             </a:fld>
             <a:r>
               <a:rPr lang="en-US" sz="1300"/>
@@ -7234,9 +6678,115 @@
           <a:bodyPr/>
           <a:lstStyle/>
           <a:p>
-            <a:endParaRPr lang="en-US" baseline="0" dirty="0">
+            <a:r>
+              <a:rPr lang="en-US" dirty="0" smtClean="0">
+                <a:latin typeface="Arial" charset="0"/>
+              </a:rPr>
+              <a:t>A third protocol</a:t>
+            </a:r>
+            <a:r>
+              <a:rPr lang="en-US" baseline="0" dirty="0" smtClean="0">
+                <a:latin typeface="Arial" charset="0"/>
+              </a:rPr>
+              <a:t> that appears in the picture is OMA LWM2M</a:t>
+            </a:r>
+          </a:p>
+          <a:p>
+            <a:endParaRPr lang="en-US" baseline="0" dirty="0" smtClean="0">
               <a:latin typeface="Arial" charset="0"/>
             </a:endParaRPr>
+          </a:p>
+          <a:p>
+            <a:r>
+              <a:rPr lang="en-US" baseline="0" dirty="0" smtClean="0">
+                <a:latin typeface="Arial" charset="0"/>
+              </a:rPr>
+              <a:t>In </a:t>
+            </a:r>
+            <a:r>
+              <a:rPr lang="en-US" baseline="0" dirty="0" smtClean="0">
+                <a:latin typeface="Arial" charset="0"/>
+              </a:rPr>
+              <a:t>a way it extends </a:t>
+            </a:r>
+            <a:r>
+              <a:rPr lang="en-US" baseline="0" dirty="0" err="1" smtClean="0">
+                <a:latin typeface="Arial" charset="0"/>
+              </a:rPr>
+              <a:t>CoAP</a:t>
+            </a:r>
+            <a:r>
+              <a:rPr lang="en-US" baseline="0" dirty="0" smtClean="0">
+                <a:latin typeface="Arial" charset="0"/>
+              </a:rPr>
+              <a:t> with few interfaces that provide bootstrap, registration…. For the constrained device.</a:t>
+            </a:r>
+          </a:p>
+          <a:p>
+            <a:r>
+              <a:rPr lang="en-US" baseline="0" dirty="0" smtClean="0">
+                <a:latin typeface="Arial" charset="0"/>
+              </a:rPr>
+              <a:t>LWM2M </a:t>
+            </a:r>
+            <a:r>
+              <a:rPr lang="en-US" baseline="0" dirty="0" smtClean="0">
+                <a:latin typeface="Arial" charset="0"/>
+              </a:rPr>
+              <a:t>also ads the </a:t>
+            </a:r>
+            <a:r>
+              <a:rPr lang="en-US" baseline="0" dirty="0" smtClean="0">
+                <a:latin typeface="Arial" charset="0"/>
+              </a:rPr>
+              <a:t>possibility </a:t>
+            </a:r>
+            <a:r>
+              <a:rPr lang="en-US" baseline="0" dirty="0" smtClean="0">
+                <a:latin typeface="Arial" charset="0"/>
+              </a:rPr>
+              <a:t>to operate on the device’s resources, adding read write, execute options, access control , …)</a:t>
+            </a:r>
+          </a:p>
+          <a:p>
+            <a:r>
+              <a:rPr lang="en-US" baseline="0" dirty="0" smtClean="0">
+                <a:latin typeface="Arial" charset="0"/>
+              </a:rPr>
+              <a:t>More importantly, those resources </a:t>
+            </a:r>
+            <a:r>
+              <a:rPr lang="en-US" baseline="0" dirty="0" smtClean="0">
+                <a:latin typeface="Arial" charset="0"/>
+              </a:rPr>
+              <a:t>acquire </a:t>
+            </a:r>
+            <a:r>
+              <a:rPr lang="en-US" baseline="0" dirty="0" smtClean="0">
+                <a:latin typeface="Arial" charset="0"/>
+              </a:rPr>
+              <a:t>a new dimension since they have a structure that allows for extensibility and interoperability. LWM2M introduces the use of a simple and </a:t>
+            </a:r>
+            <a:r>
+              <a:rPr lang="en-US" baseline="0" dirty="0" err="1" smtClean="0">
+                <a:latin typeface="Arial" charset="0"/>
+              </a:rPr>
+              <a:t>resusable</a:t>
+            </a:r>
+            <a:r>
+              <a:rPr lang="en-US" baseline="0" dirty="0" smtClean="0">
+                <a:latin typeface="Arial" charset="0"/>
+              </a:rPr>
+              <a:t> object mode. </a:t>
+            </a:r>
+          </a:p>
+          <a:p>
+            <a:r>
+              <a:rPr lang="en-US" baseline="0" dirty="0" smtClean="0">
+                <a:latin typeface="Arial" charset="0"/>
+              </a:rPr>
+              <a:t>This object model is the one that IPSO has taken and extended to support new object types, new devices and new sensor types.</a:t>
+            </a:r>
           </a:p>
         </p:txBody>
       </p:sp>
@@ -7540,7 +7090,7 @@
             <a:fld id="{1D535339-8385-F148-A20E-9136B5CB9B04}" type="datetime1">
               <a:rPr lang="en-US" sz="1300"/>
               <a:pPr eaLnBrk="1" hangingPunct="1"/>
-              <a:t>17/06/15</a:t>
+              <a:t>16/06/15</a:t>
             </a:fld>
             <a:r>
               <a:rPr lang="en-US" sz="1300"/>
@@ -7882,7 +7432,7 @@
       </p:grpSpPr>
       <p:sp>
         <p:nvSpPr>
-          <p:cNvPr id="30721" name="Slide Image Placeholder 1"/>
+          <p:cNvPr id="28673" name="Slide Image Placeholder 1"/>
           <p:cNvSpPr>
             <a:spLocks noGrp="1" noRot="1" noChangeAspect="1"/>
           </p:cNvSpPr>
@@ -7896,7 +7446,7 @@
       </p:sp>
       <p:sp>
         <p:nvSpPr>
-          <p:cNvPr id="30722" name="Notes Placeholder 2"/>
+          <p:cNvPr id="28674" name="Notes Placeholder 2"/>
           <p:cNvSpPr>
             <a:spLocks noGrp="1"/>
           </p:cNvSpPr>
@@ -7931,7 +7481,7 @@
           <a:bodyPr/>
           <a:lstStyle/>
           <a:p>
-            <a:endParaRPr lang="en-US" baseline="0" dirty="0">
+            <a:endParaRPr lang="en-US" dirty="0">
               <a:latin typeface="Arial" charset="0"/>
             </a:endParaRPr>
           </a:p>
@@ -7939,7 +7489,7 @@
       </p:sp>
       <p:sp>
         <p:nvSpPr>
-          <p:cNvPr id="30723" name="Header Placeholder 3"/>
+          <p:cNvPr id="28675" name="Header Placeholder 3"/>
           <p:cNvSpPr>
             <a:spLocks noGrp="1"/>
           </p:cNvSpPr>
@@ -8091,7 +7641,7 @@
       </p:sp>
       <p:sp>
         <p:nvSpPr>
-          <p:cNvPr id="30724" name="Date Placeholder 4"/>
+          <p:cNvPr id="28676" name="Date Placeholder 4"/>
           <p:cNvSpPr>
             <a:spLocks noGrp="1"/>
           </p:cNvSpPr>
@@ -8234,10 +7784,10 @@
           </a:lstStyle>
           <a:p>
             <a:pPr eaLnBrk="1" hangingPunct="1"/>
-            <a:fld id="{1D535339-8385-F148-A20E-9136B5CB9B04}" type="datetime1">
+            <a:fld id="{687D8F5A-1942-3B49-89A8-6C2610CB2196}" type="datetime1">
               <a:rPr lang="en-US" sz="1300"/>
               <a:pPr eaLnBrk="1" hangingPunct="1"/>
-              <a:t>17/06/15</a:t>
+              <a:t>16/06/15</a:t>
             </a:fld>
             <a:r>
               <a:rPr lang="en-US" sz="1300"/>
@@ -8248,7 +7798,7 @@
       </p:sp>
       <p:sp>
         <p:nvSpPr>
-          <p:cNvPr id="30725" name="Footer Placeholder 5"/>
+          <p:cNvPr id="28677" name="Footer Placeholder 5"/>
           <p:cNvSpPr>
             <a:spLocks noGrp="1"/>
           </p:cNvSpPr>
@@ -8400,7 +7950,7 @@
       </p:sp>
       <p:sp>
         <p:nvSpPr>
-          <p:cNvPr id="30726" name="Slide Number Placeholder 6"/>
+          <p:cNvPr id="28678" name="Slide Number Placeholder 6"/>
           <p:cNvSpPr>
             <a:spLocks noGrp="1"/>
           </p:cNvSpPr>
@@ -8543,7 +8093,7 @@
           </a:lstStyle>
           <a:p>
             <a:pPr eaLnBrk="1" hangingPunct="1"/>
-            <a:fld id="{A51D5D40-B425-B849-A9BC-1045A25E78D9}" type="slidenum">
+            <a:fld id="{D489A99E-0AFD-4844-9CFC-ABFD2ADCDBAC}" type="slidenum">
               <a:rPr lang="en-US" sz="1300"/>
               <a:pPr eaLnBrk="1" hangingPunct="1"/>
               <a:t>7</a:t>
@@ -8628,138 +8178,441 @@
           <a:bodyPr/>
           <a:lstStyle/>
           <a:p>
-            <a:r>
-              <a:rPr lang="en-US" dirty="0" smtClean="0">
-                <a:latin typeface="Arial" charset="0"/>
-              </a:rPr>
-              <a:t>A third protocol</a:t>
-            </a:r>
-            <a:r>
-              <a:rPr lang="en-US" baseline="0" dirty="0" smtClean="0">
-                <a:latin typeface="Arial" charset="0"/>
-              </a:rPr>
-              <a:t> that appears in the picture is OMA LWM2M</a:t>
-            </a:r>
-          </a:p>
-          <a:p>
-            <a:r>
-              <a:rPr lang="en-US" baseline="0" dirty="0" smtClean="0">
-                <a:latin typeface="Arial" charset="0"/>
-              </a:rPr>
-              <a:t>LWM2M is relatively recent when compared with </a:t>
-            </a:r>
-            <a:r>
-              <a:rPr lang="en-US" baseline="0" dirty="0" err="1" smtClean="0">
-                <a:latin typeface="Arial" charset="0"/>
+            <a:pPr marL="171450" indent="-171450">
+              <a:buFont typeface="Arial"/>
+              <a:buChar char="•"/>
+            </a:pPr>
+            <a:r>
+              <a:rPr lang="en-US" sz="1200" kern="1200" baseline="0" dirty="0" smtClean="0">
+                <a:solidFill>
+                  <a:schemeClr val="tx1"/>
+                </a:solidFill>
+                <a:latin typeface="Arial" charset="0"/>
+                <a:ea typeface="+mn-ea"/>
+                <a:cs typeface="Andale Mono"/>
+              </a:rPr>
+              <a:t>IP for Smart Objects is an Alliance of several companies, you can find that information on the IPSO Alliance Website. IPSO has few committees, among those the IPSO Smart Objects Committee where we define Smart Objects.</a:t>
+            </a:r>
+          </a:p>
+          <a:p>
+            <a:pPr marL="0" indent="0">
+              <a:buFont typeface="Arial"/>
+              <a:buNone/>
+            </a:pPr>
+            <a:endParaRPr lang="en-US" sz="1200" kern="1200" baseline="0" dirty="0" smtClean="0">
+              <a:solidFill>
+                <a:schemeClr val="tx1"/>
+              </a:solidFill>
+              <a:latin typeface="Arial" charset="0"/>
+              <a:ea typeface="+mn-ea"/>
+              <a:cs typeface="Andale Mono"/>
+            </a:endParaRPr>
+          </a:p>
+          <a:p>
+            <a:pPr marL="171450" indent="-171450">
+              <a:buFont typeface="Arial"/>
+              <a:buChar char="•"/>
+            </a:pPr>
+            <a:r>
+              <a:rPr lang="en-US" sz="1200" kern="1200" baseline="0" dirty="0" smtClean="0">
+                <a:solidFill>
+                  <a:schemeClr val="tx1"/>
+                </a:solidFill>
+                <a:latin typeface="Arial" charset="0"/>
+                <a:ea typeface="+mn-ea"/>
+                <a:cs typeface="Andale Mono"/>
+              </a:rPr>
+              <a:t>The overall goal is for semantic interoperability btw devices (sensors and actuators) and the applications that use them. We are creating a standard set of semantics that can be used to provide plug and play interoperability btw devices and applications.</a:t>
+            </a:r>
+          </a:p>
+          <a:p>
+            <a:pPr marL="171450" indent="-171450">
+              <a:buFont typeface="Arial"/>
+              <a:buChar char="•"/>
+            </a:pPr>
+            <a:endParaRPr lang="en-US" sz="1200" kern="1200" baseline="0" dirty="0" smtClean="0">
+              <a:solidFill>
+                <a:schemeClr val="tx1"/>
+              </a:solidFill>
+              <a:latin typeface="Arial" charset="0"/>
+              <a:ea typeface="+mn-ea"/>
+              <a:cs typeface="Andale Mono"/>
+            </a:endParaRPr>
+          </a:p>
+          <a:p>
+            <a:pPr marL="171450" indent="-171450">
+              <a:buFont typeface="Arial"/>
+              <a:buChar char="•"/>
+            </a:pPr>
+            <a:r>
+              <a:rPr lang="en-US" sz="1200" kern="1200" baseline="0" dirty="0" smtClean="0">
+                <a:solidFill>
+                  <a:schemeClr val="tx1"/>
+                </a:solidFill>
+                <a:latin typeface="Arial" charset="0"/>
+                <a:ea typeface="+mn-ea"/>
+                <a:cs typeface="Andale Mono"/>
+              </a:rPr>
+              <a:t>We have taken the LWM2M Object model almost as it is. LWM2M Objects are used for management of devices, they provide a </a:t>
+            </a:r>
+            <a:r>
+              <a:rPr lang="en-US" sz="1200" b="1" kern="1200" baseline="0" dirty="0" smtClean="0">
+                <a:solidFill>
+                  <a:schemeClr val="tx1"/>
+                </a:solidFill>
+                <a:latin typeface="Arial" charset="0"/>
+                <a:ea typeface="+mn-ea"/>
+                <a:cs typeface="Andale Mono"/>
+              </a:rPr>
+              <a:t>clear URI forma</a:t>
+            </a:r>
+            <a:r>
+              <a:rPr lang="en-US" sz="1200" kern="1200" baseline="0" dirty="0" smtClean="0">
+                <a:solidFill>
+                  <a:schemeClr val="tx1"/>
+                </a:solidFill>
+                <a:latin typeface="Arial" charset="0"/>
+                <a:ea typeface="+mn-ea"/>
+                <a:cs typeface="Andale Mono"/>
+              </a:rPr>
+              <a:t>t for addressing those </a:t>
+            </a:r>
+            <a:r>
+              <a:rPr lang="en-US" sz="1200" b="1" kern="1200" baseline="0" dirty="0" smtClean="0">
+                <a:solidFill>
+                  <a:schemeClr val="tx1"/>
+                </a:solidFill>
+                <a:latin typeface="Arial" charset="0"/>
+                <a:ea typeface="+mn-ea"/>
+                <a:cs typeface="Andale Mono"/>
+              </a:rPr>
+              <a:t>management objects</a:t>
+            </a:r>
+            <a:r>
+              <a:rPr lang="en-US" sz="1200" kern="1200" baseline="0" dirty="0" smtClean="0">
+                <a:solidFill>
+                  <a:schemeClr val="tx1"/>
+                </a:solidFill>
+                <a:latin typeface="Arial" charset="0"/>
+                <a:ea typeface="+mn-ea"/>
+                <a:cs typeface="Andale Mono"/>
+              </a:rPr>
+              <a:t>, as well </a:t>
+            </a:r>
+            <a:r>
+              <a:rPr lang="en-US" sz="1200" b="1" kern="1200" baseline="0" dirty="0" smtClean="0">
+                <a:solidFill>
+                  <a:schemeClr val="tx1"/>
+                </a:solidFill>
+                <a:latin typeface="Arial" charset="0"/>
+                <a:ea typeface="+mn-ea"/>
+                <a:cs typeface="Andale Mono"/>
+              </a:rPr>
+              <a:t>as access control, instantiation</a:t>
+            </a:r>
+            <a:r>
+              <a:rPr lang="en-US" sz="1200" kern="1200" baseline="0" dirty="0" smtClean="0">
+                <a:solidFill>
+                  <a:schemeClr val="tx1"/>
+                </a:solidFill>
+                <a:latin typeface="Arial" charset="0"/>
+                <a:ea typeface="+mn-ea"/>
+                <a:cs typeface="Andale Mono"/>
+              </a:rPr>
+              <a:t> </a:t>
+            </a:r>
+            <a:r>
+              <a:rPr lang="en-US" sz="1200" b="1" kern="1200" baseline="0" dirty="0" smtClean="0">
+                <a:solidFill>
+                  <a:schemeClr val="tx1"/>
+                </a:solidFill>
+                <a:latin typeface="Arial" charset="0"/>
+                <a:ea typeface="+mn-ea"/>
+                <a:cs typeface="Andale Mono"/>
+              </a:rPr>
+              <a:t>and resources</a:t>
+            </a:r>
+            <a:r>
+              <a:rPr lang="en-US" sz="1200" kern="1200" baseline="0" dirty="0" smtClean="0">
+                <a:solidFill>
+                  <a:schemeClr val="tx1"/>
+                </a:solidFill>
+                <a:latin typeface="Arial" charset="0"/>
+                <a:ea typeface="+mn-ea"/>
+                <a:cs typeface="Andale Mono"/>
+              </a:rPr>
+              <a:t>.</a:t>
+            </a:r>
+          </a:p>
+          <a:p>
+            <a:pPr marL="171450" indent="-171450">
+              <a:buFont typeface="Arial"/>
+              <a:buChar char="•"/>
+            </a:pPr>
+            <a:endParaRPr lang="en-US" sz="1200" kern="1200" baseline="0" dirty="0" smtClean="0">
+              <a:solidFill>
+                <a:schemeClr val="tx1"/>
+              </a:solidFill>
+              <a:latin typeface="Arial" charset="0"/>
+              <a:ea typeface="+mn-ea"/>
+              <a:cs typeface="Andale Mono"/>
+            </a:endParaRPr>
+          </a:p>
+          <a:p>
+            <a:pPr marL="171450" indent="-171450">
+              <a:buFont typeface="Arial"/>
+              <a:buChar char="•"/>
+            </a:pPr>
+            <a:r>
+              <a:rPr lang="en-US" sz="1200" kern="1200" baseline="0" dirty="0" smtClean="0">
+                <a:solidFill>
+                  <a:schemeClr val="tx1"/>
+                </a:solidFill>
+                <a:latin typeface="Arial" charset="0"/>
+                <a:ea typeface="+mn-ea"/>
+                <a:cs typeface="Andale Mono"/>
+              </a:rPr>
+              <a:t>In IPSO </a:t>
+            </a:r>
+            <a:r>
+              <a:rPr lang="en-US" sz="1200" b="1" kern="1200" baseline="0" dirty="0" smtClean="0">
+                <a:solidFill>
+                  <a:schemeClr val="tx1"/>
+                </a:solidFill>
+                <a:latin typeface="Arial" charset="0"/>
+                <a:ea typeface="+mn-ea"/>
+                <a:cs typeface="Andale Mono"/>
+              </a:rPr>
+              <a:t>we extend </a:t>
+            </a:r>
+            <a:r>
+              <a:rPr lang="en-US" sz="1200" kern="1200" baseline="0" dirty="0" smtClean="0">
+                <a:solidFill>
+                  <a:schemeClr val="tx1"/>
+                </a:solidFill>
+                <a:latin typeface="Arial" charset="0"/>
+                <a:ea typeface="+mn-ea"/>
+                <a:cs typeface="Andale Mono"/>
+              </a:rPr>
+              <a:t>that model with the </a:t>
+            </a:r>
+            <a:r>
+              <a:rPr lang="en-US" sz="1200" b="1" kern="1200" baseline="0" dirty="0" smtClean="0">
+                <a:solidFill>
+                  <a:schemeClr val="tx1"/>
+                </a:solidFill>
+                <a:latin typeface="Arial" charset="0"/>
+                <a:ea typeface="+mn-ea"/>
+                <a:cs typeface="Andale Mono"/>
+              </a:rPr>
+              <a:t>concept of reusable resources</a:t>
+            </a:r>
+            <a:r>
+              <a:rPr lang="en-US" sz="1200" kern="1200" baseline="0" dirty="0" smtClean="0">
+                <a:solidFill>
+                  <a:schemeClr val="tx1"/>
+                </a:solidFill>
+                <a:latin typeface="Arial" charset="0"/>
+                <a:ea typeface="+mn-ea"/>
+                <a:cs typeface="Andale Mono"/>
+              </a:rPr>
+              <a:t>. The goal is that if you have some specific sensor, you can take one of the existing IPSO Objects and use it as it is or take its resources and extend it to suit your particular device characteristics. </a:t>
+            </a:r>
+          </a:p>
+          <a:p>
+            <a:pPr marL="171450" indent="-171450">
+              <a:buFont typeface="Arial"/>
+              <a:buChar char="•"/>
+            </a:pPr>
+            <a:endParaRPr lang="en-US" sz="1200" kern="1200" baseline="0" dirty="0" smtClean="0">
+              <a:solidFill>
+                <a:schemeClr val="tx1"/>
+              </a:solidFill>
+              <a:latin typeface="Arial" charset="0"/>
+              <a:ea typeface="+mn-ea"/>
+              <a:cs typeface="Andale Mono"/>
+            </a:endParaRPr>
+          </a:p>
+          <a:p>
+            <a:pPr marL="171450" indent="-171450">
+              <a:buFont typeface="Arial"/>
+              <a:buChar char="•"/>
+            </a:pPr>
+            <a:r>
+              <a:rPr lang="en-US" sz="1200" kern="1200" baseline="0" dirty="0" smtClean="0">
+                <a:solidFill>
+                  <a:schemeClr val="tx1"/>
+                </a:solidFill>
+                <a:latin typeface="Arial" charset="0"/>
+                <a:ea typeface="+mn-ea"/>
+                <a:cs typeface="Andale Mono"/>
+              </a:rPr>
+              <a:t>We have designed IPSO Objects to be transport protocol independent. It obviously supports </a:t>
+            </a:r>
+            <a:r>
+              <a:rPr lang="en-US" sz="1200" kern="1200" baseline="0" dirty="0" err="1" smtClean="0">
+                <a:solidFill>
+                  <a:schemeClr val="tx1"/>
+                </a:solidFill>
+                <a:latin typeface="Arial" charset="0"/>
+                <a:ea typeface="+mn-ea"/>
+                <a:cs typeface="Andale Mono"/>
               </a:rPr>
               <a:t>CoAP</a:t>
             </a:r>
             <a:r>
-              <a:rPr lang="en-US" baseline="0" dirty="0" smtClean="0">
-                <a:latin typeface="Arial" charset="0"/>
-              </a:rPr>
-              <a:t> and it tries to give management support for constrained devices.</a:t>
-            </a:r>
-          </a:p>
-          <a:p>
-            <a:r>
-              <a:rPr lang="en-US" baseline="0" dirty="0" smtClean="0">
-                <a:latin typeface="Arial" charset="0"/>
-              </a:rPr>
-              <a:t>In a way it extends </a:t>
-            </a:r>
-            <a:r>
-              <a:rPr lang="en-US" baseline="0" dirty="0" err="1" smtClean="0">
-                <a:latin typeface="Arial" charset="0"/>
+              <a:rPr lang="en-US" sz="1200" kern="1200" baseline="0" dirty="0" smtClean="0">
+                <a:solidFill>
+                  <a:schemeClr val="tx1"/>
+                </a:solidFill>
+                <a:latin typeface="Arial" charset="0"/>
+                <a:ea typeface="+mn-ea"/>
+                <a:cs typeface="Andale Mono"/>
+              </a:rPr>
+              <a:t> as it is based on LWM2M objects, but people have used them with MQTT or HTTP as well. So you can basically send the object data over as long as you support the basic data types and content formats. </a:t>
+            </a:r>
+          </a:p>
+          <a:p>
+            <a:pPr marL="171450" indent="-171450">
+              <a:buFont typeface="Arial"/>
+              <a:buChar char="•"/>
+            </a:pPr>
+            <a:endParaRPr lang="en-US" sz="1200" kern="1200" baseline="0" dirty="0" smtClean="0">
+              <a:solidFill>
+                <a:schemeClr val="tx1"/>
+              </a:solidFill>
+              <a:latin typeface="Arial" charset="0"/>
+              <a:ea typeface="+mn-ea"/>
+              <a:cs typeface="Andale Mono"/>
+            </a:endParaRPr>
+          </a:p>
+          <a:p>
+            <a:pPr marL="171450" indent="-171450">
+              <a:buFont typeface="Arial"/>
+              <a:buChar char="•"/>
+            </a:pPr>
+            <a:r>
+              <a:rPr lang="en-US" sz="1200" kern="1200" baseline="0" dirty="0" smtClean="0">
+                <a:solidFill>
+                  <a:schemeClr val="tx1"/>
+                </a:solidFill>
+                <a:latin typeface="Arial" charset="0"/>
+                <a:ea typeface="+mn-ea"/>
+                <a:cs typeface="Andale Mono"/>
+              </a:rPr>
+              <a:t>Also for serialization it will depend on the protocol, can be TLV, JSON, plain text . For example we have successfully done </a:t>
+            </a:r>
+            <a:r>
+              <a:rPr lang="en-US" sz="1200" kern="1200" baseline="0" dirty="0" err="1" smtClean="0">
+                <a:solidFill>
+                  <a:schemeClr val="tx1"/>
+                </a:solidFill>
+                <a:latin typeface="Arial" charset="0"/>
+                <a:ea typeface="+mn-ea"/>
+                <a:cs typeface="Andale Mono"/>
+              </a:rPr>
+              <a:t>interop</a:t>
+            </a:r>
+            <a:r>
+              <a:rPr lang="en-US" sz="1200" kern="1200" baseline="0" dirty="0" smtClean="0">
+                <a:solidFill>
+                  <a:schemeClr val="tx1"/>
+                </a:solidFill>
+                <a:latin typeface="Arial" charset="0"/>
+                <a:ea typeface="+mn-ea"/>
+                <a:cs typeface="Andale Mono"/>
+              </a:rPr>
+              <a:t> tests with TLV and plaintext.</a:t>
+            </a:r>
+          </a:p>
+          <a:p>
+            <a:pPr marL="171450" indent="-171450">
+              <a:buFont typeface="Arial"/>
+              <a:buChar char="•"/>
+            </a:pPr>
+            <a:endParaRPr lang="en-US" sz="1200" kern="1200" baseline="0" dirty="0" smtClean="0">
+              <a:solidFill>
+                <a:schemeClr val="tx1"/>
+              </a:solidFill>
+              <a:latin typeface="Arial" charset="0"/>
+              <a:ea typeface="+mn-ea"/>
+              <a:cs typeface="Andale Mono"/>
+            </a:endParaRPr>
+          </a:p>
+          <a:p>
+            <a:pPr marL="171450" indent="-171450">
+              <a:buFont typeface="Arial"/>
+              <a:buChar char="•"/>
+            </a:pPr>
+            <a:r>
+              <a:rPr lang="en-US" sz="1200" kern="1200" baseline="0" dirty="0" smtClean="0">
+                <a:solidFill>
+                  <a:schemeClr val="tx1"/>
+                </a:solidFill>
+                <a:latin typeface="Arial" charset="0"/>
+                <a:ea typeface="+mn-ea"/>
+                <a:cs typeface="Andale Mono"/>
+              </a:rPr>
+              <a:t>We have already released a basic set of smart objects last year, with some very common sensors and actuator templates, you can go and have a look at the website or you can let us know if you are interested on using them or give feedback and so on.</a:t>
+            </a:r>
+          </a:p>
+          <a:p>
+            <a:pPr marL="171450" indent="-171450">
+              <a:buFont typeface="Arial"/>
+              <a:buChar char="•"/>
+            </a:pPr>
+            <a:endParaRPr lang="en-US" sz="1200" kern="1200" baseline="0" dirty="0" smtClean="0">
+              <a:solidFill>
+                <a:schemeClr val="tx1"/>
+              </a:solidFill>
+              <a:latin typeface="Arial" charset="0"/>
+              <a:ea typeface="+mn-ea"/>
+              <a:cs typeface="Andale Mono"/>
+            </a:endParaRPr>
+          </a:p>
+          <a:p>
+            <a:pPr marL="171450" indent="-171450">
+              <a:buFont typeface="Arial"/>
+              <a:buChar char="•"/>
+            </a:pPr>
+            <a:r>
+              <a:rPr lang="en-US" sz="1200" kern="1200" baseline="0" dirty="0" smtClean="0">
+                <a:solidFill>
+                  <a:schemeClr val="tx1"/>
+                </a:solidFill>
+                <a:latin typeface="Arial" charset="0"/>
+                <a:ea typeface="+mn-ea"/>
+                <a:cs typeface="Andale Mono"/>
+              </a:rPr>
+              <a:t>We also have tested it between the partners in IPSO few weeks ago. Each brought their own implementation of IPSO objects, we used </a:t>
+            </a:r>
+            <a:r>
+              <a:rPr lang="en-US" sz="1200" kern="1200" baseline="0" dirty="0" err="1" smtClean="0">
+                <a:solidFill>
+                  <a:schemeClr val="tx1"/>
+                </a:solidFill>
+                <a:latin typeface="Arial" charset="0"/>
+                <a:ea typeface="+mn-ea"/>
+                <a:cs typeface="Andale Mono"/>
               </a:rPr>
               <a:t>CoAP</a:t>
             </a:r>
             <a:r>
-              <a:rPr lang="en-US" baseline="0" dirty="0" smtClean="0">
-                <a:latin typeface="Arial" charset="0"/>
-              </a:rPr>
-              <a:t> with few interfaces that provide bootstrap, registration…. For the constrained device.</a:t>
-            </a:r>
-          </a:p>
-          <a:p>
-            <a:r>
-              <a:rPr lang="en-US" baseline="0" dirty="0" smtClean="0">
-                <a:latin typeface="Arial" charset="0"/>
-              </a:rPr>
-              <a:t>It also </a:t>
-            </a:r>
-            <a:r>
-              <a:rPr lang="en-US" baseline="0" dirty="0" err="1" smtClean="0">
-                <a:latin typeface="Arial" charset="0"/>
-              </a:rPr>
-              <a:t>kinda</a:t>
-            </a:r>
-            <a:r>
-              <a:rPr lang="en-US" baseline="0" dirty="0" smtClean="0">
-                <a:latin typeface="Arial" charset="0"/>
-              </a:rPr>
-              <a:t> swaps the client-server roles but, as I was saying before, EPs capabilities vary and they will most likely have client and server roles. </a:t>
-            </a:r>
-          </a:p>
-          <a:p>
-            <a:r>
-              <a:rPr lang="en-US" baseline="0" dirty="0" smtClean="0">
-                <a:latin typeface="Arial" charset="0"/>
-              </a:rPr>
-              <a:t>LWM2M also ads the </a:t>
-            </a:r>
-            <a:r>
-              <a:rPr lang="en-US" baseline="0" dirty="0" err="1" smtClean="0">
-                <a:latin typeface="Arial" charset="0"/>
-              </a:rPr>
-              <a:t>posibility</a:t>
-            </a:r>
-            <a:r>
-              <a:rPr lang="en-US" baseline="0" dirty="0" smtClean="0">
-                <a:latin typeface="Arial" charset="0"/>
-              </a:rPr>
-              <a:t> to operate on the device’s resources, adding read write, execute options, access control , …)</a:t>
-            </a:r>
-          </a:p>
-          <a:p>
-            <a:r>
-              <a:rPr lang="en-US" baseline="0" dirty="0" smtClean="0">
-                <a:latin typeface="Arial" charset="0"/>
-              </a:rPr>
-              <a:t>More importantly, those resources </a:t>
-            </a:r>
-            <a:r>
-              <a:rPr lang="en-US" baseline="0" dirty="0" err="1" smtClean="0">
-                <a:latin typeface="Arial" charset="0"/>
-              </a:rPr>
-              <a:t>adquire</a:t>
-            </a:r>
-            <a:r>
-              <a:rPr lang="en-US" baseline="0" dirty="0" smtClean="0">
-                <a:latin typeface="Arial" charset="0"/>
-              </a:rPr>
-              <a:t> a new dimension since they have a structure that allows for extensibility and interoperability. LWM2M introduces the use of a simple and </a:t>
-            </a:r>
-            <a:r>
-              <a:rPr lang="en-US" baseline="0" dirty="0" err="1" smtClean="0">
-                <a:latin typeface="Arial" charset="0"/>
-              </a:rPr>
-              <a:t>resusable</a:t>
-            </a:r>
-            <a:r>
-              <a:rPr lang="en-US" baseline="0" dirty="0" smtClean="0">
-                <a:latin typeface="Arial" charset="0"/>
-              </a:rPr>
-              <a:t> object mode. </a:t>
-            </a:r>
-          </a:p>
-          <a:p>
-            <a:r>
-              <a:rPr lang="en-US" baseline="0" dirty="0" smtClean="0">
-                <a:latin typeface="Arial" charset="0"/>
-              </a:rPr>
-              <a:t>This object model is the one that IPSO has taken and extended to support new object types, new devices and new sensor types.</a:t>
-            </a:r>
+              <a:rPr lang="en-US" sz="1200" kern="1200" baseline="0" dirty="0" smtClean="0">
+                <a:solidFill>
+                  <a:schemeClr val="tx1"/>
+                </a:solidFill>
+                <a:latin typeface="Arial" charset="0"/>
+                <a:ea typeface="+mn-ea"/>
+                <a:cs typeface="Andale Mono"/>
+              </a:rPr>
+              <a:t> LWM2M for the application layer and tested it over an IPv6 network</a:t>
+            </a:r>
+          </a:p>
+          <a:p>
+            <a:endParaRPr lang="en-US" baseline="0" dirty="0">
+              <a:latin typeface="Arial" charset="0"/>
+            </a:endParaRPr>
           </a:p>
         </p:txBody>
       </p:sp>
@@ -9063,7 +8916,7 @@
             <a:fld id="{1D535339-8385-F148-A20E-9136B5CB9B04}" type="datetime1">
               <a:rPr lang="en-US" sz="1300"/>
               <a:pPr eaLnBrk="1" hangingPunct="1"/>
-              <a:t>16/06/15</a:t>
+              <a:t>17/06/15</a:t>
             </a:fld>
             <a:r>
               <a:rPr lang="en-US" sz="1300"/>
@@ -9405,7 +9258,7 @@
       </p:grpSpPr>
       <p:sp>
         <p:nvSpPr>
-          <p:cNvPr id="28673" name="Slide Image Placeholder 1"/>
+          <p:cNvPr id="2" name="Slide Image Placeholder 1"/>
           <p:cNvSpPr>
             <a:spLocks noGrp="1" noRot="1" noChangeAspect="1"/>
           </p:cNvSpPr>
@@ -9413,13 +9266,11 @@
             <p:ph type="sldImg"/>
           </p:nvPr>
         </p:nvSpPr>
-        <p:spPr>
-          <a:ln/>
-        </p:spPr>
+        <p:spPr/>
       </p:sp>
       <p:sp>
         <p:nvSpPr>
-          <p:cNvPr id="28674" name="Notes Placeholder 2"/>
+          <p:cNvPr id="3" name="Notes Placeholder 2"/>
           <p:cNvSpPr>
             <a:spLocks noGrp="1"/>
           </p:cNvSpPr>
@@ -9427,655 +9278,146 @@
             <p:ph type="body" idx="1"/>
           </p:nvPr>
         </p:nvSpPr>
-        <p:spPr>
-          <a:noFill/>
-          <a:ln/>
-          <a:extLst>
-            <a:ext uri="{909E8E84-426E-40dd-AFC4-6F175D3DCCD1}">
-              <a14:hiddenFill xmlns:a14="http://schemas.microsoft.com/office/drawing/2010/main">
-                <a:solidFill>
-                  <a:srgbClr val="FFFFFF"/>
-                </a:solidFill>
-              </a14:hiddenFill>
-            </a:ext>
-            <a:ext uri="{91240B29-F687-4f45-9708-019B960494DF}">
-              <a14:hiddenLine xmlns:a14="http://schemas.microsoft.com/office/drawing/2010/main" w="9525">
-                <a:solidFill>
-                  <a:srgbClr val="000000"/>
-                </a:solidFill>
-                <a:miter lim="800000"/>
-                <a:headEnd/>
-                <a:tailEnd/>
-              </a14:hiddenLine>
-            </a:ext>
-          </a:extLst>
-        </p:spPr>
+        <p:spPr/>
         <p:txBody>
           <a:bodyPr/>
           <a:lstStyle/>
           <a:p>
-            <a:endParaRPr lang="en-US" dirty="0">
-              <a:latin typeface="Arial" charset="0"/>
-            </a:endParaRPr>
+            <a:r>
+              <a:rPr lang="en-US" dirty="0" smtClean="0"/>
+              <a:t>IPSO Smart Objects </a:t>
+            </a:r>
+            <a:r>
+              <a:rPr lang="en-US" dirty="0" smtClean="0"/>
+              <a:t>tries to bring to the picture a</a:t>
+            </a:r>
+            <a:r>
+              <a:rPr lang="en-US" baseline="0" dirty="0" smtClean="0"/>
+              <a:t> set of reusable resources that can be used across domains.</a:t>
+            </a:r>
+          </a:p>
+          <a:p>
+            <a:r>
+              <a:rPr lang="en-US" baseline="0" dirty="0" smtClean="0"/>
+              <a:t>We take the OMA LWM2M Object model and define a new set of Objects</a:t>
+            </a:r>
+            <a:endParaRPr lang="en-US" dirty="0"/>
           </a:p>
         </p:txBody>
       </p:sp>
       <p:sp>
         <p:nvSpPr>
-          <p:cNvPr id="28675" name="Header Placeholder 3"/>
+          <p:cNvPr id="4" name="Date Placeholder 3"/>
           <p:cNvSpPr>
             <a:spLocks noGrp="1"/>
           </p:cNvSpPr>
           <p:nvPr>
-            <p:ph type="hdr" sz="quarter"/>
+            <p:ph type="dt" idx="10"/>
           </p:nvPr>
         </p:nvSpPr>
-        <p:spPr>
-          <a:noFill/>
-          <a:ln/>
-          <a:extLst>
-            <a:ext uri="{909E8E84-426E-40dd-AFC4-6F175D3DCCD1}">
-              <a14:hiddenFill xmlns:a14="http://schemas.microsoft.com/office/drawing/2010/main">
-                <a:solidFill>
-                  <a:srgbClr val="FFFFFF"/>
-                </a:solidFill>
-              </a14:hiddenFill>
-            </a:ext>
-            <a:ext uri="{91240B29-F687-4f45-9708-019B960494DF}">
-              <a14:hiddenLine xmlns:a14="http://schemas.microsoft.com/office/drawing/2010/main" w="9525">
-                <a:solidFill>
-                  <a:srgbClr val="000000"/>
-                </a:solidFill>
-                <a:miter lim="800000"/>
-                <a:headEnd/>
-                <a:tailEnd/>
-              </a14:hiddenLine>
-            </a:ext>
-          </a:extLst>
-        </p:spPr>
+        <p:spPr/>
         <p:txBody>
           <a:bodyPr/>
-          <a:lstStyle>
-            <a:lvl1pPr eaLnBrk="0" hangingPunct="0">
-              <a:defRPr sz="2100">
-                <a:solidFill>
-                  <a:schemeClr val="tx1"/>
-                </a:solidFill>
-                <a:latin typeface="Arial" charset="0"/>
-                <a:ea typeface="ＭＳ Ｐゴシック" charset="0"/>
-                <a:cs typeface="ＭＳ Ｐゴシック" charset="0"/>
-              </a:defRPr>
-            </a:lvl1pPr>
-            <a:lvl2pPr marL="784778" indent="-301838" eaLnBrk="0" hangingPunct="0">
-              <a:defRPr sz="2100">
-                <a:solidFill>
-                  <a:schemeClr val="tx1"/>
-                </a:solidFill>
-                <a:latin typeface="Arial" charset="0"/>
-                <a:ea typeface="ＭＳ Ｐゴシック" charset="0"/>
-              </a:defRPr>
-            </a:lvl2pPr>
-            <a:lvl3pPr marL="1207351" indent="-241470" eaLnBrk="0" hangingPunct="0">
-              <a:defRPr sz="2100">
-                <a:solidFill>
-                  <a:schemeClr val="tx1"/>
-                </a:solidFill>
-                <a:latin typeface="Arial" charset="0"/>
-                <a:ea typeface="ＭＳ Ｐゴシック" charset="0"/>
-              </a:defRPr>
-            </a:lvl3pPr>
-            <a:lvl4pPr marL="1690291" indent="-241470" eaLnBrk="0" hangingPunct="0">
-              <a:defRPr sz="2100">
-                <a:solidFill>
-                  <a:schemeClr val="tx1"/>
-                </a:solidFill>
-                <a:latin typeface="Arial" charset="0"/>
-                <a:ea typeface="ＭＳ Ｐゴシック" charset="0"/>
-              </a:defRPr>
-            </a:lvl4pPr>
-            <a:lvl5pPr marL="2173232" indent="-241470" eaLnBrk="0" hangingPunct="0">
-              <a:defRPr sz="2100">
-                <a:solidFill>
-                  <a:schemeClr val="tx1"/>
-                </a:solidFill>
-                <a:latin typeface="Arial" charset="0"/>
-                <a:ea typeface="ＭＳ Ｐゴシック" charset="0"/>
-              </a:defRPr>
-            </a:lvl5pPr>
-            <a:lvl6pPr marL="2656172" indent="-241470" algn="ctr" eaLnBrk="0" fontAlgn="base" hangingPunct="0">
-              <a:spcBef>
-                <a:spcPct val="0"/>
-              </a:spcBef>
-              <a:spcAft>
-                <a:spcPct val="0"/>
-              </a:spcAft>
-              <a:defRPr sz="2100">
-                <a:solidFill>
-                  <a:schemeClr val="tx1"/>
-                </a:solidFill>
-                <a:latin typeface="Arial" charset="0"/>
-                <a:ea typeface="ＭＳ Ｐゴシック" charset="0"/>
-              </a:defRPr>
-            </a:lvl6pPr>
-            <a:lvl7pPr marL="3139112" indent="-241470" algn="ctr" eaLnBrk="0" fontAlgn="base" hangingPunct="0">
-              <a:spcBef>
-                <a:spcPct val="0"/>
-              </a:spcBef>
-              <a:spcAft>
-                <a:spcPct val="0"/>
-              </a:spcAft>
-              <a:defRPr sz="2100">
-                <a:solidFill>
-                  <a:schemeClr val="tx1"/>
-                </a:solidFill>
-                <a:latin typeface="Arial" charset="0"/>
-                <a:ea typeface="ＭＳ Ｐゴシック" charset="0"/>
-              </a:defRPr>
-            </a:lvl7pPr>
-            <a:lvl8pPr marL="3622053" indent="-241470" algn="ctr" eaLnBrk="0" fontAlgn="base" hangingPunct="0">
-              <a:spcBef>
-                <a:spcPct val="0"/>
-              </a:spcBef>
-              <a:spcAft>
-                <a:spcPct val="0"/>
-              </a:spcAft>
-              <a:defRPr sz="2100">
-                <a:solidFill>
-                  <a:schemeClr val="tx1"/>
-                </a:solidFill>
-                <a:latin typeface="Arial" charset="0"/>
-                <a:ea typeface="ＭＳ Ｐゴシック" charset="0"/>
-              </a:defRPr>
-            </a:lvl8pPr>
-            <a:lvl9pPr marL="4104993" indent="-241470" algn="ctr" eaLnBrk="0" fontAlgn="base" hangingPunct="0">
-              <a:spcBef>
-                <a:spcPct val="0"/>
-              </a:spcBef>
-              <a:spcAft>
-                <a:spcPct val="0"/>
-              </a:spcAft>
-              <a:defRPr sz="2100">
-                <a:solidFill>
-                  <a:schemeClr val="tx1"/>
-                </a:solidFill>
-                <a:latin typeface="Arial" charset="0"/>
-                <a:ea typeface="ＭＳ Ｐゴシック" charset="0"/>
-              </a:defRPr>
-            </a:lvl9pPr>
-          </a:lstStyle>
-          <a:p>
-            <a:pPr eaLnBrk="1" hangingPunct="1"/>
-            <a:r>
-              <a:rPr lang="en-US" sz="1300"/>
-              <a:t>  </a:t>
-            </a:r>
+          <a:lstStyle/>
+          <a:p>
+            <a:pPr>
+              <a:defRPr/>
+            </a:pPr>
+            <a:r>
+              <a:rPr lang="en-US" smtClean="0"/>
+              <a:t>2014-02-03 </a:t>
+            </a:r>
+            <a:endParaRPr lang="en-US" dirty="0"/>
           </a:p>
         </p:txBody>
       </p:sp>
       <p:sp>
         <p:nvSpPr>
-          <p:cNvPr id="28676" name="Date Placeholder 4"/>
+          <p:cNvPr id="5" name="Slide Number Placeholder 4"/>
           <p:cNvSpPr>
             <a:spLocks noGrp="1"/>
           </p:cNvSpPr>
           <p:nvPr>
-            <p:ph type="dt" sz="quarter" idx="1"/>
+            <p:ph type="sldNum" sz="quarter" idx="11"/>
           </p:nvPr>
         </p:nvSpPr>
-        <p:spPr>
-          <a:noFill/>
-          <a:ln/>
-          <a:extLst>
-            <a:ext uri="{909E8E84-426E-40dd-AFC4-6F175D3DCCD1}">
-              <a14:hiddenFill xmlns:a14="http://schemas.microsoft.com/office/drawing/2010/main">
-                <a:solidFill>
-                  <a:srgbClr val="FFFFFF"/>
-                </a:solidFill>
-              </a14:hiddenFill>
-            </a:ext>
-            <a:ext uri="{91240B29-F687-4f45-9708-019B960494DF}">
-              <a14:hiddenLine xmlns:a14="http://schemas.microsoft.com/office/drawing/2010/main" w="9525">
-                <a:solidFill>
-                  <a:srgbClr val="000000"/>
-                </a:solidFill>
-                <a:miter lim="800000"/>
-                <a:headEnd/>
-                <a:tailEnd/>
-              </a14:hiddenLine>
-            </a:ext>
-          </a:extLst>
-        </p:spPr>
+        <p:spPr/>
         <p:txBody>
           <a:bodyPr/>
-          <a:lstStyle>
-            <a:lvl1pPr eaLnBrk="0" hangingPunct="0">
-              <a:defRPr sz="2100">
-                <a:solidFill>
-                  <a:schemeClr val="tx1"/>
-                </a:solidFill>
-                <a:latin typeface="Arial" charset="0"/>
-                <a:ea typeface="ＭＳ Ｐゴシック" charset="0"/>
-                <a:cs typeface="ＭＳ Ｐゴシック" charset="0"/>
-              </a:defRPr>
-            </a:lvl1pPr>
-            <a:lvl2pPr marL="784778" indent="-301838" eaLnBrk="0" hangingPunct="0">
-              <a:defRPr sz="2100">
-                <a:solidFill>
-                  <a:schemeClr val="tx1"/>
-                </a:solidFill>
-                <a:latin typeface="Arial" charset="0"/>
-                <a:ea typeface="ＭＳ Ｐゴシック" charset="0"/>
-              </a:defRPr>
-            </a:lvl2pPr>
-            <a:lvl3pPr marL="1207351" indent="-241470" eaLnBrk="0" hangingPunct="0">
-              <a:defRPr sz="2100">
-                <a:solidFill>
-                  <a:schemeClr val="tx1"/>
-                </a:solidFill>
-                <a:latin typeface="Arial" charset="0"/>
-                <a:ea typeface="ＭＳ Ｐゴシック" charset="0"/>
-              </a:defRPr>
-            </a:lvl3pPr>
-            <a:lvl4pPr marL="1690291" indent="-241470" eaLnBrk="0" hangingPunct="0">
-              <a:defRPr sz="2100">
-                <a:solidFill>
-                  <a:schemeClr val="tx1"/>
-                </a:solidFill>
-                <a:latin typeface="Arial" charset="0"/>
-                <a:ea typeface="ＭＳ Ｐゴシック" charset="0"/>
-              </a:defRPr>
-            </a:lvl4pPr>
-            <a:lvl5pPr marL="2173232" indent="-241470" eaLnBrk="0" hangingPunct="0">
-              <a:defRPr sz="2100">
-                <a:solidFill>
-                  <a:schemeClr val="tx1"/>
-                </a:solidFill>
-                <a:latin typeface="Arial" charset="0"/>
-                <a:ea typeface="ＭＳ Ｐゴシック" charset="0"/>
-              </a:defRPr>
-            </a:lvl5pPr>
-            <a:lvl6pPr marL="2656172" indent="-241470" algn="ctr" eaLnBrk="0" fontAlgn="base" hangingPunct="0">
-              <a:spcBef>
-                <a:spcPct val="0"/>
-              </a:spcBef>
-              <a:spcAft>
-                <a:spcPct val="0"/>
-              </a:spcAft>
-              <a:defRPr sz="2100">
-                <a:solidFill>
-                  <a:schemeClr val="tx1"/>
-                </a:solidFill>
-                <a:latin typeface="Arial" charset="0"/>
-                <a:ea typeface="ＭＳ Ｐゴシック" charset="0"/>
-              </a:defRPr>
-            </a:lvl6pPr>
-            <a:lvl7pPr marL="3139112" indent="-241470" algn="ctr" eaLnBrk="0" fontAlgn="base" hangingPunct="0">
-              <a:spcBef>
-                <a:spcPct val="0"/>
-              </a:spcBef>
-              <a:spcAft>
-                <a:spcPct val="0"/>
-              </a:spcAft>
-              <a:defRPr sz="2100">
-                <a:solidFill>
-                  <a:schemeClr val="tx1"/>
-                </a:solidFill>
-                <a:latin typeface="Arial" charset="0"/>
-                <a:ea typeface="ＭＳ Ｐゴシック" charset="0"/>
-              </a:defRPr>
-            </a:lvl7pPr>
-            <a:lvl8pPr marL="3622053" indent="-241470" algn="ctr" eaLnBrk="0" fontAlgn="base" hangingPunct="0">
-              <a:spcBef>
-                <a:spcPct val="0"/>
-              </a:spcBef>
-              <a:spcAft>
-                <a:spcPct val="0"/>
-              </a:spcAft>
-              <a:defRPr sz="2100">
-                <a:solidFill>
-                  <a:schemeClr val="tx1"/>
-                </a:solidFill>
-                <a:latin typeface="Arial" charset="0"/>
-                <a:ea typeface="ＭＳ Ｐゴシック" charset="0"/>
-              </a:defRPr>
-            </a:lvl8pPr>
-            <a:lvl9pPr marL="4104993" indent="-241470" algn="ctr" eaLnBrk="0" fontAlgn="base" hangingPunct="0">
-              <a:spcBef>
-                <a:spcPct val="0"/>
-              </a:spcBef>
-              <a:spcAft>
-                <a:spcPct val="0"/>
-              </a:spcAft>
-              <a:defRPr sz="2100">
-                <a:solidFill>
-                  <a:schemeClr val="tx1"/>
-                </a:solidFill>
-                <a:latin typeface="Arial" charset="0"/>
-                <a:ea typeface="ＭＳ Ｐゴシック" charset="0"/>
-              </a:defRPr>
-            </a:lvl9pPr>
-          </a:lstStyle>
-          <a:p>
-            <a:pPr eaLnBrk="1" hangingPunct="1"/>
-            <a:fld id="{687D8F5A-1942-3B49-89A8-6C2610CB2196}" type="datetime1">
-              <a:rPr lang="en-US" sz="1300"/>
-              <a:pPr eaLnBrk="1" hangingPunct="1"/>
-              <a:t>16/06/15</a:t>
+          <a:lstStyle/>
+          <a:p>
+            <a:pPr>
+              <a:defRPr/>
+            </a:pPr>
+            <a:fld id="{731E95D0-5A4D-4E2C-B9D5-8244AD99044C}" type="slidenum">
+              <a:rPr lang="en-US" smtClean="0"/>
+              <a:pPr>
+                <a:defRPr/>
+              </a:pPr>
+              <a:t>9</a:t>
             </a:fld>
-            <a:r>
-              <a:rPr lang="en-US" sz="1300"/>
-              <a:t>2010-12-10 </a:t>
-            </a:r>
+            <a:endParaRPr lang="en-US" dirty="0"/>
           </a:p>
         </p:txBody>
       </p:sp>
       <p:sp>
         <p:nvSpPr>
-          <p:cNvPr id="28677" name="Footer Placeholder 5"/>
+          <p:cNvPr id="6" name="Header Placeholder 5"/>
           <p:cNvSpPr>
             <a:spLocks noGrp="1"/>
           </p:cNvSpPr>
           <p:nvPr>
-            <p:ph type="ftr" sz="quarter" idx="4"/>
+            <p:ph type="hdr" sz="quarter" idx="12"/>
           </p:nvPr>
         </p:nvSpPr>
-        <p:spPr>
-          <a:noFill/>
-          <a:ln/>
-          <a:extLst>
-            <a:ext uri="{909E8E84-426E-40dd-AFC4-6F175D3DCCD1}">
-              <a14:hiddenFill xmlns:a14="http://schemas.microsoft.com/office/drawing/2010/main">
-                <a:solidFill>
-                  <a:srgbClr val="FFFFFF"/>
-                </a:solidFill>
-              </a14:hiddenFill>
-            </a:ext>
-            <a:ext uri="{91240B29-F687-4f45-9708-019B960494DF}">
-              <a14:hiddenLine xmlns:a14="http://schemas.microsoft.com/office/drawing/2010/main" w="9525">
-                <a:solidFill>
-                  <a:srgbClr val="000000"/>
-                </a:solidFill>
-                <a:miter lim="800000"/>
-                <a:headEnd/>
-                <a:tailEnd/>
-              </a14:hiddenLine>
-            </a:ext>
-          </a:extLst>
-        </p:spPr>
+        <p:spPr/>
         <p:txBody>
           <a:bodyPr/>
-          <a:lstStyle>
-            <a:lvl1pPr eaLnBrk="0" hangingPunct="0">
-              <a:defRPr sz="2100">
-                <a:solidFill>
-                  <a:schemeClr val="tx1"/>
-                </a:solidFill>
-                <a:latin typeface="Arial" charset="0"/>
-                <a:ea typeface="ＭＳ Ｐゴシック" charset="0"/>
-                <a:cs typeface="ＭＳ Ｐゴシック" charset="0"/>
-              </a:defRPr>
-            </a:lvl1pPr>
-            <a:lvl2pPr marL="784778" indent="-301838" eaLnBrk="0" hangingPunct="0">
-              <a:defRPr sz="2100">
-                <a:solidFill>
-                  <a:schemeClr val="tx1"/>
-                </a:solidFill>
-                <a:latin typeface="Arial" charset="0"/>
-                <a:ea typeface="ＭＳ Ｐゴシック" charset="0"/>
-              </a:defRPr>
-            </a:lvl2pPr>
-            <a:lvl3pPr marL="1207351" indent="-241470" eaLnBrk="0" hangingPunct="0">
-              <a:defRPr sz="2100">
-                <a:solidFill>
-                  <a:schemeClr val="tx1"/>
-                </a:solidFill>
-                <a:latin typeface="Arial" charset="0"/>
-                <a:ea typeface="ＭＳ Ｐゴシック" charset="0"/>
-              </a:defRPr>
-            </a:lvl3pPr>
-            <a:lvl4pPr marL="1690291" indent="-241470" eaLnBrk="0" hangingPunct="0">
-              <a:defRPr sz="2100">
-                <a:solidFill>
-                  <a:schemeClr val="tx1"/>
-                </a:solidFill>
-                <a:latin typeface="Arial" charset="0"/>
-                <a:ea typeface="ＭＳ Ｐゴシック" charset="0"/>
-              </a:defRPr>
-            </a:lvl4pPr>
-            <a:lvl5pPr marL="2173232" indent="-241470" eaLnBrk="0" hangingPunct="0">
-              <a:defRPr sz="2100">
-                <a:solidFill>
-                  <a:schemeClr val="tx1"/>
-                </a:solidFill>
-                <a:latin typeface="Arial" charset="0"/>
-                <a:ea typeface="ＭＳ Ｐゴシック" charset="0"/>
-              </a:defRPr>
-            </a:lvl5pPr>
-            <a:lvl6pPr marL="2656172" indent="-241470" algn="ctr" eaLnBrk="0" fontAlgn="base" hangingPunct="0">
-              <a:spcBef>
-                <a:spcPct val="0"/>
-              </a:spcBef>
-              <a:spcAft>
-                <a:spcPct val="0"/>
-              </a:spcAft>
-              <a:defRPr sz="2100">
-                <a:solidFill>
-                  <a:schemeClr val="tx1"/>
-                </a:solidFill>
-                <a:latin typeface="Arial" charset="0"/>
-                <a:ea typeface="ＭＳ Ｐゴシック" charset="0"/>
-              </a:defRPr>
-            </a:lvl6pPr>
-            <a:lvl7pPr marL="3139112" indent="-241470" algn="ctr" eaLnBrk="0" fontAlgn="base" hangingPunct="0">
-              <a:spcBef>
-                <a:spcPct val="0"/>
-              </a:spcBef>
-              <a:spcAft>
-                <a:spcPct val="0"/>
-              </a:spcAft>
-              <a:defRPr sz="2100">
-                <a:solidFill>
-                  <a:schemeClr val="tx1"/>
-                </a:solidFill>
-                <a:latin typeface="Arial" charset="0"/>
-                <a:ea typeface="ＭＳ Ｐゴシック" charset="0"/>
-              </a:defRPr>
-            </a:lvl7pPr>
-            <a:lvl8pPr marL="3622053" indent="-241470" algn="ctr" eaLnBrk="0" fontAlgn="base" hangingPunct="0">
-              <a:spcBef>
-                <a:spcPct val="0"/>
-              </a:spcBef>
-              <a:spcAft>
-                <a:spcPct val="0"/>
-              </a:spcAft>
-              <a:defRPr sz="2100">
-                <a:solidFill>
-                  <a:schemeClr val="tx1"/>
-                </a:solidFill>
-                <a:latin typeface="Arial" charset="0"/>
-                <a:ea typeface="ＭＳ Ｐゴシック" charset="0"/>
-              </a:defRPr>
-            </a:lvl8pPr>
-            <a:lvl9pPr marL="4104993" indent="-241470" algn="ctr" eaLnBrk="0" fontAlgn="base" hangingPunct="0">
-              <a:spcBef>
-                <a:spcPct val="0"/>
-              </a:spcBef>
-              <a:spcAft>
-                <a:spcPct val="0"/>
-              </a:spcAft>
-              <a:defRPr sz="2100">
-                <a:solidFill>
-                  <a:schemeClr val="tx1"/>
-                </a:solidFill>
-                <a:latin typeface="Arial" charset="0"/>
-                <a:ea typeface="ＭＳ Ｐゴシック" charset="0"/>
-              </a:defRPr>
-            </a:lvl9pPr>
-          </a:lstStyle>
-          <a:p>
-            <a:pPr eaLnBrk="1" hangingPunct="1"/>
-            <a:r>
-              <a:rPr lang="en-US" sz="1300"/>
-              <a:t>  </a:t>
-            </a:r>
+          <a:lstStyle/>
+          <a:p>
+            <a:pPr>
+              <a:defRPr/>
+            </a:pPr>
+            <a:r>
+              <a:rPr lang="en-US" smtClean="0"/>
+              <a:t> </a:t>
+            </a:r>
+            <a:endParaRPr lang="en-US" dirty="0"/>
           </a:p>
         </p:txBody>
       </p:sp>
       <p:sp>
         <p:nvSpPr>
-          <p:cNvPr id="28678" name="Slide Number Placeholder 6"/>
+          <p:cNvPr id="7" name="Footer Placeholder 6"/>
           <p:cNvSpPr>
             <a:spLocks noGrp="1"/>
           </p:cNvSpPr>
           <p:nvPr>
-            <p:ph type="sldNum" sz="quarter" idx="5"/>
+            <p:ph type="ftr" sz="quarter" idx="13"/>
           </p:nvPr>
         </p:nvSpPr>
-        <p:spPr>
-          <a:noFill/>
-          <a:ln/>
-          <a:extLst>
-            <a:ext uri="{909E8E84-426E-40dd-AFC4-6F175D3DCCD1}">
-              <a14:hiddenFill xmlns:a14="http://schemas.microsoft.com/office/drawing/2010/main">
-                <a:solidFill>
-                  <a:srgbClr val="FFFFFF"/>
-                </a:solidFill>
-              </a14:hiddenFill>
-            </a:ext>
-            <a:ext uri="{91240B29-F687-4f45-9708-019B960494DF}">
-              <a14:hiddenLine xmlns:a14="http://schemas.microsoft.com/office/drawing/2010/main" w="9525">
-                <a:solidFill>
-                  <a:srgbClr val="000000"/>
-                </a:solidFill>
-                <a:miter lim="800000"/>
-                <a:headEnd/>
-                <a:tailEnd/>
-              </a14:hiddenLine>
-            </a:ext>
-          </a:extLst>
-        </p:spPr>
+        <p:spPr/>
         <p:txBody>
           <a:bodyPr/>
-          <a:lstStyle>
-            <a:lvl1pPr eaLnBrk="0" hangingPunct="0">
-              <a:defRPr sz="2100">
-                <a:solidFill>
-                  <a:schemeClr val="tx1"/>
-                </a:solidFill>
-                <a:latin typeface="Arial" charset="0"/>
-                <a:ea typeface="ＭＳ Ｐゴシック" charset="0"/>
-                <a:cs typeface="ＭＳ Ｐゴシック" charset="0"/>
-              </a:defRPr>
-            </a:lvl1pPr>
-            <a:lvl2pPr marL="784778" indent="-301838" eaLnBrk="0" hangingPunct="0">
-              <a:defRPr sz="2100">
-                <a:solidFill>
-                  <a:schemeClr val="tx1"/>
-                </a:solidFill>
-                <a:latin typeface="Arial" charset="0"/>
-                <a:ea typeface="ＭＳ Ｐゴシック" charset="0"/>
-              </a:defRPr>
-            </a:lvl2pPr>
-            <a:lvl3pPr marL="1207351" indent="-241470" eaLnBrk="0" hangingPunct="0">
-              <a:defRPr sz="2100">
-                <a:solidFill>
-                  <a:schemeClr val="tx1"/>
-                </a:solidFill>
-                <a:latin typeface="Arial" charset="0"/>
-                <a:ea typeface="ＭＳ Ｐゴシック" charset="0"/>
-              </a:defRPr>
-            </a:lvl3pPr>
-            <a:lvl4pPr marL="1690291" indent="-241470" eaLnBrk="0" hangingPunct="0">
-              <a:defRPr sz="2100">
-                <a:solidFill>
-                  <a:schemeClr val="tx1"/>
-                </a:solidFill>
-                <a:latin typeface="Arial" charset="0"/>
-                <a:ea typeface="ＭＳ Ｐゴシック" charset="0"/>
-              </a:defRPr>
-            </a:lvl4pPr>
-            <a:lvl5pPr marL="2173232" indent="-241470" eaLnBrk="0" hangingPunct="0">
-              <a:defRPr sz="2100">
-                <a:solidFill>
-                  <a:schemeClr val="tx1"/>
-                </a:solidFill>
-                <a:latin typeface="Arial" charset="0"/>
-                <a:ea typeface="ＭＳ Ｐゴシック" charset="0"/>
-              </a:defRPr>
-            </a:lvl5pPr>
-            <a:lvl6pPr marL="2656172" indent="-241470" algn="ctr" eaLnBrk="0" fontAlgn="base" hangingPunct="0">
-              <a:spcBef>
-                <a:spcPct val="0"/>
-              </a:spcBef>
-              <a:spcAft>
-                <a:spcPct val="0"/>
-              </a:spcAft>
-              <a:defRPr sz="2100">
-                <a:solidFill>
-                  <a:schemeClr val="tx1"/>
-                </a:solidFill>
-                <a:latin typeface="Arial" charset="0"/>
-                <a:ea typeface="ＭＳ Ｐゴシック" charset="0"/>
-              </a:defRPr>
-            </a:lvl6pPr>
-            <a:lvl7pPr marL="3139112" indent="-241470" algn="ctr" eaLnBrk="0" fontAlgn="base" hangingPunct="0">
-              <a:spcBef>
-                <a:spcPct val="0"/>
-              </a:spcBef>
-              <a:spcAft>
-                <a:spcPct val="0"/>
-              </a:spcAft>
-              <a:defRPr sz="2100">
-                <a:solidFill>
-                  <a:schemeClr val="tx1"/>
-                </a:solidFill>
-                <a:latin typeface="Arial" charset="0"/>
-                <a:ea typeface="ＭＳ Ｐゴシック" charset="0"/>
-              </a:defRPr>
-            </a:lvl7pPr>
-            <a:lvl8pPr marL="3622053" indent="-241470" algn="ctr" eaLnBrk="0" fontAlgn="base" hangingPunct="0">
-              <a:spcBef>
-                <a:spcPct val="0"/>
-              </a:spcBef>
-              <a:spcAft>
-                <a:spcPct val="0"/>
-              </a:spcAft>
-              <a:defRPr sz="2100">
-                <a:solidFill>
-                  <a:schemeClr val="tx1"/>
-                </a:solidFill>
-                <a:latin typeface="Arial" charset="0"/>
-                <a:ea typeface="ＭＳ Ｐゴシック" charset="0"/>
-              </a:defRPr>
-            </a:lvl8pPr>
-            <a:lvl9pPr marL="4104993" indent="-241470" algn="ctr" eaLnBrk="0" fontAlgn="base" hangingPunct="0">
-              <a:spcBef>
-                <a:spcPct val="0"/>
-              </a:spcBef>
-              <a:spcAft>
-                <a:spcPct val="0"/>
-              </a:spcAft>
-              <a:defRPr sz="2100">
-                <a:solidFill>
-                  <a:schemeClr val="tx1"/>
-                </a:solidFill>
-                <a:latin typeface="Arial" charset="0"/>
-                <a:ea typeface="ＭＳ Ｐゴシック" charset="0"/>
-              </a:defRPr>
-            </a:lvl9pPr>
-          </a:lstStyle>
-          <a:p>
-            <a:pPr eaLnBrk="1" hangingPunct="1"/>
-            <a:fld id="{D489A99E-0AFD-4844-9CFC-ABFD2ADCDBAC}" type="slidenum">
-              <a:rPr lang="en-US" sz="1300"/>
-              <a:pPr eaLnBrk="1" hangingPunct="1"/>
-              <a:t>9</a:t>
-            </a:fld>
-            <a:endParaRPr lang="en-US" sz="1300"/>
+          <a:lstStyle/>
+          <a:p>
+            <a:pPr>
+              <a:defRPr/>
+            </a:pPr>
+            <a:r>
+              <a:rPr lang="en-US" smtClean="0"/>
+              <a:t> </a:t>
+            </a:r>
+            <a:endParaRPr lang="en-US" dirty="0"/>
           </a:p>
         </p:txBody>
       </p:sp>
     </p:spTree>
+    <p:extLst>
+      <p:ext uri="{BB962C8B-B14F-4D97-AF65-F5344CB8AC3E}">
+        <p14:creationId xmlns:p14="http://schemas.microsoft.com/office/powerpoint/2010/main" val="1224074592"/>
+      </p:ext>
+    </p:extLst>
   </p:cSld>
   <p:clrMapOvr>
     <a:masterClrMapping/>
@@ -15600,8 +14942,16 @@
               </a:lnSpc>
             </a:pPr>
             <a:r>
+              <a:rPr lang="en-US" sz="2400" smtClean="0"/>
+              <a:t>June </a:t>
+            </a:r>
+            <a:r>
+              <a:rPr lang="en-US" sz="2400" smtClean="0"/>
+              <a:t>17th</a:t>
+            </a:r>
+            <a:r>
               <a:rPr lang="en-US" sz="2400" dirty="0" smtClean="0"/>
-              <a:t>June 15th, 2015</a:t>
+              <a:t>, 2015</a:t>
             </a:r>
             <a:endParaRPr lang="en-US" sz="2400" dirty="0"/>
           </a:p>
@@ -15626,574 +14976,6 @@
 </file>
 
 <file path=ppt/slides/slide10.xml><?xml version="1.0" encoding="utf-8"?>
-<p:sld xmlns:a="http://schemas.openxmlformats.org/drawingml/2006/main" xmlns:r="http://schemas.openxmlformats.org/officeDocument/2006/relationships" xmlns:p="http://schemas.openxmlformats.org/presentationml/2006/main">
-  <p:cSld>
-    <p:spTree>
-      <p:nvGrpSpPr>
-        <p:cNvPr id="1" name=""/>
-        <p:cNvGrpSpPr/>
-        <p:nvPr/>
-      </p:nvGrpSpPr>
-      <p:grpSpPr>
-        <a:xfrm>
-          <a:off x="0" y="0"/>
-          <a:ext cx="0" cy="0"/>
-          <a:chOff x="0" y="0"/>
-          <a:chExt cx="0" cy="0"/>
-        </a:xfrm>
-      </p:grpSpPr>
-      <p:sp>
-        <p:nvSpPr>
-          <p:cNvPr id="41985" name="Title 1"/>
-          <p:cNvSpPr>
-            <a:spLocks noGrp="1"/>
-          </p:cNvSpPr>
-          <p:nvPr>
-            <p:ph type="title"/>
-          </p:nvPr>
-        </p:nvSpPr>
-        <p:spPr>
-          <a:xfrm>
-            <a:off x="525463" y="239713"/>
-            <a:ext cx="10387012" cy="1085850"/>
-          </a:xfrm>
-        </p:spPr>
-        <p:txBody>
-          <a:bodyPr/>
-          <a:lstStyle/>
-          <a:p>
-            <a:r>
-              <a:rPr lang="en-US" dirty="0">
-                <a:solidFill>
-                  <a:srgbClr val="2C2C2D"/>
-                </a:solidFill>
-                <a:latin typeface="+mn-lt"/>
-              </a:rPr>
-              <a:t>IPSO Smart Object </a:t>
-            </a:r>
-            <a:r>
-              <a:rPr lang="en-US" dirty="0" smtClean="0">
-                <a:solidFill>
-                  <a:srgbClr val="2C2C2D"/>
-                </a:solidFill>
-                <a:latin typeface="+mn-lt"/>
-              </a:rPr>
-              <a:t>Structure</a:t>
-            </a:r>
-            <a:endParaRPr lang="en-US" dirty="0">
-              <a:solidFill>
-                <a:srgbClr val="2C2C2D"/>
-              </a:solidFill>
-              <a:latin typeface="+mn-lt"/>
-            </a:endParaRPr>
-          </a:p>
-        </p:txBody>
-      </p:sp>
-      <p:sp>
-        <p:nvSpPr>
-          <p:cNvPr id="7" name="Content Placeholder 2"/>
-          <p:cNvSpPr>
-            <a:spLocks noGrp="1"/>
-          </p:cNvSpPr>
-          <p:nvPr>
-            <p:ph idx="1"/>
-          </p:nvPr>
-        </p:nvSpPr>
-        <p:spPr>
-          <a:xfrm>
-            <a:off x="528638" y="1562554"/>
-            <a:ext cx="5066936" cy="4786513"/>
-          </a:xfrm>
-        </p:spPr>
-        <p:txBody>
-          <a:bodyPr>
-            <a:normAutofit fontScale="92500" lnSpcReduction="20000"/>
-          </a:bodyPr>
-          <a:lstStyle/>
-          <a:p>
-            <a:pPr>
-              <a:lnSpc>
-                <a:spcPct val="110000"/>
-              </a:lnSpc>
-            </a:pPr>
-            <a:r>
-              <a:rPr lang="en-US" dirty="0" smtClean="0"/>
-              <a:t>Reusable Data Model for Constrained Devices</a:t>
-            </a:r>
-          </a:p>
-          <a:p>
-            <a:pPr lvl="1">
-              <a:lnSpc>
-                <a:spcPct val="110000"/>
-              </a:lnSpc>
-            </a:pPr>
-            <a:r>
-              <a:rPr lang="en-US" dirty="0" smtClean="0"/>
-              <a:t>Across domains</a:t>
-            </a:r>
-          </a:p>
-          <a:p>
-            <a:pPr>
-              <a:lnSpc>
-                <a:spcPct val="110000"/>
-              </a:lnSpc>
-            </a:pPr>
-            <a:r>
-              <a:rPr lang="en-US" dirty="0" smtClean="0"/>
-              <a:t>Reusable </a:t>
-            </a:r>
-            <a:r>
-              <a:rPr lang="en-US" dirty="0"/>
-              <a:t>resource and object IDs</a:t>
-            </a:r>
-          </a:p>
-          <a:p>
-            <a:pPr lvl="1">
-              <a:lnSpc>
-                <a:spcPct val="110000"/>
-              </a:lnSpc>
-            </a:pPr>
-            <a:r>
-              <a:rPr lang="en-US" dirty="0"/>
-              <a:t>Common definitions for concepts</a:t>
-            </a:r>
-          </a:p>
-          <a:p>
-            <a:pPr lvl="1">
-              <a:lnSpc>
-                <a:spcPct val="110000"/>
-              </a:lnSpc>
-            </a:pPr>
-            <a:r>
-              <a:rPr lang="en-US" dirty="0"/>
-              <a:t>Map to semantic terms e.g. temperature, </a:t>
-            </a:r>
-            <a:r>
-              <a:rPr lang="en-US" dirty="0" err="1"/>
-              <a:t>currentValue</a:t>
-            </a:r>
-            <a:endParaRPr lang="en-US" dirty="0"/>
-          </a:p>
-          <a:p>
-            <a:pPr lvl="1">
-              <a:lnSpc>
-                <a:spcPct val="110000"/>
-              </a:lnSpc>
-            </a:pPr>
-            <a:r>
-              <a:rPr lang="en-US" dirty="0"/>
-              <a:t>IDs are registered with the OMNA</a:t>
-            </a:r>
-          </a:p>
-          <a:p>
-            <a:pPr>
-              <a:lnSpc>
-                <a:spcPct val="110000"/>
-              </a:lnSpc>
-            </a:pPr>
-            <a:r>
-              <a:rPr lang="en-US" dirty="0" smtClean="0"/>
-              <a:t>Usable in different transport protocols that support</a:t>
-            </a:r>
-          </a:p>
-          <a:p>
-            <a:pPr lvl="1">
-              <a:lnSpc>
-                <a:spcPct val="110000"/>
-              </a:lnSpc>
-            </a:pPr>
-            <a:r>
-              <a:rPr lang="en-US" dirty="0" smtClean="0"/>
-              <a:t>URI Addressing </a:t>
-            </a:r>
-          </a:p>
-          <a:p>
-            <a:pPr lvl="2">
-              <a:lnSpc>
-                <a:spcPct val="110000"/>
-              </a:lnSpc>
-            </a:pPr>
-            <a:r>
-              <a:rPr lang="en-US" dirty="0" smtClean="0"/>
-              <a:t>(…/</a:t>
-            </a:r>
-            <a:r>
-              <a:rPr lang="en-US" dirty="0"/>
-              <a:t>home/weather/3303/0/</a:t>
-            </a:r>
-            <a:r>
-              <a:rPr lang="en-US" dirty="0" smtClean="0"/>
-              <a:t>5700)</a:t>
-            </a:r>
-          </a:p>
-          <a:p>
-            <a:pPr lvl="1">
-              <a:lnSpc>
-                <a:spcPct val="110000"/>
-              </a:lnSpc>
-            </a:pPr>
-            <a:r>
-              <a:rPr lang="en-US" dirty="0" smtClean="0"/>
-              <a:t>Data Types</a:t>
-            </a:r>
-          </a:p>
-          <a:p>
-            <a:pPr lvl="1">
-              <a:lnSpc>
-                <a:spcPct val="110000"/>
-              </a:lnSpc>
-            </a:pPr>
-            <a:r>
-              <a:rPr lang="en-US" dirty="0" smtClean="0"/>
-              <a:t>Content Formats</a:t>
-            </a:r>
-          </a:p>
-          <a:p>
-            <a:pPr lvl="1">
-              <a:lnSpc>
-                <a:spcPct val="110000"/>
-              </a:lnSpc>
-            </a:pPr>
-            <a:r>
-              <a:rPr lang="en-US" dirty="0" smtClean="0"/>
-              <a:t>RWX Operations</a:t>
-            </a:r>
-          </a:p>
-          <a:p>
-            <a:pPr lvl="1">
-              <a:lnSpc>
-                <a:spcPct val="110000"/>
-              </a:lnSpc>
-            </a:pPr>
-            <a:endParaRPr lang="en-US" dirty="0"/>
-          </a:p>
-        </p:txBody>
-      </p:sp>
-      <p:sp>
-        <p:nvSpPr>
-          <p:cNvPr id="8" name="TextBox 7"/>
-          <p:cNvSpPr txBox="1"/>
-          <p:nvPr/>
-        </p:nvSpPr>
-        <p:spPr>
-          <a:xfrm>
-            <a:off x="9286723" y="1694848"/>
-            <a:ext cx="1785909" cy="410124"/>
-          </a:xfrm>
-          <a:prstGeom prst="rect">
-            <a:avLst/>
-          </a:prstGeom>
-        </p:spPr>
-        <p:txBody>
-          <a:bodyPr vert="horz" wrap="none" lIns="0" tIns="0" rIns="0" bIns="0" rtlCol="0" anchor="t">
-            <a:normAutofit/>
-          </a:bodyPr>
-          <a:lstStyle/>
-          <a:p>
-            <a:r>
-              <a:rPr lang="en-US" sz="2000" dirty="0" smtClean="0">
-                <a:latin typeface="Courier"/>
-                <a:cs typeface="Courier"/>
-              </a:rPr>
-              <a:t>3303/0/5700</a:t>
-            </a:r>
-          </a:p>
-        </p:txBody>
-      </p:sp>
-      <p:sp>
-        <p:nvSpPr>
-          <p:cNvPr id="9" name="TextBox 8"/>
-          <p:cNvSpPr txBox="1"/>
-          <p:nvPr/>
-        </p:nvSpPr>
-        <p:spPr>
-          <a:xfrm>
-            <a:off x="5781051" y="2161093"/>
-            <a:ext cx="3505672" cy="473071"/>
-          </a:xfrm>
-          <a:prstGeom prst="rect">
-            <a:avLst/>
-          </a:prstGeom>
-          <a:ln>
-            <a:solidFill>
-              <a:srgbClr val="89BA17"/>
-            </a:solidFill>
-          </a:ln>
-        </p:spPr>
-        <p:txBody>
-          <a:bodyPr vert="horz" wrap="none" lIns="0" tIns="0" rIns="0" bIns="0" rtlCol="0" anchor="t">
-            <a:normAutofit/>
-          </a:bodyPr>
-          <a:lstStyle/>
-          <a:p>
-            <a:r>
-              <a:rPr lang="en-US" dirty="0" smtClean="0"/>
-              <a:t> Object </a:t>
-            </a:r>
-            <a:r>
-              <a:rPr lang="en-US" dirty="0"/>
-              <a:t>ID, defines object type</a:t>
-            </a:r>
-          </a:p>
-        </p:txBody>
-      </p:sp>
-      <p:sp>
-        <p:nvSpPr>
-          <p:cNvPr id="10" name="Rectangle 9"/>
-          <p:cNvSpPr/>
-          <p:nvPr/>
-        </p:nvSpPr>
-        <p:spPr>
-          <a:xfrm>
-            <a:off x="5781051" y="2795955"/>
-            <a:ext cx="3863950" cy="400110"/>
-          </a:xfrm>
-          <a:prstGeom prst="rect">
-            <a:avLst/>
-          </a:prstGeom>
-          <a:ln>
-            <a:solidFill>
-              <a:srgbClr val="89BA17"/>
-            </a:solidFill>
-          </a:ln>
-        </p:spPr>
-        <p:txBody>
-          <a:bodyPr wrap="square">
-            <a:spAutoFit/>
-          </a:bodyPr>
-          <a:lstStyle/>
-          <a:p>
-            <a:r>
-              <a:rPr lang="en-US" dirty="0"/>
-              <a:t>Object </a:t>
-            </a:r>
-            <a:r>
-              <a:rPr lang="en-US" dirty="0" smtClean="0"/>
-              <a:t>Instance, one or more</a:t>
-            </a:r>
-            <a:endParaRPr lang="en-US" dirty="0"/>
-          </a:p>
-        </p:txBody>
-      </p:sp>
-      <p:sp>
-        <p:nvSpPr>
-          <p:cNvPr id="11" name="Rectangle 10"/>
-          <p:cNvSpPr/>
-          <p:nvPr/>
-        </p:nvSpPr>
-        <p:spPr>
-          <a:xfrm>
-            <a:off x="5781051" y="3381266"/>
-            <a:ext cx="4421282" cy="400110"/>
-          </a:xfrm>
-          <a:prstGeom prst="rect">
-            <a:avLst/>
-          </a:prstGeom>
-          <a:ln>
-            <a:solidFill>
-              <a:srgbClr val="89BA17"/>
-            </a:solidFill>
-          </a:ln>
-        </p:spPr>
-        <p:txBody>
-          <a:bodyPr wrap="square">
-            <a:spAutoFit/>
-          </a:bodyPr>
-          <a:lstStyle/>
-          <a:p>
-            <a:r>
-              <a:rPr lang="en-US" dirty="0" smtClean="0"/>
-              <a:t>Resource </a:t>
-            </a:r>
-            <a:r>
-              <a:rPr lang="en-US" dirty="0"/>
-              <a:t>ID, defines </a:t>
-            </a:r>
-            <a:r>
-              <a:rPr lang="en-US" dirty="0" smtClean="0"/>
-              <a:t>resource </a:t>
-            </a:r>
-            <a:r>
-              <a:rPr lang="en-US" dirty="0"/>
-              <a:t>type</a:t>
-            </a:r>
-          </a:p>
-        </p:txBody>
-      </p:sp>
-      <p:sp>
-        <p:nvSpPr>
-          <p:cNvPr id="15" name="Rectangle 14"/>
-          <p:cNvSpPr/>
-          <p:nvPr/>
-        </p:nvSpPr>
-        <p:spPr>
-          <a:xfrm>
-            <a:off x="5595574" y="1664806"/>
-            <a:ext cx="5738193" cy="2262297"/>
-          </a:xfrm>
-          <a:prstGeom prst="rect">
-            <a:avLst/>
-          </a:prstGeom>
-          <a:noFill/>
-          <a:ln>
-            <a:solidFill>
-              <a:schemeClr val="accent1"/>
-            </a:solidFill>
-          </a:ln>
-          <a:effectLst/>
-        </p:spPr>
-        <p:style>
-          <a:lnRef idx="1">
-            <a:schemeClr val="accent1"/>
-          </a:lnRef>
-          <a:fillRef idx="3">
-            <a:schemeClr val="accent1"/>
-          </a:fillRef>
-          <a:effectRef idx="2">
-            <a:schemeClr val="accent1"/>
-          </a:effectRef>
-          <a:fontRef idx="minor">
-            <a:schemeClr val="lt1"/>
-          </a:fontRef>
-        </p:style>
-        <p:txBody>
-          <a:bodyPr rtlCol="0" anchor="ctr"/>
-          <a:lstStyle/>
-          <a:p>
-            <a:pPr algn="ctr"/>
-            <a:endParaRPr lang="en-US"/>
-          </a:p>
-        </p:txBody>
-      </p:sp>
-      <p:cxnSp>
-        <p:nvCxnSpPr>
-          <p:cNvPr id="16" name="Straight Arrow Connector 15"/>
-          <p:cNvCxnSpPr>
-            <a:stCxn id="9" idx="3"/>
-          </p:cNvCxnSpPr>
-          <p:nvPr/>
-        </p:nvCxnSpPr>
-        <p:spPr>
-          <a:xfrm flipV="1">
-            <a:off x="9286723" y="2104973"/>
-            <a:ext cx="358278" cy="292656"/>
-          </a:xfrm>
-          <a:prstGeom prst="straightConnector1">
-            <a:avLst/>
-          </a:prstGeom>
-          <a:ln>
-            <a:prstDash val="sysDash"/>
-            <a:tailEnd type="arrow"/>
-          </a:ln>
-        </p:spPr>
-        <p:style>
-          <a:lnRef idx="2">
-            <a:schemeClr val="accent1"/>
-          </a:lnRef>
-          <a:fillRef idx="0">
-            <a:schemeClr val="accent1"/>
-          </a:fillRef>
-          <a:effectRef idx="1">
-            <a:schemeClr val="accent1"/>
-          </a:effectRef>
-          <a:fontRef idx="minor">
-            <a:schemeClr val="tx1"/>
-          </a:fontRef>
-        </p:style>
-      </p:cxnSp>
-      <p:cxnSp>
-        <p:nvCxnSpPr>
-          <p:cNvPr id="17" name="Straight Arrow Connector 16"/>
-          <p:cNvCxnSpPr>
-            <a:stCxn id="10" idx="3"/>
-          </p:cNvCxnSpPr>
-          <p:nvPr/>
-        </p:nvCxnSpPr>
-        <p:spPr>
-          <a:xfrm flipV="1">
-            <a:off x="9645001" y="2104972"/>
-            <a:ext cx="416221" cy="891038"/>
-          </a:xfrm>
-          <a:prstGeom prst="straightConnector1">
-            <a:avLst/>
-          </a:prstGeom>
-          <a:ln>
-            <a:prstDash val="sysDash"/>
-            <a:tailEnd type="arrow"/>
-          </a:ln>
-        </p:spPr>
-        <p:style>
-          <a:lnRef idx="2">
-            <a:schemeClr val="accent1"/>
-          </a:lnRef>
-          <a:fillRef idx="0">
-            <a:schemeClr val="accent1"/>
-          </a:fillRef>
-          <a:effectRef idx="1">
-            <a:schemeClr val="accent1"/>
-          </a:effectRef>
-          <a:fontRef idx="minor">
-            <a:schemeClr val="tx1"/>
-          </a:fontRef>
-        </p:style>
-      </p:cxnSp>
-      <p:cxnSp>
-        <p:nvCxnSpPr>
-          <p:cNvPr id="18" name="Straight Arrow Connector 17"/>
-          <p:cNvCxnSpPr>
-            <a:stCxn id="11" idx="3"/>
-          </p:cNvCxnSpPr>
-          <p:nvPr/>
-        </p:nvCxnSpPr>
-        <p:spPr>
-          <a:xfrm flipV="1">
-            <a:off x="10202333" y="2161094"/>
-            <a:ext cx="338667" cy="1420227"/>
-          </a:xfrm>
-          <a:prstGeom prst="straightConnector1">
-            <a:avLst/>
-          </a:prstGeom>
-          <a:ln>
-            <a:prstDash val="sysDash"/>
-            <a:tailEnd type="arrow"/>
-          </a:ln>
-        </p:spPr>
-        <p:style>
-          <a:lnRef idx="2">
-            <a:schemeClr val="accent1"/>
-          </a:lnRef>
-          <a:fillRef idx="0">
-            <a:schemeClr val="accent1"/>
-          </a:fillRef>
-          <a:effectRef idx="1">
-            <a:schemeClr val="accent1"/>
-          </a:effectRef>
-          <a:fontRef idx="minor">
-            <a:schemeClr val="tx1"/>
-          </a:fontRef>
-        </p:style>
-      </p:cxnSp>
-    </p:spTree>
-    <p:extLst>
-      <p:ext uri="{BB962C8B-B14F-4D97-AF65-F5344CB8AC3E}">
-        <p14:creationId xmlns:p14="http://schemas.microsoft.com/office/powerpoint/2010/main" val="3749646589"/>
-      </p:ext>
-    </p:extLst>
-  </p:cSld>
-  <p:clrMapOvr>
-    <a:masterClrMapping/>
-  </p:clrMapOvr>
-  <p:timing>
-    <p:tnLst>
-      <p:par>
-        <p:cTn xmlns:p14="http://schemas.microsoft.com/office/powerpoint/2010/main" id="1" dur="indefinite" restart="never" nodeType="tmRoot"/>
-      </p:par>
-    </p:tnLst>
-  </p:timing>
-</p:sld>
-</file>
-
-<file path=ppt/slides/slide11.xml><?xml version="1.0" encoding="utf-8"?>
 <p:sld xmlns:a="http://schemas.openxmlformats.org/drawingml/2006/main" xmlns:r="http://schemas.openxmlformats.org/officeDocument/2006/relationships" xmlns:p="http://schemas.openxmlformats.org/presentationml/2006/main">
   <p:cSld>
     <p:spTree>
@@ -18857,7 +17639,7 @@
 </p:sld>
 </file>
 
-<file path=ppt/slides/slide12.xml><?xml version="1.0" encoding="utf-8"?>
+<file path=ppt/slides/slide11.xml><?xml version="1.0" encoding="utf-8"?>
 <p:sld xmlns:a="http://schemas.openxmlformats.org/drawingml/2006/main" xmlns:r="http://schemas.openxmlformats.org/officeDocument/2006/relationships" xmlns:p="http://schemas.openxmlformats.org/presentationml/2006/main">
   <p:cSld>
     <p:spTree>
@@ -18948,7 +17730,7 @@
           <p:nvPr>
             <p:extLst>
               <p:ext uri="{D42A27DB-BD31-4B8C-83A1-F6EECF244321}">
-                <p14:modId xmlns:p14="http://schemas.microsoft.com/office/powerpoint/2010/main" val="1455831205"/>
+                <p14:modId xmlns:p14="http://schemas.microsoft.com/office/powerpoint/2010/main" val="2435807504"/>
               </p:ext>
             </p:extLst>
           </p:nvPr>
@@ -20174,7 +18956,7 @@
                     <a:bodyPr/>
                     <a:lstStyle/>
                     <a:p>
-                      <a:pPr>
+                      <a:pPr algn="l">
                         <a:spcBef>
                           <a:spcPts val="100"/>
                         </a:spcBef>
@@ -20205,7 +18987,7 @@
                       </a:endParaRPr>
                     </a:p>
                   </a:txBody>
-                  <a:tcPr marL="68580" marR="68580" marT="0" marB="0"/>
+                  <a:tcPr marL="68580" marR="68580" marT="0" marB="0" anchor="ctr"/>
                 </a:tc>
                 <a:tc>
                   <a:txBody>
@@ -20243,7 +19025,7 @@
                       </a:endParaRPr>
                     </a:p>
                   </a:txBody>
-                  <a:tcPr marL="68580" marR="68580" marT="0" marB="0"/>
+                  <a:tcPr marL="68580" marR="68580" marT="0" marB="0" anchor="ctr"/>
                 </a:tc>
                 <a:tc>
                   <a:txBody>
@@ -20281,13 +19063,14 @@
                       </a:endParaRPr>
                     </a:p>
                   </a:txBody>
-                  <a:tcPr marL="68580" marR="68580" marT="0" marB="0"/>
+                  <a:tcPr marL="68580" marR="68580" marT="0" marB="0" anchor="ctr"/>
                 </a:tc>
                 <a:tc>
                   <a:txBody>
                     <a:bodyPr/>
                     <a:lstStyle/>
                     <a:p>
+                      <a:pPr algn="ctr"/>
                       <a:endParaRPr lang="en-US" sz="1200" dirty="0">
                         <a:solidFill>
                           <a:srgbClr val="FF0000"/>
@@ -20296,13 +19079,23 @@
                       </a:endParaRPr>
                     </a:p>
                   </a:txBody>
-                  <a:tcPr marL="68580" marR="68580" marT="0" marB="0"/>
+                  <a:tcPr marL="68580" marR="68580" marT="0" marB="0" anchor="ctr"/>
                 </a:tc>
                 <a:tc>
                   <a:txBody>
                     <a:bodyPr/>
                     <a:lstStyle/>
                     <a:p>
+                      <a:pPr algn="ctr"/>
+                      <a:r>
+                        <a:rPr lang="en-US" sz="1200" baseline="0" dirty="0" smtClean="0">
+                          <a:solidFill>
+                            <a:srgbClr val="FF0000"/>
+                          </a:solidFill>
+                          <a:latin typeface="+mn-lt"/>
+                        </a:rPr>
+                        <a:t> Mandatory</a:t>
+                      </a:r>
                       <a:endParaRPr lang="en-US" sz="1200" dirty="0">
                         <a:solidFill>
                           <a:srgbClr val="FF0000"/>
@@ -20311,7 +19104,7 @@
                       </a:endParaRPr>
                     </a:p>
                   </a:txBody>
-                  <a:tcPr marL="68580" marR="68580" marT="0" marB="0"/>
+                  <a:tcPr marL="68580" marR="68580" marT="0" marB="0" anchor="ctr"/>
                 </a:tc>
                 <a:tc>
                   <a:txBody>
@@ -20349,7 +19142,7 @@
                       </a:endParaRPr>
                     </a:p>
                   </a:txBody>
-                  <a:tcPr marL="68580" marR="68580" marT="0" marB="0"/>
+                  <a:tcPr marL="68580" marR="68580" marT="0" marB="0" anchor="ctr"/>
                 </a:tc>
                 <a:tc>
                   <a:txBody>
@@ -20387,7 +19180,7 @@
                       </a:endParaRPr>
                     </a:p>
                   </a:txBody>
-                  <a:tcPr marL="68580" marR="68580" marT="0" marB="0"/>
+                  <a:tcPr marL="68580" marR="68580" marT="0" marB="0" anchor="ctr"/>
                 </a:tc>
                 <a:tc>
                   <a:txBody>
@@ -20425,14 +19218,14 @@
                       </a:endParaRPr>
                     </a:p>
                   </a:txBody>
-                  <a:tcPr marL="68580" marR="68580" marT="0" marB="0"/>
+                  <a:tcPr marL="68580" marR="68580" marT="0" marB="0" anchor="ctr"/>
                 </a:tc>
                 <a:tc>
                   <a:txBody>
                     <a:bodyPr/>
                     <a:lstStyle/>
                     <a:p>
-                      <a:pPr>
+                      <a:pPr algn="l">
                         <a:spcBef>
                           <a:spcPts val="100"/>
                         </a:spcBef>
@@ -20463,7 +19256,7 @@
                       </a:endParaRPr>
                     </a:p>
                   </a:txBody>
-                  <a:tcPr marL="68580" marR="68580" marT="0" marB="0"/>
+                  <a:tcPr marL="68580" marR="68580" marT="0" marB="0" anchor="ctr"/>
                 </a:tc>
               </a:tr>
             </a:tbl>
@@ -20870,7 +19663,7 @@
 </p:sld>
 </file>
 
-<file path=ppt/slides/slide13.xml><?xml version="1.0" encoding="utf-8"?>
+<file path=ppt/slides/slide12.xml><?xml version="1.0" encoding="utf-8"?>
 <p:sld xmlns:a="http://schemas.openxmlformats.org/drawingml/2006/main" xmlns:r="http://schemas.openxmlformats.org/officeDocument/2006/relationships" xmlns:p="http://schemas.openxmlformats.org/presentationml/2006/main">
   <p:cSld>
     <p:spTree>
@@ -21017,7 +19810,7 @@
 </p:sld>
 </file>
 
-<file path=ppt/slides/slide14.xml><?xml version="1.0" encoding="utf-8"?>
+<file path=ppt/slides/slide13.xml><?xml version="1.0" encoding="utf-8"?>
 <p:sld xmlns:a="http://schemas.openxmlformats.org/drawingml/2006/main" xmlns:r="http://schemas.openxmlformats.org/officeDocument/2006/relationships" xmlns:p="http://schemas.openxmlformats.org/presentationml/2006/main">
   <p:cSld>
     <p:spTree>
@@ -22676,7 +21469,7 @@
 </p:sld>
 </file>
 
-<file path=ppt/slides/slide15.xml><?xml version="1.0" encoding="utf-8"?>
+<file path=ppt/slides/slide14.xml><?xml version="1.0" encoding="utf-8"?>
 <p:sld xmlns:a="http://schemas.openxmlformats.org/drawingml/2006/main" xmlns:r="http://schemas.openxmlformats.org/officeDocument/2006/relationships" xmlns:p="http://schemas.openxmlformats.org/presentationml/2006/main">
   <p:cSld>
     <p:spTree>
@@ -23009,7 +21802,7 @@
 </p:sld>
 </file>
 
-<file path=ppt/slides/slide16.xml><?xml version="1.0" encoding="utf-8"?>
+<file path=ppt/slides/slide15.xml><?xml version="1.0" encoding="utf-8"?>
 <p:sld xmlns:a="http://schemas.openxmlformats.org/drawingml/2006/main" xmlns:r="http://schemas.openxmlformats.org/officeDocument/2006/relationships" xmlns:p="http://schemas.openxmlformats.org/presentationml/2006/main">
   <p:cSld>
     <p:spTree>
@@ -23220,16 +22013,7 @@
                 </a:solidFill>
                 <a:latin typeface="+mn-lt"/>
               </a:rPr>
-              <a:t>Problems to solve in </a:t>
-            </a:r>
-            <a:r>
-              <a:rPr lang="en-US" dirty="0" err="1" smtClean="0">
-                <a:solidFill>
-                  <a:srgbClr val="2C2C2D"/>
-                </a:solidFill>
-                <a:latin typeface="+mn-lt"/>
-              </a:rPr>
-              <a:t>IoT</a:t>
+              <a:t>The Web</a:t>
             </a:r>
             <a:endParaRPr lang="en-US" dirty="0">
               <a:solidFill>
@@ -23242,7 +22026,7 @@
       </p:sp>
       <p:sp>
         <p:nvSpPr>
-          <p:cNvPr id="5" name="Content Placeholder 12"/>
+          <p:cNvPr id="29698" name="Content Placeholder 12"/>
           <p:cNvSpPr>
             <a:spLocks noGrp="1"/>
           </p:cNvSpPr>
@@ -23258,107 +22042,152 @@
         </p:spPr>
         <p:txBody>
           <a:bodyPr>
-            <a:normAutofit fontScale="92500" lnSpcReduction="10000"/>
+            <a:normAutofit fontScale="85000" lnSpcReduction="20000"/>
           </a:bodyPr>
           <a:lstStyle/>
           <a:p>
             <a:r>
-              <a:rPr lang="en-US" b="1" dirty="0"/>
-              <a:t>Interoperability</a:t>
+              <a:rPr lang="en-US" dirty="0"/>
+              <a:t>Narrow Waist</a:t>
             </a:r>
           </a:p>
           <a:p>
             <a:pPr lvl="1"/>
             <a:r>
               <a:rPr lang="en-US" dirty="0"/>
-              <a:t>Software’s interaction with physical resources.</a:t>
+              <a:t>Innovation </a:t>
+            </a:r>
+            <a:r>
+              <a:rPr lang="en-US" dirty="0" smtClean="0"/>
+              <a:t>happening on endpoints.</a:t>
+            </a:r>
+            <a:endParaRPr lang="en-US" dirty="0"/>
+          </a:p>
+          <a:p>
+            <a:r>
+              <a:rPr lang="en-US" dirty="0"/>
+              <a:t>Stateless Interaction</a:t>
             </a:r>
           </a:p>
           <a:p>
             <a:pPr lvl="1"/>
             <a:r>
+              <a:rPr lang="en-US" dirty="0" smtClean="0"/>
+              <a:t>REST APIs</a:t>
+            </a:r>
+          </a:p>
+          <a:p>
+            <a:pPr lvl="1"/>
+            <a:r>
+              <a:rPr lang="en-US" dirty="0" smtClean="0"/>
+              <a:t>HTTP client</a:t>
+            </a:r>
+            <a:r>
               <a:rPr lang="en-US" dirty="0"/>
-              <a:t>Device independence from software </a:t>
+              <a:t>/server model and a request/response communication model</a:t>
             </a:r>
             <a:r>
               <a:rPr lang="en-US" dirty="0" smtClean="0"/>
-              <a:t>management and vendors.</a:t>
+              <a:t>.</a:t>
+            </a:r>
+          </a:p>
+          <a:p>
+            <a:pPr lvl="1"/>
+            <a:r>
+              <a:rPr lang="en-US" dirty="0" smtClean="0"/>
+              <a:t>HTTP  </a:t>
+            </a:r>
+            <a:r>
+              <a:rPr lang="en-US" dirty="0"/>
+              <a:t>stateless methods to indicate the server what to do. (GET, POST, PUT, HEAD, DELETE, TRACE)</a:t>
+            </a:r>
+            <a:r>
+              <a:rPr lang="en-US" dirty="0" smtClean="0"/>
+              <a:t>.</a:t>
             </a:r>
             <a:endParaRPr lang="en-US" dirty="0"/>
           </a:p>
           <a:p>
+            <a:r>
+              <a:rPr lang="en-US" dirty="0" smtClean="0"/>
+              <a:t>Focus on Resources and Content</a:t>
+            </a:r>
+            <a:endParaRPr lang="en-US" dirty="0"/>
+          </a:p>
+          <a:p>
             <a:pPr lvl="1"/>
             <a:r>
               <a:rPr lang="en-US" dirty="0"/>
-              <a:t>Discovery, Management, Reporting, Security, Authorization.</a:t>
-            </a:r>
-          </a:p>
-          <a:p>
+              <a:t>Support </a:t>
+            </a:r>
             <a:r>
               <a:rPr lang="en-US" dirty="0"/>
-              <a:t>Scalability</a:t>
-            </a:r>
+              <a:t>of </a:t>
+            </a:r>
+            <a:r>
+              <a:rPr lang="en-US" dirty="0"/>
+              <a:t>extensive </a:t>
+            </a:r>
+            <a:r>
+              <a:rPr lang="en-US" dirty="0"/>
+              <a:t>representation formats (e.g. HTML, JSON, XML etc.) </a:t>
+            </a:r>
+            <a:endParaRPr lang="en-US" dirty="0"/>
           </a:p>
           <a:p>
             <a:pPr lvl="1"/>
             <a:r>
               <a:rPr lang="en-US" dirty="0"/>
-              <a:t>Billions of devices, users, connections…</a:t>
-            </a:r>
+              <a:t>Web content can be anything (HTML files, images, video…) each piece of information is a resource</a:t>
+            </a:r>
+            <a:r>
+              <a:rPr lang="en-US" dirty="0"/>
+              <a:t>.</a:t>
+            </a:r>
+          </a:p>
+          <a:p>
+            <a:r>
+              <a:rPr lang="en-US" dirty="0" smtClean="0"/>
+              <a:t>Uniform Addressing</a:t>
+            </a:r>
+            <a:endParaRPr lang="en-US" dirty="0"/>
           </a:p>
           <a:p>
             <a:pPr lvl="1"/>
             <a:r>
+              <a:rPr lang="en-US" dirty="0" smtClean="0"/>
+              <a:t>Resources </a:t>
+            </a:r>
+            <a:r>
               <a:rPr lang="en-US" dirty="0"/>
-              <a:t>Billions of interactions.</a:t>
-            </a:r>
-          </a:p>
-          <a:p>
+              <a:t>are identified </a:t>
+            </a:r>
+            <a:r>
+              <a:rPr lang="en-US" dirty="0" smtClean="0"/>
+              <a:t>URIs, </a:t>
+            </a:r>
             <a:r>
               <a:rPr lang="en-US" dirty="0"/>
-              <a:t>Reusability and modularity</a:t>
+              <a:t>either by location or by name.</a:t>
             </a:r>
           </a:p>
           <a:p>
             <a:pPr lvl="1"/>
             <a:r>
+              <a:rPr lang="en-US" dirty="0" smtClean="0"/>
+              <a:t>Hyperlinks pointing to resources.</a:t>
+            </a:r>
+          </a:p>
+          <a:p>
+            <a:pPr lvl="1"/>
+            <a:r>
               <a:rPr lang="en-US" dirty="0"/>
-              <a:t>Software, networks, protocols, data models.</a:t>
-            </a:r>
-          </a:p>
-          <a:p>
-            <a:pPr lvl="1"/>
-            <a:r>
-              <a:rPr lang="en-US" dirty="0"/>
-              <a:t>In a vertical segment, across vendors.</a:t>
-            </a:r>
-          </a:p>
-          <a:p>
-            <a:pPr lvl="1"/>
-            <a:r>
-              <a:rPr lang="en-US" dirty="0"/>
-              <a:t>Across diverse vertical segments.</a:t>
-            </a:r>
-          </a:p>
-          <a:p>
-            <a:r>
-              <a:rPr lang="en-US" dirty="0" err="1"/>
-              <a:t>Permissionless</a:t>
-            </a:r>
-            <a:r>
-              <a:rPr lang="en-US" dirty="0"/>
-              <a:t> Innovation</a:t>
-            </a:r>
-          </a:p>
-          <a:p>
-            <a:pPr lvl="1"/>
-            <a:r>
-              <a:rPr lang="en-US" dirty="0"/>
-              <a:t>Enable anyone to participate and innovate.</a:t>
-            </a:r>
-          </a:p>
-          <a:p>
-            <a:pPr lvl="1"/>
+              <a:t>IP addressing and global DNS</a:t>
+            </a:r>
+            <a:r>
+              <a:rPr lang="en-US" dirty="0" smtClean="0"/>
+              <a:t>.</a:t>
+            </a:r>
             <a:endParaRPr lang="en-US" dirty="0"/>
           </a:p>
           <a:p>
@@ -23379,7 +22208,7 @@
     </p:spTree>
     <p:extLst>
       <p:ext uri="{BB962C8B-B14F-4D97-AF65-F5344CB8AC3E}">
-        <p14:creationId xmlns:p14="http://schemas.microsoft.com/office/powerpoint/2010/main" val="2435278614"/>
+        <p14:creationId xmlns:p14="http://schemas.microsoft.com/office/powerpoint/2010/main" val="1265666723"/>
       </p:ext>
     </p:extLst>
   </p:cSld>
@@ -23440,7 +22269,25 @@
                 </a:solidFill>
                 <a:latin typeface="+mn-lt"/>
               </a:rPr>
-              <a:t>IPSO Smart Objects</a:t>
+              <a:t>Constrained Application Protocol (</a:t>
+            </a:r>
+            <a:r>
+              <a:rPr lang="en-US" dirty="0" err="1" smtClean="0">
+                <a:solidFill>
+                  <a:srgbClr val="2C2C2D"/>
+                </a:solidFill>
+                <a:latin typeface="+mn-lt"/>
+              </a:rPr>
+              <a:t>CoAP</a:t>
+            </a:r>
+            <a:r>
+              <a:rPr lang="en-US" dirty="0" smtClean="0">
+                <a:solidFill>
+                  <a:srgbClr val="2C2C2D"/>
+                </a:solidFill>
+                <a:latin typeface="+mn-lt"/>
+              </a:rPr>
+              <a:t>)</a:t>
             </a:r>
             <a:endParaRPr lang="en-US" dirty="0">
               <a:solidFill>
@@ -23453,7 +22300,7 @@
       </p:sp>
       <p:sp>
         <p:nvSpPr>
-          <p:cNvPr id="5" name="Content Placeholder 12"/>
+          <p:cNvPr id="29698" name="Content Placeholder 12"/>
           <p:cNvSpPr>
             <a:spLocks noGrp="1"/>
           </p:cNvSpPr>
@@ -23464,163 +22311,326 @@
         <p:spPr>
           <a:xfrm>
             <a:off x="528637" y="1384299"/>
-            <a:ext cx="11101479" cy="5033963"/>
+            <a:ext cx="10415587" cy="5033963"/>
           </a:xfrm>
         </p:spPr>
         <p:txBody>
-          <a:bodyPr>
-            <a:normAutofit lnSpcReduction="10000"/>
-          </a:bodyPr>
+          <a:bodyPr/>
           <a:lstStyle/>
           <a:p>
             <a:r>
-              <a:rPr lang="en-US" sz="2400" dirty="0"/>
-              <a:t>Developed by IP for Smart Objects (IPSO) </a:t>
-            </a:r>
-            <a:r>
-              <a:rPr lang="en-US" sz="2400" dirty="0" smtClean="0"/>
-              <a:t>Alliance in the Smart Objects Working Group.</a:t>
-            </a:r>
-            <a:endParaRPr lang="en-US" sz="2400" dirty="0"/>
-          </a:p>
-          <a:p>
-            <a:r>
-              <a:rPr lang="en-US" sz="2400" dirty="0" smtClean="0"/>
-              <a:t>Work exclusively on semantic </a:t>
-            </a:r>
-            <a:r>
-              <a:rPr lang="en-US" sz="2400" dirty="0"/>
-              <a:t>Interoperability across </a:t>
-            </a:r>
-            <a:r>
-              <a:rPr lang="en-US" sz="2400" dirty="0" err="1"/>
-              <a:t>IoT</a:t>
-            </a:r>
-            <a:r>
-              <a:rPr lang="en-US" sz="2400" dirty="0"/>
-              <a:t> devices and applications.</a:t>
-            </a:r>
-          </a:p>
-          <a:p>
-            <a:r>
-              <a:rPr lang="en-US" sz="2400" dirty="0"/>
-              <a:t>Based on LWM2M Object </a:t>
-            </a:r>
-            <a:r>
-              <a:rPr lang="en-US" sz="2400" dirty="0" smtClean="0"/>
-              <a:t>Model.</a:t>
-            </a:r>
-          </a:p>
-          <a:p>
-            <a:r>
-              <a:rPr lang="en-US" sz="2400" dirty="0" smtClean="0"/>
-              <a:t>Reusable </a:t>
-            </a:r>
-            <a:r>
-              <a:rPr lang="en-US" sz="2400" dirty="0"/>
-              <a:t>Object IDs and Resource IDs.</a:t>
-            </a:r>
-          </a:p>
-          <a:p>
-            <a:r>
-              <a:rPr lang="en-US" sz="2400" dirty="0"/>
-              <a:t>Transport Protocol Independent (</a:t>
-            </a:r>
-            <a:r>
-              <a:rPr lang="en-US" sz="2400" dirty="0" err="1"/>
-              <a:t>CoAP</a:t>
-            </a:r>
-            <a:r>
-              <a:rPr lang="en-US" sz="2400" dirty="0"/>
-              <a:t>, LWM2M, MQTT, </a:t>
-            </a:r>
-            <a:r>
-              <a:rPr lang="en-US" sz="2400" dirty="0" smtClean="0"/>
-              <a:t>HTTP…) </a:t>
-            </a:r>
-            <a:r>
-              <a:rPr lang="en-US" sz="2400" dirty="0"/>
-              <a:t>if support addressing, content formats and data types</a:t>
-            </a:r>
-            <a:r>
-              <a:rPr lang="en-US" sz="2400" dirty="0" smtClean="0"/>
-              <a:t>.</a:t>
-            </a:r>
-          </a:p>
-          <a:p>
-            <a:r>
-              <a:rPr lang="en-US" sz="2400" dirty="0" smtClean="0"/>
-              <a:t>Encoding Independent (JSON, TLV, </a:t>
-            </a:r>
-            <a:r>
-              <a:rPr lang="en-US" sz="2400" dirty="0" err="1" smtClean="0"/>
-              <a:t>SenML</a:t>
-            </a:r>
-            <a:r>
-              <a:rPr lang="en-US" sz="2400" dirty="0" smtClean="0"/>
-              <a:t>…)</a:t>
-            </a:r>
-            <a:endParaRPr lang="en-US" sz="2400" dirty="0"/>
-          </a:p>
-          <a:p>
-            <a:r>
-              <a:rPr lang="en-US" sz="2400" dirty="0"/>
-              <a:t>Basic Objects represent simple sensors and actuators.</a:t>
-            </a:r>
-          </a:p>
-          <a:p>
-            <a:r>
-              <a:rPr lang="en-US" sz="2400" dirty="0"/>
-              <a:t>Basic Starter Pack published on 2014 (Expansion Pack upcoming)</a:t>
-            </a:r>
-            <a:r>
-              <a:rPr lang="en-US" sz="2400" dirty="0" smtClean="0"/>
-              <a:t>.</a:t>
-            </a:r>
-          </a:p>
-          <a:p>
-            <a:r>
-              <a:rPr lang="en-US" sz="2400" dirty="0" smtClean="0"/>
-              <a:t>Tested over </a:t>
-            </a:r>
-            <a:r>
-              <a:rPr lang="en-US" sz="2400" dirty="0" err="1" smtClean="0"/>
-              <a:t>CoAP</a:t>
-            </a:r>
-            <a:r>
-              <a:rPr lang="en-US" sz="2400" dirty="0" smtClean="0"/>
-              <a:t> and LWM2M during </a:t>
-            </a:r>
-            <a:r>
-              <a:rPr lang="en-US" sz="2400" dirty="0"/>
-              <a:t>IPSO Interoperability test on May </a:t>
-            </a:r>
-            <a:r>
-              <a:rPr lang="en-US" sz="2400" dirty="0" smtClean="0"/>
-              <a:t>2015 (ARM, Ericsson, Intel, SICS, </a:t>
-            </a:r>
-            <a:r>
-              <a:rPr lang="en-US" sz="2400" dirty="0" err="1" smtClean="0"/>
-              <a:t>Yanzi</a:t>
-            </a:r>
-            <a:r>
-              <a:rPr lang="en-US" sz="2400" dirty="0" smtClean="0"/>
-              <a:t>, TUT …) .</a:t>
-            </a:r>
-            <a:endParaRPr lang="en-US" sz="2400" dirty="0"/>
-          </a:p>
-          <a:p>
-            <a:endParaRPr lang="en-US" sz="2400" dirty="0"/>
-          </a:p>
-          <a:p>
-            <a:endParaRPr lang="en-US" sz="2400" dirty="0"/>
+              <a:rPr lang="en-US" sz="2000" dirty="0" smtClean="0"/>
+              <a:t>It is a </a:t>
+            </a:r>
+            <a:r>
+              <a:rPr lang="en-US" sz="2000" dirty="0" err="1" smtClean="0"/>
+              <a:t>RESTful</a:t>
+            </a:r>
+            <a:r>
+              <a:rPr lang="en-US" sz="2000" dirty="0" smtClean="0"/>
+              <a:t> protocol for constrained devices and networks. Similar to HTTP: </a:t>
+            </a:r>
+          </a:p>
+          <a:p>
+            <a:pPr lvl="1"/>
+            <a:r>
+              <a:rPr lang="en-US" sz="1600" dirty="0" smtClean="0"/>
+              <a:t>Client/server </a:t>
+            </a:r>
+            <a:r>
+              <a:rPr lang="en-US" sz="1600" dirty="0" smtClean="0"/>
+              <a:t>&amp; </a:t>
+            </a:r>
+            <a:r>
+              <a:rPr lang="en-US" sz="1600" dirty="0" smtClean="0"/>
+              <a:t>Request/Response </a:t>
+            </a:r>
+          </a:p>
+          <a:p>
+            <a:pPr lvl="1"/>
+            <a:r>
+              <a:rPr lang="en-US" sz="1600" dirty="0" smtClean="0"/>
+              <a:t>GET, POST, PUT and DELETE Methods</a:t>
+            </a:r>
+          </a:p>
+          <a:p>
+            <a:pPr lvl="1"/>
+            <a:r>
+              <a:rPr lang="en-US" sz="1600" dirty="0" smtClean="0"/>
+              <a:t>Same key concepts (Media types, URL, URN…</a:t>
+            </a:r>
+            <a:r>
+              <a:rPr lang="en-US" sz="1600" dirty="0" smtClean="0"/>
+              <a:t>)</a:t>
+            </a:r>
+          </a:p>
+          <a:p>
+            <a:r>
+              <a:rPr lang="en-US" sz="2000" dirty="0"/>
+              <a:t>The </a:t>
+            </a:r>
+            <a:r>
+              <a:rPr lang="en-US" sz="2000" i="1" dirty="0"/>
+              <a:t>well-known </a:t>
+            </a:r>
+            <a:r>
+              <a:rPr lang="en-US" sz="2000" dirty="0"/>
+              <a:t>URI </a:t>
+            </a:r>
+          </a:p>
+          <a:p>
+            <a:pPr marL="0" indent="0">
+              <a:buNone/>
+            </a:pPr>
+            <a:r>
+              <a:rPr lang="en-US" sz="1800" dirty="0">
+                <a:latin typeface="Courier"/>
+                <a:cs typeface="Courier"/>
+              </a:rPr>
+              <a:t>	</a:t>
+            </a:r>
+            <a:r>
+              <a:rPr lang="en-US" sz="1800" dirty="0" err="1">
+                <a:latin typeface="Courier"/>
+                <a:cs typeface="Courier"/>
+              </a:rPr>
+              <a:t>coap</a:t>
+            </a:r>
+            <a:r>
+              <a:rPr lang="en-US" sz="1800" dirty="0">
+                <a:latin typeface="Courier"/>
+                <a:cs typeface="Courier"/>
+              </a:rPr>
+              <a:t>://[2001:db8::2:1]/.well-known/</a:t>
+            </a:r>
+            <a:r>
+              <a:rPr lang="en-US" sz="1800" dirty="0" smtClean="0">
+                <a:latin typeface="Courier"/>
+                <a:cs typeface="Courier"/>
+              </a:rPr>
+              <a:t>core</a:t>
+            </a:r>
+            <a:endParaRPr lang="en-US" sz="1600" dirty="0" smtClean="0"/>
+          </a:p>
+          <a:p>
+            <a:r>
+              <a:rPr lang="en-US" sz="2000" dirty="0" smtClean="0"/>
+              <a:t>Resource </a:t>
+            </a:r>
+            <a:r>
+              <a:rPr lang="en-US" sz="2000" dirty="0" smtClean="0"/>
+              <a:t>discovery via the Resource Directory (RD)</a:t>
+            </a:r>
+          </a:p>
+          <a:p>
+            <a:pPr marL="0" indent="0">
+              <a:buNone/>
+            </a:pPr>
+            <a:r>
+              <a:rPr lang="en-US" sz="2000" dirty="0">
+                <a:latin typeface="Courier"/>
+                <a:cs typeface="Courier"/>
+              </a:rPr>
+              <a:t>	</a:t>
+            </a:r>
+            <a:r>
+              <a:rPr lang="en-US" sz="1800" dirty="0" smtClean="0">
+                <a:latin typeface="Courier"/>
+                <a:cs typeface="Courier"/>
+              </a:rPr>
+              <a:t>Request</a:t>
+            </a:r>
+            <a:r>
+              <a:rPr lang="en-US" sz="1800" dirty="0" smtClean="0">
+                <a:latin typeface="Courier"/>
+                <a:cs typeface="Courier"/>
+                <a:sym typeface="Wingdings"/>
+              </a:rPr>
+              <a:t>  </a:t>
+            </a:r>
+            <a:r>
+              <a:rPr lang="en-US" sz="1800" dirty="0" err="1" smtClean="0">
+                <a:latin typeface="Courier"/>
+                <a:cs typeface="Courier"/>
+              </a:rPr>
+              <a:t>coap</a:t>
+            </a:r>
+            <a:r>
+              <a:rPr lang="en-US" sz="1800" dirty="0">
+                <a:latin typeface="Courier"/>
+                <a:cs typeface="Courier"/>
+              </a:rPr>
+              <a:t>://HOST_ADDRESS:PORT_NUMBER/PATH?</a:t>
+            </a:r>
+            <a:r>
+              <a:rPr lang="en-US" sz="1800" dirty="0" smtClean="0">
+                <a:latin typeface="Courier"/>
+                <a:cs typeface="Courier"/>
+              </a:rPr>
+              <a:t>QUERY</a:t>
+            </a:r>
+          </a:p>
+          <a:p>
+            <a:pPr marL="0" indent="0">
+              <a:buNone/>
+            </a:pPr>
+            <a:r>
+              <a:rPr lang="en-US" sz="1800" dirty="0" smtClean="0">
+                <a:latin typeface="Courier"/>
+                <a:cs typeface="Courier"/>
+              </a:rPr>
+              <a:t> 	Response </a:t>
+            </a:r>
+            <a:r>
+              <a:rPr lang="en-US" sz="1800" dirty="0" err="1" smtClean="0">
+                <a:latin typeface="Courier"/>
+                <a:cs typeface="Courier"/>
+              </a:rPr>
+              <a:t>coap</a:t>
+            </a:r>
+            <a:r>
+              <a:rPr lang="en-US" sz="1800" dirty="0">
+                <a:latin typeface="Courier"/>
+                <a:cs typeface="Courier"/>
+              </a:rPr>
+              <a:t>://ericsson.com:5683/</a:t>
+            </a:r>
+            <a:r>
+              <a:rPr lang="en-US" sz="1800" dirty="0" err="1">
+                <a:latin typeface="Courier"/>
+                <a:cs typeface="Courier"/>
+              </a:rPr>
+              <a:t>rd</a:t>
+            </a:r>
+            <a:r>
+              <a:rPr lang="en-US" sz="1800" dirty="0">
+                <a:latin typeface="Courier"/>
+                <a:cs typeface="Courier"/>
+              </a:rPr>
+              <a:t>/</a:t>
+            </a:r>
+            <a:r>
+              <a:rPr lang="en-US" sz="1800" dirty="0" err="1">
+                <a:latin typeface="Courier"/>
+                <a:cs typeface="Courier"/>
+              </a:rPr>
+              <a:t>jorvas</a:t>
+            </a:r>
+            <a:r>
+              <a:rPr lang="en-US" sz="1800" dirty="0">
+                <a:latin typeface="Courier"/>
+                <a:cs typeface="Courier"/>
+              </a:rPr>
+              <a:t>/room/541/temperature/ </a:t>
+            </a:r>
+            <a:endParaRPr lang="en-US" sz="1800" dirty="0" smtClean="0">
+              <a:latin typeface="Courier"/>
+              <a:cs typeface="Courier"/>
+            </a:endParaRPr>
+          </a:p>
+          <a:p>
+            <a:r>
+              <a:rPr lang="en-US" sz="2000" dirty="0" smtClean="0">
+                <a:latin typeface="Arial" charset="0"/>
+              </a:rPr>
+              <a:t>IPv6 </a:t>
+            </a:r>
+            <a:r>
+              <a:rPr lang="en-US" sz="2000" dirty="0" smtClean="0">
+                <a:latin typeface="Arial" charset="0"/>
+              </a:rPr>
+              <a:t>oriented (using 6LowPAN)</a:t>
+            </a:r>
+          </a:p>
+          <a:p>
+            <a:r>
+              <a:rPr lang="en-US" sz="2000" dirty="0"/>
+              <a:t>UDP preferred instead of TCP, SMS also possible</a:t>
+            </a:r>
+          </a:p>
+          <a:p>
+            <a:pPr lvl="1"/>
+            <a:r>
+              <a:rPr lang="en-US" sz="1600" dirty="0">
+                <a:latin typeface="Arial" charset="0"/>
+              </a:rPr>
+              <a:t>Reliability is ensured by using with different message types:</a:t>
+            </a:r>
+          </a:p>
+          <a:p>
+            <a:pPr lvl="1"/>
+            <a:r>
+              <a:rPr lang="en-US" sz="1600" i="1" dirty="0">
+                <a:latin typeface="Arial" charset="0"/>
+              </a:rPr>
+              <a:t>Confirmable </a:t>
+            </a:r>
+            <a:r>
+              <a:rPr lang="en-US" sz="1600" dirty="0">
+                <a:latin typeface="Arial" charset="0"/>
+              </a:rPr>
+              <a:t>(CON)</a:t>
+            </a:r>
+            <a:r>
+              <a:rPr lang="en-US" sz="1600" i="1" dirty="0">
+                <a:latin typeface="Arial" charset="0"/>
+              </a:rPr>
+              <a:t>, </a:t>
+            </a:r>
+            <a:r>
+              <a:rPr lang="en-US" sz="1600" i="1" dirty="0"/>
+              <a:t>non-confirmable </a:t>
+            </a:r>
+            <a:r>
+              <a:rPr lang="en-US" sz="1600" dirty="0"/>
+              <a:t>(NON), </a:t>
+            </a:r>
+            <a:r>
+              <a:rPr lang="en-US" sz="1600" i="1" dirty="0"/>
+              <a:t>acknowledgement </a:t>
+            </a:r>
+            <a:r>
+              <a:rPr lang="en-US" sz="1600" dirty="0"/>
+              <a:t>(ACK) and </a:t>
+            </a:r>
+            <a:r>
+              <a:rPr lang="en-US" sz="1600" i="1" dirty="0"/>
+              <a:t>reset </a:t>
+            </a:r>
+            <a:r>
+              <a:rPr lang="en-US" sz="1600" dirty="0"/>
+              <a:t>(RST). </a:t>
+            </a:r>
+          </a:p>
+          <a:p>
+            <a:r>
+              <a:rPr lang="en-US" sz="2000" dirty="0" smtClean="0">
+                <a:latin typeface="Arial" charset="0"/>
+              </a:rPr>
+              <a:t>Observe/Notify, adding an “observe” flag in the CoAP GET Request</a:t>
+            </a:r>
+          </a:p>
+          <a:p>
+            <a:pPr lvl="1"/>
+            <a:r>
+              <a:rPr lang="en-US" sz="1600" dirty="0" smtClean="0">
+                <a:latin typeface="Arial" charset="0"/>
+              </a:rPr>
+              <a:t>Introduces a Publish/Subscribe model for constrained devices.</a:t>
+            </a:r>
+          </a:p>
+          <a:p>
+            <a:pPr lvl="1"/>
+            <a:endParaRPr lang="en-US" sz="2000" dirty="0" smtClean="0">
+              <a:latin typeface="Arial" charset="0"/>
+            </a:endParaRPr>
           </a:p>
         </p:txBody>
       </p:sp>
     </p:spTree>
     <p:extLst>
       <p:ext uri="{BB962C8B-B14F-4D97-AF65-F5344CB8AC3E}">
-        <p14:creationId xmlns:p14="http://schemas.microsoft.com/office/powerpoint/2010/main" val="267126367"/>
+        <p14:creationId xmlns:p14="http://schemas.microsoft.com/office/powerpoint/2010/main" val="1916631189"/>
       </p:ext>
     </p:extLst>
   </p:cSld>
@@ -23681,732 +22691,6 @@
                 </a:solidFill>
                 <a:latin typeface="+mn-lt"/>
               </a:rPr>
-              <a:t>The Web</a:t>
-            </a:r>
-            <a:endParaRPr lang="en-US" dirty="0">
-              <a:solidFill>
-                <a:srgbClr val="2C2C2D"/>
-              </a:solidFill>
-              <a:latin typeface="+mn-lt"/>
-            </a:endParaRPr>
-          </a:p>
-        </p:txBody>
-      </p:sp>
-      <p:sp>
-        <p:nvSpPr>
-          <p:cNvPr id="29698" name="Content Placeholder 12"/>
-          <p:cNvSpPr>
-            <a:spLocks noGrp="1"/>
-          </p:cNvSpPr>
-          <p:nvPr>
-            <p:ph sz="half" idx="1"/>
-          </p:nvPr>
-        </p:nvSpPr>
-        <p:spPr>
-          <a:xfrm>
-            <a:off x="528637" y="1384299"/>
-            <a:ext cx="11101479" cy="5033963"/>
-          </a:xfrm>
-        </p:spPr>
-        <p:txBody>
-          <a:bodyPr/>
-          <a:lstStyle/>
-          <a:p>
-            <a:r>
-              <a:rPr lang="en-US" dirty="0"/>
-              <a:t>HTTP and REST</a:t>
-            </a:r>
-          </a:p>
-          <a:p>
-            <a:pPr lvl="1"/>
-            <a:r>
-              <a:rPr lang="en-US" sz="1800" dirty="0" smtClean="0">
-                <a:latin typeface="Arial" charset="0"/>
-              </a:rPr>
-              <a:t>Defines </a:t>
-            </a:r>
-            <a:r>
-              <a:rPr lang="en-US" sz="1800" dirty="0">
-                <a:latin typeface="Arial" charset="0"/>
-              </a:rPr>
-              <a:t>a client/server model and a request/response communication model.</a:t>
-            </a:r>
-          </a:p>
-          <a:p>
-            <a:pPr lvl="1"/>
-            <a:r>
-              <a:rPr lang="en-US" sz="1800" dirty="0" smtClean="0"/>
-              <a:t>Support </a:t>
-            </a:r>
-            <a:r>
-              <a:rPr lang="en-US" sz="1800" dirty="0"/>
-              <a:t>of </a:t>
-            </a:r>
-            <a:r>
-              <a:rPr lang="en-US" sz="1800" dirty="0" smtClean="0"/>
-              <a:t>extensive </a:t>
-            </a:r>
-            <a:r>
-              <a:rPr lang="en-US" sz="1800" dirty="0"/>
-              <a:t>representation formats (e.g. HTML, JSON, XML etc.) </a:t>
-            </a:r>
-            <a:endParaRPr lang="en-US" sz="1800" dirty="0" smtClean="0">
-              <a:latin typeface="Arial" charset="0"/>
-            </a:endParaRPr>
-          </a:p>
-          <a:p>
-            <a:pPr lvl="1"/>
-            <a:r>
-              <a:rPr lang="en-US" sz="1800" dirty="0">
-                <a:latin typeface="Arial" charset="0"/>
-              </a:rPr>
-              <a:t>Web content can be anything (HTML files, images, video…) each piece of information is a </a:t>
-            </a:r>
-            <a:r>
-              <a:rPr lang="en-US" sz="1800" dirty="0">
-                <a:solidFill>
-                  <a:srgbClr val="00A9D4"/>
-                </a:solidFill>
-                <a:latin typeface="Arial" charset="0"/>
-              </a:rPr>
-              <a:t>resource</a:t>
-            </a:r>
-            <a:r>
-              <a:rPr lang="en-US" sz="1800" dirty="0" smtClean="0">
-                <a:latin typeface="Arial" charset="0"/>
-              </a:rPr>
-              <a:t>.</a:t>
-            </a:r>
-          </a:p>
-          <a:p>
-            <a:pPr lvl="1"/>
-            <a:r>
-              <a:rPr lang="en-US" sz="1800" dirty="0">
-                <a:latin typeface="Arial" charset="0"/>
-              </a:rPr>
-              <a:t>Defines some methods to indicate the server what to do. (GET, POST, PUT, HEAD, DELETE, TRACE).</a:t>
-            </a:r>
-          </a:p>
-          <a:p>
-            <a:pPr lvl="1"/>
-            <a:r>
-              <a:rPr lang="en-US" sz="1800" dirty="0">
-                <a:latin typeface="Arial" charset="0"/>
-              </a:rPr>
-              <a:t>Statelessness, r</a:t>
-            </a:r>
-            <a:r>
-              <a:rPr lang="en-US" sz="1800" dirty="0"/>
-              <a:t>equests are performed with the information provided only in that request </a:t>
-            </a:r>
-          </a:p>
-          <a:p>
-            <a:pPr lvl="1"/>
-            <a:r>
-              <a:rPr lang="en-US" sz="1800" dirty="0" smtClean="0">
-                <a:latin typeface="Arial" charset="0"/>
-              </a:rPr>
-              <a:t>Resources are identified with identifiers (</a:t>
-            </a:r>
-            <a:r>
-              <a:rPr lang="en-US" sz="1800" dirty="0" smtClean="0">
-                <a:solidFill>
-                  <a:srgbClr val="00A9D4"/>
-                </a:solidFill>
-                <a:latin typeface="Arial" charset="0"/>
-              </a:rPr>
-              <a:t>URI</a:t>
-            </a:r>
-            <a:r>
-              <a:rPr lang="en-US" sz="1800" dirty="0" smtClean="0">
-                <a:latin typeface="Arial" charset="0"/>
-              </a:rPr>
-              <a:t>), either by location or by name.</a:t>
-            </a:r>
-          </a:p>
-          <a:p>
-            <a:pPr lvl="1"/>
-            <a:r>
-              <a:rPr lang="en-US" sz="1800" dirty="0" smtClean="0">
-                <a:latin typeface="Arial" charset="0"/>
-              </a:rPr>
-              <a:t>Resources are accessible via an uniform locator (</a:t>
-            </a:r>
-            <a:r>
-              <a:rPr lang="en-US" sz="1800" dirty="0" smtClean="0">
-                <a:solidFill>
-                  <a:srgbClr val="00A9D4"/>
-                </a:solidFill>
-                <a:latin typeface="Arial" charset="0"/>
-              </a:rPr>
-              <a:t>URL</a:t>
-            </a:r>
-            <a:r>
-              <a:rPr lang="en-US" sz="1800" dirty="0" smtClean="0">
-                <a:latin typeface="Arial" charset="0"/>
-              </a:rPr>
-              <a:t>)</a:t>
-            </a:r>
-          </a:p>
-          <a:p>
-            <a:pPr marL="355600" lvl="1" indent="0">
-              <a:buNone/>
-            </a:pPr>
-            <a:r>
-              <a:rPr lang="en-US" sz="1800" dirty="0" smtClean="0">
-                <a:latin typeface="Courier"/>
-                <a:cs typeface="Courier"/>
-              </a:rPr>
-              <a:t>		PROTOCOL</a:t>
-            </a:r>
-            <a:r>
-              <a:rPr lang="en-US" sz="1800" dirty="0">
-                <a:latin typeface="Courier"/>
-                <a:cs typeface="Courier"/>
-              </a:rPr>
-              <a:t>://HOST_NAME:PORT /RESOURCE_PATH?RESOURCE_INPUT </a:t>
-            </a:r>
-          </a:p>
-          <a:p>
-            <a:pPr lvl="1"/>
-            <a:r>
-              <a:rPr lang="en-US" sz="1800" dirty="0">
-                <a:latin typeface="Arial" charset="0"/>
-              </a:rPr>
-              <a:t>Resources </a:t>
-            </a:r>
-            <a:r>
-              <a:rPr lang="en-US" sz="1800" dirty="0" smtClean="0">
-                <a:latin typeface="Arial" charset="0"/>
-              </a:rPr>
-              <a:t>can be identified with an unique identity (</a:t>
-            </a:r>
-            <a:r>
-              <a:rPr lang="en-US" sz="1800" dirty="0" smtClean="0">
-                <a:solidFill>
-                  <a:srgbClr val="00A9D4"/>
-                </a:solidFill>
-                <a:latin typeface="Arial" charset="0"/>
-              </a:rPr>
-              <a:t>URN</a:t>
-            </a:r>
-            <a:r>
-              <a:rPr lang="en-US" sz="1800" dirty="0" smtClean="0">
-                <a:latin typeface="Arial" charset="0"/>
-              </a:rPr>
-              <a:t>)</a:t>
-            </a:r>
-            <a:endParaRPr lang="en-US" sz="1800" dirty="0">
-              <a:latin typeface="Arial" charset="0"/>
-            </a:endParaRPr>
-          </a:p>
-          <a:p>
-            <a:pPr marL="355600" lvl="1" indent="0">
-              <a:buNone/>
-            </a:pPr>
-            <a:r>
-              <a:rPr lang="en-US" sz="1800" dirty="0">
-                <a:latin typeface="Courier"/>
-                <a:cs typeface="Courier"/>
-              </a:rPr>
-              <a:t>		</a:t>
-            </a:r>
-            <a:r>
-              <a:rPr lang="en-US" sz="1800" dirty="0" err="1" smtClean="0">
-                <a:latin typeface="Courier"/>
-                <a:cs typeface="Courier"/>
-              </a:rPr>
-              <a:t>urn:NAMESPACE_IDENTIFIER:SPECIFIC_STRING</a:t>
-            </a:r>
-            <a:endParaRPr lang="en-US" sz="1800" dirty="0">
-              <a:latin typeface="Courier"/>
-              <a:cs typeface="Courier"/>
-            </a:endParaRPr>
-          </a:p>
-          <a:p>
-            <a:pPr lvl="1"/>
-            <a:endParaRPr lang="en-US" sz="1600" dirty="0" smtClean="0">
-              <a:latin typeface="Arial" charset="0"/>
-            </a:endParaRPr>
-          </a:p>
-          <a:p>
-            <a:pPr lvl="1"/>
-            <a:endParaRPr lang="en-US" sz="1600" dirty="0" smtClean="0">
-              <a:latin typeface="Arial" charset="0"/>
-            </a:endParaRPr>
-          </a:p>
-          <a:p>
-            <a:pPr marL="0" indent="0">
-              <a:buNone/>
-            </a:pPr>
-            <a:endParaRPr lang="en-US" sz="2000" dirty="0" smtClean="0">
-              <a:latin typeface="Arial" charset="0"/>
-            </a:endParaRPr>
-          </a:p>
-          <a:p>
-            <a:endParaRPr lang="en-US" sz="2000" dirty="0" smtClean="0">
-              <a:latin typeface="Arial" charset="0"/>
-            </a:endParaRPr>
-          </a:p>
-        </p:txBody>
-      </p:sp>
-    </p:spTree>
-    <p:extLst>
-      <p:ext uri="{BB962C8B-B14F-4D97-AF65-F5344CB8AC3E}">
-        <p14:creationId xmlns:p14="http://schemas.microsoft.com/office/powerpoint/2010/main" val="2736889420"/>
-      </p:ext>
-    </p:extLst>
-  </p:cSld>
-  <p:clrMapOvr>
-    <a:masterClrMapping/>
-  </p:clrMapOvr>
-  <p:timing>
-    <p:tnLst>
-      <p:par>
-        <p:cTn xmlns:p14="http://schemas.microsoft.com/office/powerpoint/2010/main" id="1" dur="indefinite" restart="never" nodeType="tmRoot"/>
-      </p:par>
-    </p:tnLst>
-  </p:timing>
-</p:sld>
-</file>
-
-<file path=ppt/slides/slide5.xml><?xml version="1.0" encoding="utf-8"?>
-<p:sld xmlns:a="http://schemas.openxmlformats.org/drawingml/2006/main" xmlns:r="http://schemas.openxmlformats.org/officeDocument/2006/relationships" xmlns:p="http://schemas.openxmlformats.org/presentationml/2006/main">
-  <p:cSld>
-    <p:spTree>
-      <p:nvGrpSpPr>
-        <p:cNvPr id="1" name=""/>
-        <p:cNvGrpSpPr/>
-        <p:nvPr/>
-      </p:nvGrpSpPr>
-      <p:grpSpPr>
-        <a:xfrm>
-          <a:off x="0" y="0"/>
-          <a:ext cx="0" cy="0"/>
-          <a:chOff x="0" y="0"/>
-          <a:chExt cx="0" cy="0"/>
-        </a:xfrm>
-      </p:grpSpPr>
-      <p:sp>
-        <p:nvSpPr>
-          <p:cNvPr id="29697" name="Title 1"/>
-          <p:cNvSpPr>
-            <a:spLocks noGrp="1"/>
-          </p:cNvSpPr>
-          <p:nvPr>
-            <p:ph type="title"/>
-          </p:nvPr>
-        </p:nvSpPr>
-        <p:spPr>
-          <a:xfrm>
-            <a:off x="525463" y="239713"/>
-            <a:ext cx="10418762" cy="1085850"/>
-          </a:xfrm>
-        </p:spPr>
-        <p:txBody>
-          <a:bodyPr/>
-          <a:lstStyle/>
-          <a:p>
-            <a:r>
-              <a:rPr lang="en-US" dirty="0" smtClean="0">
-                <a:solidFill>
-                  <a:srgbClr val="2C2C2D"/>
-                </a:solidFill>
-                <a:latin typeface="+mn-lt"/>
-              </a:rPr>
-              <a:t>Constrained Application Protocol (</a:t>
-            </a:r>
-            <a:r>
-              <a:rPr lang="en-US" dirty="0" err="1" smtClean="0">
-                <a:solidFill>
-                  <a:srgbClr val="2C2C2D"/>
-                </a:solidFill>
-                <a:latin typeface="+mn-lt"/>
-              </a:rPr>
-              <a:t>CoAP</a:t>
-            </a:r>
-            <a:r>
-              <a:rPr lang="en-US" dirty="0" smtClean="0">
-                <a:solidFill>
-                  <a:srgbClr val="2C2C2D"/>
-                </a:solidFill>
-                <a:latin typeface="+mn-lt"/>
-              </a:rPr>
-              <a:t>)</a:t>
-            </a:r>
-            <a:endParaRPr lang="en-US" dirty="0">
-              <a:solidFill>
-                <a:srgbClr val="2C2C2D"/>
-              </a:solidFill>
-              <a:latin typeface="+mn-lt"/>
-            </a:endParaRPr>
-          </a:p>
-        </p:txBody>
-      </p:sp>
-      <p:sp>
-        <p:nvSpPr>
-          <p:cNvPr id="29698" name="Content Placeholder 12"/>
-          <p:cNvSpPr>
-            <a:spLocks noGrp="1"/>
-          </p:cNvSpPr>
-          <p:nvPr>
-            <p:ph sz="half" idx="1"/>
-          </p:nvPr>
-        </p:nvSpPr>
-        <p:spPr>
-          <a:xfrm>
-            <a:off x="528637" y="1384299"/>
-            <a:ext cx="10415587" cy="5033963"/>
-          </a:xfrm>
-        </p:spPr>
-        <p:txBody>
-          <a:bodyPr/>
-          <a:lstStyle/>
-          <a:p>
-            <a:r>
-              <a:rPr lang="en-US" sz="2000" dirty="0" smtClean="0"/>
-              <a:t>It is a </a:t>
-            </a:r>
-            <a:r>
-              <a:rPr lang="en-US" sz="2000" dirty="0" err="1" smtClean="0"/>
-              <a:t>RESTful</a:t>
-            </a:r>
-            <a:r>
-              <a:rPr lang="en-US" sz="2000" dirty="0" smtClean="0"/>
-              <a:t> protocol for constrained devices and networks. Similar to HTTP: </a:t>
-            </a:r>
-          </a:p>
-          <a:p>
-            <a:pPr lvl="1"/>
-            <a:r>
-              <a:rPr lang="en-US" sz="1600" dirty="0" smtClean="0"/>
-              <a:t>Client/server (although now tending more to P2P model)  &amp; Request/Response </a:t>
-            </a:r>
-          </a:p>
-          <a:p>
-            <a:pPr lvl="1"/>
-            <a:r>
-              <a:rPr lang="en-US" sz="1600" dirty="0" smtClean="0"/>
-              <a:t>GET, POST, PUT and DELETE Methods</a:t>
-            </a:r>
-          </a:p>
-          <a:p>
-            <a:pPr lvl="1"/>
-            <a:r>
-              <a:rPr lang="en-US" sz="1600" dirty="0" smtClean="0"/>
-              <a:t>Same key concepts (Media types, URL, URN…)</a:t>
-            </a:r>
-          </a:p>
-          <a:p>
-            <a:r>
-              <a:rPr lang="en-US" sz="2000" dirty="0" smtClean="0"/>
-              <a:t>Resource discovery via the Resource Directory (RD)</a:t>
-            </a:r>
-          </a:p>
-          <a:p>
-            <a:pPr marL="0" indent="0">
-              <a:buNone/>
-            </a:pPr>
-            <a:r>
-              <a:rPr lang="en-US" sz="2000" dirty="0">
-                <a:latin typeface="Courier"/>
-                <a:cs typeface="Courier"/>
-              </a:rPr>
-              <a:t>	</a:t>
-            </a:r>
-            <a:r>
-              <a:rPr lang="en-US" sz="1800" dirty="0" smtClean="0">
-                <a:latin typeface="Courier"/>
-                <a:cs typeface="Courier"/>
-              </a:rPr>
-              <a:t>Request</a:t>
-            </a:r>
-            <a:r>
-              <a:rPr lang="en-US" sz="1800" dirty="0" smtClean="0">
-                <a:latin typeface="Courier"/>
-                <a:cs typeface="Courier"/>
-                <a:sym typeface="Wingdings"/>
-              </a:rPr>
-              <a:t>  </a:t>
-            </a:r>
-            <a:r>
-              <a:rPr lang="en-US" sz="1800" dirty="0" err="1" smtClean="0">
-                <a:latin typeface="Courier"/>
-                <a:cs typeface="Courier"/>
-              </a:rPr>
-              <a:t>coap</a:t>
-            </a:r>
-            <a:r>
-              <a:rPr lang="en-US" sz="1800" dirty="0">
-                <a:latin typeface="Courier"/>
-                <a:cs typeface="Courier"/>
-              </a:rPr>
-              <a:t>://HOST_ADDRESS:PORT_NUMBER/PATH?</a:t>
-            </a:r>
-            <a:r>
-              <a:rPr lang="en-US" sz="1800" dirty="0" smtClean="0">
-                <a:latin typeface="Courier"/>
-                <a:cs typeface="Courier"/>
-              </a:rPr>
-              <a:t>QUERY</a:t>
-            </a:r>
-          </a:p>
-          <a:p>
-            <a:pPr marL="0" indent="0">
-              <a:buNone/>
-            </a:pPr>
-            <a:r>
-              <a:rPr lang="en-US" sz="1800" dirty="0" smtClean="0">
-                <a:latin typeface="Courier"/>
-                <a:cs typeface="Courier"/>
-              </a:rPr>
-              <a:t> 	Response </a:t>
-            </a:r>
-            <a:r>
-              <a:rPr lang="en-US" sz="1800" dirty="0" err="1" smtClean="0">
-                <a:latin typeface="Courier"/>
-                <a:cs typeface="Courier"/>
-              </a:rPr>
-              <a:t>coap</a:t>
-            </a:r>
-            <a:r>
-              <a:rPr lang="en-US" sz="1800" dirty="0">
-                <a:latin typeface="Courier"/>
-                <a:cs typeface="Courier"/>
-              </a:rPr>
-              <a:t>://ericsson.com:5683/</a:t>
-            </a:r>
-            <a:r>
-              <a:rPr lang="en-US" sz="1800" dirty="0" err="1">
-                <a:latin typeface="Courier"/>
-                <a:cs typeface="Courier"/>
-              </a:rPr>
-              <a:t>rd</a:t>
-            </a:r>
-            <a:r>
-              <a:rPr lang="en-US" sz="1800" dirty="0">
-                <a:latin typeface="Courier"/>
-                <a:cs typeface="Courier"/>
-              </a:rPr>
-              <a:t>/</a:t>
-            </a:r>
-            <a:r>
-              <a:rPr lang="en-US" sz="1800" dirty="0" err="1">
-                <a:latin typeface="Courier"/>
-                <a:cs typeface="Courier"/>
-              </a:rPr>
-              <a:t>jorvas</a:t>
-            </a:r>
-            <a:r>
-              <a:rPr lang="en-US" sz="1800" dirty="0">
-                <a:latin typeface="Courier"/>
-                <a:cs typeface="Courier"/>
-              </a:rPr>
-              <a:t>/room/541/temperature/ </a:t>
-            </a:r>
-            <a:endParaRPr lang="en-US" sz="1800" dirty="0" smtClean="0">
-              <a:latin typeface="Courier"/>
-              <a:cs typeface="Courier"/>
-            </a:endParaRPr>
-          </a:p>
-          <a:p>
-            <a:r>
-              <a:rPr lang="en-US" sz="2000" dirty="0"/>
-              <a:t>The </a:t>
-            </a:r>
-            <a:r>
-              <a:rPr lang="en-US" sz="2000" i="1" dirty="0"/>
-              <a:t>well-known </a:t>
-            </a:r>
-            <a:r>
-              <a:rPr lang="en-US" sz="2000" dirty="0"/>
-              <a:t>URI </a:t>
-            </a:r>
-            <a:endParaRPr lang="en-US" sz="2000" dirty="0" smtClean="0"/>
-          </a:p>
-          <a:p>
-            <a:pPr marL="0" indent="0">
-              <a:buNone/>
-            </a:pPr>
-            <a:r>
-              <a:rPr lang="en-US" sz="1800" dirty="0" smtClean="0">
-                <a:latin typeface="Courier"/>
-                <a:cs typeface="Courier"/>
-              </a:rPr>
-              <a:t>	</a:t>
-            </a:r>
-            <a:r>
-              <a:rPr lang="en-US" sz="1800" dirty="0" err="1" smtClean="0">
-                <a:latin typeface="Courier"/>
-                <a:cs typeface="Courier"/>
-              </a:rPr>
-              <a:t>coap</a:t>
-            </a:r>
-            <a:r>
-              <a:rPr lang="en-US" sz="1800" dirty="0">
-                <a:latin typeface="Courier"/>
-                <a:cs typeface="Courier"/>
-              </a:rPr>
-              <a:t>://[2001:db8::2:1]/.well-known/core </a:t>
-            </a:r>
-          </a:p>
-          <a:p>
-            <a:r>
-              <a:rPr lang="en-US" sz="2000" dirty="0" smtClean="0">
-                <a:latin typeface="Arial" charset="0"/>
-              </a:rPr>
-              <a:t>IPv6 oriented (using 6LowPAN)</a:t>
-            </a:r>
-          </a:p>
-          <a:p>
-            <a:r>
-              <a:rPr lang="en-US" sz="2000" dirty="0"/>
-              <a:t>UDP preferred instead of TCP, SMS also possible</a:t>
-            </a:r>
-          </a:p>
-          <a:p>
-            <a:pPr lvl="1"/>
-            <a:r>
-              <a:rPr lang="en-US" sz="1600" dirty="0">
-                <a:latin typeface="Arial" charset="0"/>
-              </a:rPr>
-              <a:t>Reliability is ensured by using with different message types:</a:t>
-            </a:r>
-          </a:p>
-          <a:p>
-            <a:pPr lvl="1"/>
-            <a:r>
-              <a:rPr lang="en-US" sz="1600" i="1" dirty="0">
-                <a:latin typeface="Arial" charset="0"/>
-              </a:rPr>
-              <a:t>Confirmable </a:t>
-            </a:r>
-            <a:r>
-              <a:rPr lang="en-US" sz="1600" dirty="0">
-                <a:latin typeface="Arial" charset="0"/>
-              </a:rPr>
-              <a:t>(CON)</a:t>
-            </a:r>
-            <a:r>
-              <a:rPr lang="en-US" sz="1600" i="1" dirty="0">
-                <a:latin typeface="Arial" charset="0"/>
-              </a:rPr>
-              <a:t>, </a:t>
-            </a:r>
-            <a:r>
-              <a:rPr lang="en-US" sz="1600" i="1" dirty="0"/>
-              <a:t>non-confirmable </a:t>
-            </a:r>
-            <a:r>
-              <a:rPr lang="en-US" sz="1600" dirty="0"/>
-              <a:t>(NON), </a:t>
-            </a:r>
-            <a:r>
-              <a:rPr lang="en-US" sz="1600" i="1" dirty="0"/>
-              <a:t>acknowledgement </a:t>
-            </a:r>
-            <a:r>
-              <a:rPr lang="en-US" sz="1600" dirty="0"/>
-              <a:t>(ACK) and </a:t>
-            </a:r>
-            <a:r>
-              <a:rPr lang="en-US" sz="1600" i="1" dirty="0"/>
-              <a:t>reset </a:t>
-            </a:r>
-            <a:r>
-              <a:rPr lang="en-US" sz="1600" dirty="0"/>
-              <a:t>(RST). </a:t>
-            </a:r>
-          </a:p>
-          <a:p>
-            <a:r>
-              <a:rPr lang="en-US" sz="2000" dirty="0" smtClean="0">
-                <a:latin typeface="Arial" charset="0"/>
-              </a:rPr>
-              <a:t>Observe/Notify, adding an “observe” flag in the CoAP GET Request</a:t>
-            </a:r>
-          </a:p>
-          <a:p>
-            <a:pPr lvl="1"/>
-            <a:r>
-              <a:rPr lang="en-US" sz="1600" dirty="0" smtClean="0">
-                <a:latin typeface="Arial" charset="0"/>
-              </a:rPr>
-              <a:t>Introduces a Publish/Subscribe model for constrained devices.</a:t>
-            </a:r>
-          </a:p>
-          <a:p>
-            <a:pPr lvl="1"/>
-            <a:endParaRPr lang="en-US" sz="2000" dirty="0" smtClean="0">
-              <a:latin typeface="Arial" charset="0"/>
-            </a:endParaRPr>
-          </a:p>
-        </p:txBody>
-      </p:sp>
-    </p:spTree>
-    <p:extLst>
-      <p:ext uri="{BB962C8B-B14F-4D97-AF65-F5344CB8AC3E}">
-        <p14:creationId xmlns:p14="http://schemas.microsoft.com/office/powerpoint/2010/main" val="1916631189"/>
-      </p:ext>
-    </p:extLst>
-  </p:cSld>
-  <p:clrMapOvr>
-    <a:masterClrMapping/>
-  </p:clrMapOvr>
-  <p:timing>
-    <p:tnLst>
-      <p:par>
-        <p:cTn xmlns:p14="http://schemas.microsoft.com/office/powerpoint/2010/main" id="1" dur="indefinite" restart="never" nodeType="tmRoot"/>
-      </p:par>
-    </p:tnLst>
-  </p:timing>
-</p:sld>
-</file>
-
-<file path=ppt/slides/slide6.xml><?xml version="1.0" encoding="utf-8"?>
-<p:sld xmlns:a="http://schemas.openxmlformats.org/drawingml/2006/main" xmlns:r="http://schemas.openxmlformats.org/officeDocument/2006/relationships" xmlns:p="http://schemas.openxmlformats.org/presentationml/2006/main">
-  <p:cSld>
-    <p:spTree>
-      <p:nvGrpSpPr>
-        <p:cNvPr id="1" name=""/>
-        <p:cNvGrpSpPr/>
-        <p:nvPr/>
-      </p:nvGrpSpPr>
-      <p:grpSpPr>
-        <a:xfrm>
-          <a:off x="0" y="0"/>
-          <a:ext cx="0" cy="0"/>
-          <a:chOff x="0" y="0"/>
-          <a:chExt cx="0" cy="0"/>
-        </a:xfrm>
-      </p:grpSpPr>
-      <p:sp>
-        <p:nvSpPr>
-          <p:cNvPr id="29697" name="Title 1"/>
-          <p:cNvSpPr>
-            <a:spLocks noGrp="1"/>
-          </p:cNvSpPr>
-          <p:nvPr>
-            <p:ph type="title"/>
-          </p:nvPr>
-        </p:nvSpPr>
-        <p:spPr>
-          <a:xfrm>
-            <a:off x="525463" y="239713"/>
-            <a:ext cx="10418762" cy="1085850"/>
-          </a:xfrm>
-        </p:spPr>
-        <p:txBody>
-          <a:bodyPr/>
-          <a:lstStyle/>
-          <a:p>
-            <a:r>
-              <a:rPr lang="en-US" dirty="0" smtClean="0">
-                <a:solidFill>
-                  <a:srgbClr val="2C2C2D"/>
-                </a:solidFill>
-                <a:latin typeface="+mn-lt"/>
-              </a:rPr>
               <a:t>Web Linking for </a:t>
             </a:r>
             <a:r>
@@ -24454,7 +22738,7 @@
         </p:spPr>
         <p:txBody>
           <a:bodyPr>
-            <a:normAutofit lnSpcReduction="10000"/>
+            <a:normAutofit fontScale="92500"/>
           </a:bodyPr>
           <a:lstStyle/>
           <a:p>
@@ -24501,7 +22785,19 @@
               <a:rPr lang="en-US" dirty="0" smtClean="0">
                 <a:latin typeface="Arial" charset="0"/>
               </a:rPr>
-              <a:t>Follows the Web Linking RFC5988.</a:t>
+              <a:t>Reuses Web Linking RFC5988 for </a:t>
+            </a:r>
+            <a:r>
+              <a:rPr lang="en-US" dirty="0" err="1" smtClean="0">
+                <a:latin typeface="Arial" charset="0"/>
+              </a:rPr>
+              <a:t>IoT</a:t>
+            </a:r>
+            <a:r>
+              <a:rPr lang="en-US" dirty="0" smtClean="0">
+                <a:latin typeface="Arial" charset="0"/>
+              </a:rPr>
+              <a:t>.</a:t>
             </a:r>
           </a:p>
           <a:p>
@@ -24519,7 +22815,19 @@
               <a:rPr lang="en-US" dirty="0" smtClean="0">
                 <a:latin typeface="Arial" charset="0"/>
               </a:rPr>
-              <a:t>Defines a well-known resource where links are stored.</a:t>
+              <a:t>GET ./well-known/</a:t>
+            </a:r>
+            <a:r>
+              <a:rPr lang="en-US" dirty="0" err="1" smtClean="0">
+                <a:latin typeface="Arial" charset="0"/>
+              </a:rPr>
+              <a:t>core?optional_query_string</a:t>
+            </a:r>
+            <a:r>
+              <a:rPr lang="en-US" dirty="0" smtClean="0">
+                <a:latin typeface="Arial" charset="0"/>
+              </a:rPr>
+              <a:t>.</a:t>
             </a:r>
           </a:p>
           <a:p>
@@ -24528,7 +22836,31 @@
               <a:rPr lang="en-US" dirty="0" smtClean="0">
                 <a:latin typeface="Arial" charset="0"/>
               </a:rPr>
-              <a:t>Enables query string parameters for discovery by attribute and relation.</a:t>
+              <a:t>Enables query string parameters for discovery by attribute and relation (</a:t>
+            </a:r>
+            <a:r>
+              <a:rPr lang="en-US" dirty="0" err="1" smtClean="0">
+                <a:latin typeface="Arial" charset="0"/>
+              </a:rPr>
+              <a:t>rt</a:t>
+            </a:r>
+            <a:r>
+              <a:rPr lang="en-US" dirty="0" smtClean="0">
+                <a:latin typeface="Arial" charset="0"/>
+              </a:rPr>
+              <a:t>, if, </a:t>
+            </a:r>
+            <a:r>
+              <a:rPr lang="en-US" dirty="0" err="1" smtClean="0">
+                <a:latin typeface="Arial" charset="0"/>
+              </a:rPr>
+              <a:t>sz</a:t>
+            </a:r>
+            <a:r>
+              <a:rPr lang="en-US" dirty="0" smtClean="0">
+                <a:latin typeface="Arial" charset="0"/>
+              </a:rPr>
+              <a:t>). The response looks like:</a:t>
             </a:r>
           </a:p>
           <a:p>
@@ -24540,7 +22872,7 @@
                 <a:latin typeface="Courier"/>
                 <a:cs typeface="Courier"/>
               </a:rPr>
-              <a:t> &lt;3303/0/5507&gt;;</a:t>
+              <a:t> &lt;3303/0/5700&gt;;</a:t>
             </a:r>
             <a:r>
               <a:rPr lang="en-US" dirty="0" err="1" smtClean="0">
@@ -24554,21 +22886,35 @@
                 <a:latin typeface="Courier"/>
                 <a:cs typeface="Courier"/>
               </a:rPr>
-              <a:t>=“ipso”;</a:t>
+              <a:t>=“</a:t>
             </a:r>
             <a:r>
               <a:rPr lang="en-US" dirty="0" err="1" smtClean="0">
                 <a:latin typeface="Courier"/>
                 <a:cs typeface="Courier"/>
               </a:rPr>
-              <a:t>ct</a:t>
+              <a:t>ipso:temp</a:t>
             </a:r>
             <a:r>
               <a:rPr lang="en-US" dirty="0" smtClean="0">
                 <a:latin typeface="Courier"/>
                 <a:cs typeface="Courier"/>
               </a:rPr>
-              <a:t>=50;obs=1</a:t>
+              <a:t>”;</a:t>
+            </a:r>
+            <a:r>
+              <a:rPr lang="en-US" dirty="0" err="1" smtClean="0">
+                <a:latin typeface="Courier"/>
+                <a:cs typeface="Courier"/>
+              </a:rPr>
+              <a:t>ct</a:t>
+            </a:r>
+            <a:r>
+              <a:rPr lang="en-US" dirty="0" smtClean="0">
+                <a:latin typeface="Courier"/>
+                <a:cs typeface="Courier"/>
+              </a:rPr>
+              <a:t>=“0”;obs=1</a:t>
             </a:r>
           </a:p>
           <a:p>
@@ -24584,10 +22930,13 @@
             <a:pPr marL="712787" lvl="2" indent="0">
               <a:buNone/>
             </a:pPr>
-            <a:endParaRPr lang="en-US" dirty="0" smtClean="0">
-              <a:latin typeface="Courier"/>
-              <a:cs typeface="Courier"/>
-            </a:endParaRPr>
+            <a:r>
+              <a:rPr lang="en-US" dirty="0" smtClean="0">
+                <a:latin typeface="Courier"/>
+                <a:cs typeface="Courier"/>
+              </a:rPr>
+              <a:t> </a:t>
+            </a:r>
           </a:p>
           <a:p>
             <a:pPr lvl="1"/>
@@ -24686,8 +23035,8 @@
         </p:nvSpPr>
         <p:spPr>
           <a:xfrm>
-            <a:off x="3479457" y="4289204"/>
-            <a:ext cx="1423086" cy="338554"/>
+            <a:off x="3479457" y="4274834"/>
+            <a:ext cx="1374765" cy="338554"/>
           </a:xfrm>
           <a:prstGeom prst="rect">
             <a:avLst/>
@@ -24705,8 +23054,8 @@
           <a:lstStyle/>
           <a:p>
             <a:r>
-              <a:rPr lang="en-US" sz="1600" dirty="0" smtClean="0"/>
-              <a:t>Content Type</a:t>
+              <a:rPr lang="en-US" sz="1600" dirty="0" err="1" smtClean="0"/>
+              <a:t>ContentType</a:t>
             </a:r>
             <a:endParaRPr lang="en-US" sz="1600" dirty="0"/>
           </a:p>
@@ -24792,8 +23141,8 @@
         </p:nvCxnSpPr>
         <p:spPr>
           <a:xfrm flipV="1">
-            <a:off x="4191000" y="4148667"/>
-            <a:ext cx="895098" cy="140537"/>
+            <a:off x="4166840" y="4148673"/>
+            <a:ext cx="919258" cy="126161"/>
           </a:xfrm>
           <a:prstGeom prst="straightConnector1">
             <a:avLst/>
@@ -24874,7 +23223,7 @@
 </p:sld>
 </file>
 
-<file path=ppt/slides/slide7.xml><?xml version="1.0" encoding="utf-8"?>
+<file path=ppt/slides/slide5.xml><?xml version="1.0" encoding="utf-8"?>
 <p:sld xmlns:a="http://schemas.openxmlformats.org/drawingml/2006/main" xmlns:r="http://schemas.openxmlformats.org/officeDocument/2006/relationships" xmlns:p="http://schemas.openxmlformats.org/presentationml/2006/main">
   <p:cSld>
     <p:spTree>
@@ -24952,8 +23301,12 @@
           <a:lstStyle/>
           <a:p>
             <a:r>
+              <a:rPr lang="en-US" dirty="0" err="1" smtClean="0"/>
+              <a:t>CoRE</a:t>
+            </a:r>
+            <a:r>
               <a:rPr lang="en-US" dirty="0" smtClean="0"/>
-              <a:t>Core Link defines</a:t>
+              <a:t> Link defines</a:t>
             </a:r>
           </a:p>
           <a:p>
@@ -25517,7 +23870,7 @@
 </p:sld>
 </file>
 
-<file path=ppt/slides/slide8.xml><?xml version="1.0" encoding="utf-8"?>
+<file path=ppt/slides/slide6.xml><?xml version="1.0" encoding="utf-8"?>
 <p:sld xmlns:a="http://schemas.openxmlformats.org/drawingml/2006/main" xmlns:r="http://schemas.openxmlformats.org/officeDocument/2006/relationships" xmlns:p="http://schemas.openxmlformats.org/presentationml/2006/main">
   <p:cSld>
     <p:spTree>
@@ -25675,7 +24028,7 @@
         </p:spPr>
         <p:txBody>
           <a:bodyPr>
-            <a:normAutofit fontScale="70000" lnSpcReduction="20000"/>
+            <a:normAutofit fontScale="77500" lnSpcReduction="20000"/>
           </a:bodyPr>
           <a:lstStyle/>
           <a:p>
@@ -25762,19 +24115,12 @@
               </a:lnSpc>
             </a:pPr>
             <a:r>
+              <a:rPr lang="en-US" dirty="0" smtClean="0"/>
+              <a:t>Also </a:t>
+            </a:r>
+            <a:r>
               <a:rPr lang="en-US" dirty="0"/>
-              <a:t>Swaps “server” and “client” roles. A Constrained device would then run at least a CoAP Server and LWM2M Client.</a:t>
-            </a:r>
-          </a:p>
-          <a:p>
-            <a:pPr>
-              <a:lnSpc>
-                <a:spcPct val="120000"/>
-              </a:lnSpc>
-            </a:pPr>
-            <a:r>
-              <a:rPr lang="en-US" dirty="0"/>
-              <a:t>Also allows for operations on objects (RWX, Access Control, Observation, Notification) </a:t>
+              <a:t>allows for operations on objects (RWX, Access Control, Observation, Notification) </a:t>
             </a:r>
           </a:p>
           <a:p>
@@ -25810,7 +24156,7 @@
 </p:sld>
 </file>
 
-<file path=ppt/slides/slide9.xml><?xml version="1.0" encoding="utf-8"?>
+<file path=ppt/slides/slide7.xml><?xml version="1.0" encoding="utf-8"?>
 <p:sld xmlns:a="http://schemas.openxmlformats.org/drawingml/2006/main" xmlns:r="http://schemas.openxmlformats.org/officeDocument/2006/relationships" xmlns:p="http://schemas.openxmlformats.org/presentationml/2006/main">
   <p:cSld>
     <p:spTree>
@@ -27166,6 +25512,815 @@
     <a:masterClrMapping/>
   </p:clrMapOvr>
   <p:transition xmlns:p14="http://schemas.microsoft.com/office/powerpoint/2010/main" spd="slow"/>
+  <p:timing>
+    <p:tnLst>
+      <p:par>
+        <p:cTn xmlns:p14="http://schemas.microsoft.com/office/powerpoint/2010/main" id="1" dur="indefinite" restart="never" nodeType="tmRoot"/>
+      </p:par>
+    </p:tnLst>
+  </p:timing>
+</p:sld>
+</file>
+
+<file path=ppt/slides/slide8.xml><?xml version="1.0" encoding="utf-8"?>
+<p:sld xmlns:a="http://schemas.openxmlformats.org/drawingml/2006/main" xmlns:r="http://schemas.openxmlformats.org/officeDocument/2006/relationships" xmlns:p="http://schemas.openxmlformats.org/presentationml/2006/main">
+  <p:cSld>
+    <p:spTree>
+      <p:nvGrpSpPr>
+        <p:cNvPr id="1" name=""/>
+        <p:cNvGrpSpPr/>
+        <p:nvPr/>
+      </p:nvGrpSpPr>
+      <p:grpSpPr>
+        <a:xfrm>
+          <a:off x="0" y="0"/>
+          <a:ext cx="0" cy="0"/>
+          <a:chOff x="0" y="0"/>
+          <a:chExt cx="0" cy="0"/>
+        </a:xfrm>
+      </p:grpSpPr>
+      <p:sp>
+        <p:nvSpPr>
+          <p:cNvPr id="29697" name="Title 1"/>
+          <p:cNvSpPr>
+            <a:spLocks noGrp="1"/>
+          </p:cNvSpPr>
+          <p:nvPr>
+            <p:ph type="title"/>
+          </p:nvPr>
+        </p:nvSpPr>
+        <p:spPr>
+          <a:xfrm>
+            <a:off x="525463" y="239713"/>
+            <a:ext cx="10418762" cy="1085850"/>
+          </a:xfrm>
+        </p:spPr>
+        <p:txBody>
+          <a:bodyPr/>
+          <a:lstStyle/>
+          <a:p>
+            <a:r>
+              <a:rPr lang="en-US" dirty="0" smtClean="0">
+                <a:solidFill>
+                  <a:srgbClr val="2C2C2D"/>
+                </a:solidFill>
+                <a:latin typeface="+mn-lt"/>
+              </a:rPr>
+              <a:t>IPSO Smart Objects</a:t>
+            </a:r>
+            <a:endParaRPr lang="en-US" dirty="0">
+              <a:solidFill>
+                <a:srgbClr val="2C2C2D"/>
+              </a:solidFill>
+              <a:latin typeface="+mn-lt"/>
+            </a:endParaRPr>
+          </a:p>
+        </p:txBody>
+      </p:sp>
+      <p:sp>
+        <p:nvSpPr>
+          <p:cNvPr id="5" name="Content Placeholder 12"/>
+          <p:cNvSpPr>
+            <a:spLocks noGrp="1"/>
+          </p:cNvSpPr>
+          <p:nvPr>
+            <p:ph sz="half" idx="1"/>
+          </p:nvPr>
+        </p:nvSpPr>
+        <p:spPr>
+          <a:xfrm>
+            <a:off x="528637" y="1384299"/>
+            <a:ext cx="11101479" cy="5033963"/>
+          </a:xfrm>
+        </p:spPr>
+        <p:txBody>
+          <a:bodyPr>
+            <a:normAutofit lnSpcReduction="10000"/>
+          </a:bodyPr>
+          <a:lstStyle/>
+          <a:p>
+            <a:r>
+              <a:rPr lang="en-US" sz="2400" dirty="0"/>
+              <a:t>Developed by IP for Smart Objects (IPSO) </a:t>
+            </a:r>
+            <a:r>
+              <a:rPr lang="en-US" sz="2400" dirty="0" smtClean="0"/>
+              <a:t>Alliance in the Smart Objects Working Group.</a:t>
+            </a:r>
+            <a:endParaRPr lang="en-US" sz="2400" dirty="0"/>
+          </a:p>
+          <a:p>
+            <a:r>
+              <a:rPr lang="en-US" sz="2400" dirty="0" smtClean="0"/>
+              <a:t>Work exclusively on semantic </a:t>
+            </a:r>
+            <a:r>
+              <a:rPr lang="en-US" sz="2400" dirty="0"/>
+              <a:t>Interoperability across </a:t>
+            </a:r>
+            <a:r>
+              <a:rPr lang="en-US" sz="2400" dirty="0" err="1"/>
+              <a:t>IoT</a:t>
+            </a:r>
+            <a:r>
+              <a:rPr lang="en-US" sz="2400" dirty="0"/>
+              <a:t> devices and applications.</a:t>
+            </a:r>
+          </a:p>
+          <a:p>
+            <a:r>
+              <a:rPr lang="en-US" sz="2400" dirty="0"/>
+              <a:t>Based on LWM2M Object </a:t>
+            </a:r>
+            <a:r>
+              <a:rPr lang="en-US" sz="2400" dirty="0" smtClean="0"/>
+              <a:t>Model.</a:t>
+            </a:r>
+          </a:p>
+          <a:p>
+            <a:r>
+              <a:rPr lang="en-US" sz="2400" dirty="0" smtClean="0"/>
+              <a:t>Reusable </a:t>
+            </a:r>
+            <a:r>
+              <a:rPr lang="en-US" sz="2400" dirty="0"/>
+              <a:t>Object IDs and Resource IDs.</a:t>
+            </a:r>
+          </a:p>
+          <a:p>
+            <a:r>
+              <a:rPr lang="en-US" sz="2400" dirty="0"/>
+              <a:t>Transport Protocol Independent (</a:t>
+            </a:r>
+            <a:r>
+              <a:rPr lang="en-US" sz="2400" dirty="0" err="1"/>
+              <a:t>CoAP</a:t>
+            </a:r>
+            <a:r>
+              <a:rPr lang="en-US" sz="2400" dirty="0"/>
+              <a:t>, LWM2M, MQTT, </a:t>
+            </a:r>
+            <a:r>
+              <a:rPr lang="en-US" sz="2400" dirty="0" smtClean="0"/>
+              <a:t>HTTP…) </a:t>
+            </a:r>
+            <a:r>
+              <a:rPr lang="en-US" sz="2400" dirty="0"/>
+              <a:t>if support addressing, content formats and data types</a:t>
+            </a:r>
+            <a:r>
+              <a:rPr lang="en-US" sz="2400" dirty="0" smtClean="0"/>
+              <a:t>.</a:t>
+            </a:r>
+          </a:p>
+          <a:p>
+            <a:r>
+              <a:rPr lang="en-US" sz="2400" dirty="0" smtClean="0"/>
+              <a:t>Encoding Independent (JSON, TLV, </a:t>
+            </a:r>
+            <a:r>
+              <a:rPr lang="en-US" sz="2400" dirty="0" err="1" smtClean="0"/>
+              <a:t>SenML</a:t>
+            </a:r>
+            <a:r>
+              <a:rPr lang="en-US" sz="2400" dirty="0" smtClean="0"/>
+              <a:t>…)</a:t>
+            </a:r>
+            <a:endParaRPr lang="en-US" sz="2400" dirty="0"/>
+          </a:p>
+          <a:p>
+            <a:r>
+              <a:rPr lang="en-US" sz="2400" dirty="0"/>
+              <a:t>Basic Objects represent simple sensors and actuators.</a:t>
+            </a:r>
+          </a:p>
+          <a:p>
+            <a:r>
+              <a:rPr lang="en-US" sz="2400" dirty="0"/>
+              <a:t>Basic Starter Pack published on 2014 (Expansion Pack upcoming)</a:t>
+            </a:r>
+            <a:r>
+              <a:rPr lang="en-US" sz="2400" dirty="0" smtClean="0"/>
+              <a:t>.</a:t>
+            </a:r>
+          </a:p>
+          <a:p>
+            <a:r>
+              <a:rPr lang="en-US" sz="2400" dirty="0" smtClean="0"/>
+              <a:t>Tested over </a:t>
+            </a:r>
+            <a:r>
+              <a:rPr lang="en-US" sz="2400" dirty="0" err="1" smtClean="0"/>
+              <a:t>CoAP</a:t>
+            </a:r>
+            <a:r>
+              <a:rPr lang="en-US" sz="2400" dirty="0" smtClean="0"/>
+              <a:t> and LWM2M during </a:t>
+            </a:r>
+            <a:r>
+              <a:rPr lang="en-US" sz="2400" dirty="0"/>
+              <a:t>IPSO Interoperability test on May </a:t>
+            </a:r>
+            <a:r>
+              <a:rPr lang="en-US" sz="2400" dirty="0" smtClean="0"/>
+              <a:t>2015 (ARM, Ericsson, Intel, SICS, </a:t>
+            </a:r>
+            <a:r>
+              <a:rPr lang="en-US" sz="2400" dirty="0" err="1" smtClean="0"/>
+              <a:t>Yanzi</a:t>
+            </a:r>
+            <a:r>
+              <a:rPr lang="en-US" sz="2400" dirty="0" smtClean="0"/>
+              <a:t>, TUT …) .</a:t>
+            </a:r>
+            <a:endParaRPr lang="en-US" sz="2400" dirty="0"/>
+          </a:p>
+          <a:p>
+            <a:endParaRPr lang="en-US" sz="2400" dirty="0"/>
+          </a:p>
+          <a:p>
+            <a:endParaRPr lang="en-US" sz="2400" dirty="0"/>
+          </a:p>
+        </p:txBody>
+      </p:sp>
+    </p:spTree>
+    <p:extLst>
+      <p:ext uri="{BB962C8B-B14F-4D97-AF65-F5344CB8AC3E}">
+        <p14:creationId xmlns:p14="http://schemas.microsoft.com/office/powerpoint/2010/main" val="1702906040"/>
+      </p:ext>
+    </p:extLst>
+  </p:cSld>
+  <p:clrMapOvr>
+    <a:masterClrMapping/>
+  </p:clrMapOvr>
+  <p:timing>
+    <p:tnLst>
+      <p:par>
+        <p:cTn xmlns:p14="http://schemas.microsoft.com/office/powerpoint/2010/main" id="1" dur="indefinite" restart="never" nodeType="tmRoot"/>
+      </p:par>
+    </p:tnLst>
+  </p:timing>
+</p:sld>
+</file>
+
+<file path=ppt/slides/slide9.xml><?xml version="1.0" encoding="utf-8"?>
+<p:sld xmlns:a="http://schemas.openxmlformats.org/drawingml/2006/main" xmlns:r="http://schemas.openxmlformats.org/officeDocument/2006/relationships" xmlns:p="http://schemas.openxmlformats.org/presentationml/2006/main">
+  <p:cSld>
+    <p:spTree>
+      <p:nvGrpSpPr>
+        <p:cNvPr id="1" name=""/>
+        <p:cNvGrpSpPr/>
+        <p:nvPr/>
+      </p:nvGrpSpPr>
+      <p:grpSpPr>
+        <a:xfrm>
+          <a:off x="0" y="0"/>
+          <a:ext cx="0" cy="0"/>
+          <a:chOff x="0" y="0"/>
+          <a:chExt cx="0" cy="0"/>
+        </a:xfrm>
+      </p:grpSpPr>
+      <p:sp>
+        <p:nvSpPr>
+          <p:cNvPr id="41985" name="Title 1"/>
+          <p:cNvSpPr>
+            <a:spLocks noGrp="1"/>
+          </p:cNvSpPr>
+          <p:nvPr>
+            <p:ph type="title"/>
+          </p:nvPr>
+        </p:nvSpPr>
+        <p:spPr>
+          <a:xfrm>
+            <a:off x="525463" y="239713"/>
+            <a:ext cx="10387012" cy="1085850"/>
+          </a:xfrm>
+        </p:spPr>
+        <p:txBody>
+          <a:bodyPr/>
+          <a:lstStyle/>
+          <a:p>
+            <a:r>
+              <a:rPr lang="en-US" dirty="0">
+                <a:solidFill>
+                  <a:srgbClr val="2C2C2D"/>
+                </a:solidFill>
+                <a:latin typeface="+mn-lt"/>
+              </a:rPr>
+              <a:t>IPSO Smart Object </a:t>
+            </a:r>
+            <a:r>
+              <a:rPr lang="en-US" dirty="0" smtClean="0">
+                <a:solidFill>
+                  <a:srgbClr val="2C2C2D"/>
+                </a:solidFill>
+                <a:latin typeface="+mn-lt"/>
+              </a:rPr>
+              <a:t>Structure</a:t>
+            </a:r>
+            <a:endParaRPr lang="en-US" dirty="0">
+              <a:solidFill>
+                <a:srgbClr val="2C2C2D"/>
+              </a:solidFill>
+              <a:latin typeface="+mn-lt"/>
+            </a:endParaRPr>
+          </a:p>
+        </p:txBody>
+      </p:sp>
+      <p:sp>
+        <p:nvSpPr>
+          <p:cNvPr id="7" name="Content Placeholder 2"/>
+          <p:cNvSpPr>
+            <a:spLocks noGrp="1"/>
+          </p:cNvSpPr>
+          <p:nvPr>
+            <p:ph idx="1"/>
+          </p:nvPr>
+        </p:nvSpPr>
+        <p:spPr>
+          <a:xfrm>
+            <a:off x="528638" y="1562554"/>
+            <a:ext cx="5066936" cy="4786513"/>
+          </a:xfrm>
+        </p:spPr>
+        <p:txBody>
+          <a:bodyPr>
+            <a:normAutofit fontScale="92500" lnSpcReduction="20000"/>
+          </a:bodyPr>
+          <a:lstStyle/>
+          <a:p>
+            <a:pPr>
+              <a:lnSpc>
+                <a:spcPct val="110000"/>
+              </a:lnSpc>
+            </a:pPr>
+            <a:r>
+              <a:rPr lang="en-US" dirty="0" smtClean="0"/>
+              <a:t>Reusable Data Model for Constrained Devices</a:t>
+            </a:r>
+          </a:p>
+          <a:p>
+            <a:pPr lvl="1">
+              <a:lnSpc>
+                <a:spcPct val="110000"/>
+              </a:lnSpc>
+            </a:pPr>
+            <a:r>
+              <a:rPr lang="en-US" dirty="0" smtClean="0"/>
+              <a:t>Across domains</a:t>
+            </a:r>
+          </a:p>
+          <a:p>
+            <a:pPr>
+              <a:lnSpc>
+                <a:spcPct val="110000"/>
+              </a:lnSpc>
+            </a:pPr>
+            <a:r>
+              <a:rPr lang="en-US" dirty="0" smtClean="0"/>
+              <a:t>Reusable </a:t>
+            </a:r>
+            <a:r>
+              <a:rPr lang="en-US" dirty="0"/>
+              <a:t>resource and object IDs</a:t>
+            </a:r>
+          </a:p>
+          <a:p>
+            <a:pPr lvl="1">
+              <a:lnSpc>
+                <a:spcPct val="110000"/>
+              </a:lnSpc>
+            </a:pPr>
+            <a:r>
+              <a:rPr lang="en-US" dirty="0"/>
+              <a:t>Common definitions for concepts</a:t>
+            </a:r>
+          </a:p>
+          <a:p>
+            <a:pPr lvl="1">
+              <a:lnSpc>
+                <a:spcPct val="110000"/>
+              </a:lnSpc>
+            </a:pPr>
+            <a:r>
+              <a:rPr lang="en-US" dirty="0"/>
+              <a:t>Map to semantic terms e.g. temperature, </a:t>
+            </a:r>
+            <a:r>
+              <a:rPr lang="en-US" dirty="0" err="1"/>
+              <a:t>currentValue</a:t>
+            </a:r>
+            <a:endParaRPr lang="en-US" dirty="0"/>
+          </a:p>
+          <a:p>
+            <a:pPr lvl="1">
+              <a:lnSpc>
+                <a:spcPct val="110000"/>
+              </a:lnSpc>
+            </a:pPr>
+            <a:r>
+              <a:rPr lang="en-US" dirty="0"/>
+              <a:t>IDs are registered with the OMNA</a:t>
+            </a:r>
+          </a:p>
+          <a:p>
+            <a:pPr>
+              <a:lnSpc>
+                <a:spcPct val="110000"/>
+              </a:lnSpc>
+            </a:pPr>
+            <a:r>
+              <a:rPr lang="en-US" dirty="0" smtClean="0"/>
+              <a:t>Usable in different transport protocols that support</a:t>
+            </a:r>
+          </a:p>
+          <a:p>
+            <a:pPr lvl="1">
+              <a:lnSpc>
+                <a:spcPct val="110000"/>
+              </a:lnSpc>
+            </a:pPr>
+            <a:r>
+              <a:rPr lang="en-US" dirty="0" smtClean="0"/>
+              <a:t>URI Addressing </a:t>
+            </a:r>
+          </a:p>
+          <a:p>
+            <a:pPr lvl="2">
+              <a:lnSpc>
+                <a:spcPct val="110000"/>
+              </a:lnSpc>
+            </a:pPr>
+            <a:r>
+              <a:rPr lang="en-US" dirty="0" smtClean="0"/>
+              <a:t>(…/</a:t>
+            </a:r>
+            <a:r>
+              <a:rPr lang="en-US" dirty="0"/>
+              <a:t>home/weather/3303/0/</a:t>
+            </a:r>
+            <a:r>
+              <a:rPr lang="en-US" dirty="0" smtClean="0"/>
+              <a:t>5700)</a:t>
+            </a:r>
+          </a:p>
+          <a:p>
+            <a:pPr lvl="1">
+              <a:lnSpc>
+                <a:spcPct val="110000"/>
+              </a:lnSpc>
+            </a:pPr>
+            <a:r>
+              <a:rPr lang="en-US" dirty="0" smtClean="0"/>
+              <a:t>Data Types</a:t>
+            </a:r>
+          </a:p>
+          <a:p>
+            <a:pPr lvl="1">
+              <a:lnSpc>
+                <a:spcPct val="110000"/>
+              </a:lnSpc>
+            </a:pPr>
+            <a:r>
+              <a:rPr lang="en-US" dirty="0" smtClean="0"/>
+              <a:t>Content Formats</a:t>
+            </a:r>
+          </a:p>
+          <a:p>
+            <a:pPr lvl="1">
+              <a:lnSpc>
+                <a:spcPct val="110000"/>
+              </a:lnSpc>
+            </a:pPr>
+            <a:r>
+              <a:rPr lang="en-US" dirty="0" smtClean="0"/>
+              <a:t>RWX Operations</a:t>
+            </a:r>
+          </a:p>
+          <a:p>
+            <a:pPr lvl="1">
+              <a:lnSpc>
+                <a:spcPct val="110000"/>
+              </a:lnSpc>
+            </a:pPr>
+            <a:endParaRPr lang="en-US" dirty="0"/>
+          </a:p>
+        </p:txBody>
+      </p:sp>
+      <p:sp>
+        <p:nvSpPr>
+          <p:cNvPr id="8" name="TextBox 7"/>
+          <p:cNvSpPr txBox="1"/>
+          <p:nvPr/>
+        </p:nvSpPr>
+        <p:spPr>
+          <a:xfrm>
+            <a:off x="9286723" y="1694848"/>
+            <a:ext cx="1785909" cy="410124"/>
+          </a:xfrm>
+          <a:prstGeom prst="rect">
+            <a:avLst/>
+          </a:prstGeom>
+        </p:spPr>
+        <p:txBody>
+          <a:bodyPr vert="horz" wrap="none" lIns="0" tIns="0" rIns="0" bIns="0" rtlCol="0" anchor="t">
+            <a:normAutofit/>
+          </a:bodyPr>
+          <a:lstStyle/>
+          <a:p>
+            <a:r>
+              <a:rPr lang="en-US" sz="2000" dirty="0" smtClean="0">
+                <a:latin typeface="Courier"/>
+                <a:cs typeface="Courier"/>
+              </a:rPr>
+              <a:t>3303/0/5700</a:t>
+            </a:r>
+          </a:p>
+        </p:txBody>
+      </p:sp>
+      <p:sp>
+        <p:nvSpPr>
+          <p:cNvPr id="9" name="TextBox 8"/>
+          <p:cNvSpPr txBox="1"/>
+          <p:nvPr/>
+        </p:nvSpPr>
+        <p:spPr>
+          <a:xfrm>
+            <a:off x="5781051" y="2161093"/>
+            <a:ext cx="3505672" cy="473071"/>
+          </a:xfrm>
+          <a:prstGeom prst="rect">
+            <a:avLst/>
+          </a:prstGeom>
+          <a:ln>
+            <a:solidFill>
+              <a:srgbClr val="89BA17"/>
+            </a:solidFill>
+          </a:ln>
+        </p:spPr>
+        <p:txBody>
+          <a:bodyPr vert="horz" wrap="none" lIns="0" tIns="0" rIns="0" bIns="0" rtlCol="0" anchor="t">
+            <a:normAutofit/>
+          </a:bodyPr>
+          <a:lstStyle/>
+          <a:p>
+            <a:r>
+              <a:rPr lang="en-US" dirty="0" smtClean="0"/>
+              <a:t> Object </a:t>
+            </a:r>
+            <a:r>
+              <a:rPr lang="en-US" dirty="0"/>
+              <a:t>ID, defines object type</a:t>
+            </a:r>
+          </a:p>
+        </p:txBody>
+      </p:sp>
+      <p:sp>
+        <p:nvSpPr>
+          <p:cNvPr id="10" name="Rectangle 9"/>
+          <p:cNvSpPr/>
+          <p:nvPr/>
+        </p:nvSpPr>
+        <p:spPr>
+          <a:xfrm>
+            <a:off x="5781051" y="2795955"/>
+            <a:ext cx="3863950" cy="400110"/>
+          </a:xfrm>
+          <a:prstGeom prst="rect">
+            <a:avLst/>
+          </a:prstGeom>
+          <a:ln>
+            <a:solidFill>
+              <a:srgbClr val="89BA17"/>
+            </a:solidFill>
+          </a:ln>
+        </p:spPr>
+        <p:txBody>
+          <a:bodyPr wrap="square">
+            <a:spAutoFit/>
+          </a:bodyPr>
+          <a:lstStyle/>
+          <a:p>
+            <a:r>
+              <a:rPr lang="en-US" dirty="0"/>
+              <a:t>Object </a:t>
+            </a:r>
+            <a:r>
+              <a:rPr lang="en-US" dirty="0" smtClean="0"/>
+              <a:t>Instance, one or more</a:t>
+            </a:r>
+            <a:endParaRPr lang="en-US" dirty="0"/>
+          </a:p>
+        </p:txBody>
+      </p:sp>
+      <p:sp>
+        <p:nvSpPr>
+          <p:cNvPr id="11" name="Rectangle 10"/>
+          <p:cNvSpPr/>
+          <p:nvPr/>
+        </p:nvSpPr>
+        <p:spPr>
+          <a:xfrm>
+            <a:off x="5781051" y="3381266"/>
+            <a:ext cx="4421282" cy="400110"/>
+          </a:xfrm>
+          <a:prstGeom prst="rect">
+            <a:avLst/>
+          </a:prstGeom>
+          <a:ln>
+            <a:solidFill>
+              <a:srgbClr val="89BA17"/>
+            </a:solidFill>
+          </a:ln>
+        </p:spPr>
+        <p:txBody>
+          <a:bodyPr wrap="square">
+            <a:spAutoFit/>
+          </a:bodyPr>
+          <a:lstStyle/>
+          <a:p>
+            <a:r>
+              <a:rPr lang="en-US" dirty="0" smtClean="0"/>
+              <a:t>Resource </a:t>
+            </a:r>
+            <a:r>
+              <a:rPr lang="en-US" dirty="0"/>
+              <a:t>ID, defines </a:t>
+            </a:r>
+            <a:r>
+              <a:rPr lang="en-US" dirty="0" smtClean="0"/>
+              <a:t>resource </a:t>
+            </a:r>
+            <a:r>
+              <a:rPr lang="en-US" dirty="0"/>
+              <a:t>type</a:t>
+            </a:r>
+          </a:p>
+        </p:txBody>
+      </p:sp>
+      <p:sp>
+        <p:nvSpPr>
+          <p:cNvPr id="15" name="Rectangle 14"/>
+          <p:cNvSpPr/>
+          <p:nvPr/>
+        </p:nvSpPr>
+        <p:spPr>
+          <a:xfrm>
+            <a:off x="5595574" y="1664806"/>
+            <a:ext cx="5738193" cy="2262297"/>
+          </a:xfrm>
+          <a:prstGeom prst="rect">
+            <a:avLst/>
+          </a:prstGeom>
+          <a:noFill/>
+          <a:ln>
+            <a:solidFill>
+              <a:schemeClr val="accent1"/>
+            </a:solidFill>
+          </a:ln>
+          <a:effectLst/>
+        </p:spPr>
+        <p:style>
+          <a:lnRef idx="1">
+            <a:schemeClr val="accent1"/>
+          </a:lnRef>
+          <a:fillRef idx="3">
+            <a:schemeClr val="accent1"/>
+          </a:fillRef>
+          <a:effectRef idx="2">
+            <a:schemeClr val="accent1"/>
+          </a:effectRef>
+          <a:fontRef idx="minor">
+            <a:schemeClr val="lt1"/>
+          </a:fontRef>
+        </p:style>
+        <p:txBody>
+          <a:bodyPr rtlCol="0" anchor="ctr"/>
+          <a:lstStyle/>
+          <a:p>
+            <a:pPr algn="ctr"/>
+            <a:endParaRPr lang="en-US"/>
+          </a:p>
+        </p:txBody>
+      </p:sp>
+      <p:cxnSp>
+        <p:nvCxnSpPr>
+          <p:cNvPr id="16" name="Straight Arrow Connector 15"/>
+          <p:cNvCxnSpPr>
+            <a:stCxn id="9" idx="3"/>
+          </p:cNvCxnSpPr>
+          <p:nvPr/>
+        </p:nvCxnSpPr>
+        <p:spPr>
+          <a:xfrm flipV="1">
+            <a:off x="9286723" y="2104973"/>
+            <a:ext cx="358278" cy="292656"/>
+          </a:xfrm>
+          <a:prstGeom prst="straightConnector1">
+            <a:avLst/>
+          </a:prstGeom>
+          <a:ln>
+            <a:prstDash val="sysDash"/>
+            <a:tailEnd type="arrow"/>
+          </a:ln>
+        </p:spPr>
+        <p:style>
+          <a:lnRef idx="2">
+            <a:schemeClr val="accent1"/>
+          </a:lnRef>
+          <a:fillRef idx="0">
+            <a:schemeClr val="accent1"/>
+          </a:fillRef>
+          <a:effectRef idx="1">
+            <a:schemeClr val="accent1"/>
+          </a:effectRef>
+          <a:fontRef idx="minor">
+            <a:schemeClr val="tx1"/>
+          </a:fontRef>
+        </p:style>
+      </p:cxnSp>
+      <p:cxnSp>
+        <p:nvCxnSpPr>
+          <p:cNvPr id="17" name="Straight Arrow Connector 16"/>
+          <p:cNvCxnSpPr>
+            <a:stCxn id="10" idx="3"/>
+          </p:cNvCxnSpPr>
+          <p:nvPr/>
+        </p:nvCxnSpPr>
+        <p:spPr>
+          <a:xfrm flipV="1">
+            <a:off x="9645001" y="2104972"/>
+            <a:ext cx="416221" cy="891038"/>
+          </a:xfrm>
+          <a:prstGeom prst="straightConnector1">
+            <a:avLst/>
+          </a:prstGeom>
+          <a:ln>
+            <a:prstDash val="sysDash"/>
+            <a:tailEnd type="arrow"/>
+          </a:ln>
+        </p:spPr>
+        <p:style>
+          <a:lnRef idx="2">
+            <a:schemeClr val="accent1"/>
+          </a:lnRef>
+          <a:fillRef idx="0">
+            <a:schemeClr val="accent1"/>
+          </a:fillRef>
+          <a:effectRef idx="1">
+            <a:schemeClr val="accent1"/>
+          </a:effectRef>
+          <a:fontRef idx="minor">
+            <a:schemeClr val="tx1"/>
+          </a:fontRef>
+        </p:style>
+      </p:cxnSp>
+      <p:cxnSp>
+        <p:nvCxnSpPr>
+          <p:cNvPr id="18" name="Straight Arrow Connector 17"/>
+          <p:cNvCxnSpPr>
+            <a:stCxn id="11" idx="3"/>
+          </p:cNvCxnSpPr>
+          <p:nvPr/>
+        </p:nvCxnSpPr>
+        <p:spPr>
+          <a:xfrm flipV="1">
+            <a:off x="10202333" y="2161094"/>
+            <a:ext cx="338667" cy="1420227"/>
+          </a:xfrm>
+          <a:prstGeom prst="straightConnector1">
+            <a:avLst/>
+          </a:prstGeom>
+          <a:ln>
+            <a:prstDash val="sysDash"/>
+            <a:tailEnd type="arrow"/>
+          </a:ln>
+        </p:spPr>
+        <p:style>
+          <a:lnRef idx="2">
+            <a:schemeClr val="accent1"/>
+          </a:lnRef>
+          <a:fillRef idx="0">
+            <a:schemeClr val="accent1"/>
+          </a:fillRef>
+          <a:effectRef idx="1">
+            <a:schemeClr val="accent1"/>
+          </a:effectRef>
+          <a:fontRef idx="minor">
+            <a:schemeClr val="tx1"/>
+          </a:fontRef>
+        </p:style>
+      </p:cxnSp>
+    </p:spTree>
+    <p:extLst>
+      <p:ext uri="{BB962C8B-B14F-4D97-AF65-F5344CB8AC3E}">
+        <p14:creationId xmlns:p14="http://schemas.microsoft.com/office/powerpoint/2010/main" val="3749646589"/>
+      </p:ext>
+    </p:extLst>
+  </p:cSld>
+  <p:clrMapOvr>
+    <a:masterClrMapping/>
+  </p:clrMapOvr>
   <p:timing>
     <p:tnLst>
       <p:par>

--- a/Documentation/IPSO_Intro_W3C.pptx
+++ b/Documentation/IPSO_Intro_W3C.pptx
@@ -14942,11 +14942,11 @@
               </a:lnSpc>
             </a:pPr>
             <a:r>
-              <a:rPr lang="en-US" sz="2400" smtClean="0"/>
+              <a:rPr lang="en-US" sz="2400" dirty="0" smtClean="0"/>
               <a:t>June </a:t>
             </a:r>
             <a:r>
-              <a:rPr lang="en-US" sz="2400" smtClean="0"/>
+              <a:rPr lang="en-US" sz="2400" dirty="0" smtClean="0"/>
               <a:t>17th</a:t>
             </a:r>
             <a:r>

--- a/Documentation/IPSO_Intro_W3C.pptx
+++ b/Documentation/IPSO_Intro_W3C.pptx
@@ -5,10 +5,10 @@
     <p:sldMasterId id="2147483676" r:id="rId1"/>
   </p:sldMasterIdLst>
   <p:notesMasterIdLst>
-    <p:notesMasterId r:id="rId17"/>
+    <p:notesMasterId r:id="rId18"/>
   </p:notesMasterIdLst>
   <p:handoutMasterIdLst>
-    <p:handoutMasterId r:id="rId18"/>
+    <p:handoutMasterId r:id="rId19"/>
   </p:handoutMasterIdLst>
   <p:sldIdLst>
     <p:sldId id="259" r:id="rId2"/>
@@ -25,7 +25,8 @@
     <p:sldId id="334" r:id="rId13"/>
     <p:sldId id="333" r:id="rId14"/>
     <p:sldId id="326" r:id="rId15"/>
-    <p:sldId id="314" r:id="rId16"/>
+    <p:sldId id="344" r:id="rId16"/>
+    <p:sldId id="314" r:id="rId17"/>
   </p:sldIdLst>
   <p:sldSz cx="12192000" cy="6858000"/>
   <p:notesSz cx="6884988" cy="10018713"/>
@@ -3044,6 +3045,861 @@
       </p:grpSpPr>
       <p:sp>
         <p:nvSpPr>
+          <p:cNvPr id="30721" name="Slide Image Placeholder 1"/>
+          <p:cNvSpPr>
+            <a:spLocks noGrp="1" noRot="1" noChangeAspect="1"/>
+          </p:cNvSpPr>
+          <p:nvPr>
+            <p:ph type="sldImg"/>
+          </p:nvPr>
+        </p:nvSpPr>
+        <p:spPr>
+          <a:ln/>
+        </p:spPr>
+      </p:sp>
+      <p:sp>
+        <p:nvSpPr>
+          <p:cNvPr id="30722" name="Notes Placeholder 2"/>
+          <p:cNvSpPr>
+            <a:spLocks noGrp="1"/>
+          </p:cNvSpPr>
+          <p:nvPr>
+            <p:ph type="body" idx="1"/>
+          </p:nvPr>
+        </p:nvSpPr>
+        <p:spPr>
+          <a:noFill/>
+          <a:ln/>
+          <a:extLst>
+            <a:ext uri="{909E8E84-426E-40dd-AFC4-6F175D3DCCD1}">
+              <a14:hiddenFill xmlns:a14="http://schemas.microsoft.com/office/drawing/2010/main">
+                <a:solidFill>
+                  <a:srgbClr val="FFFFFF"/>
+                </a:solidFill>
+              </a14:hiddenFill>
+            </a:ext>
+            <a:ext uri="{91240B29-F687-4f45-9708-019B960494DF}">
+              <a14:hiddenLine xmlns:a14="http://schemas.microsoft.com/office/drawing/2010/main" w="9525">
+                <a:solidFill>
+                  <a:srgbClr val="000000"/>
+                </a:solidFill>
+                <a:miter lim="800000"/>
+                <a:headEnd/>
+                <a:tailEnd/>
+              </a14:hiddenLine>
+            </a:ext>
+          </a:extLst>
+        </p:spPr>
+        <p:txBody>
+          <a:bodyPr/>
+          <a:lstStyle/>
+          <a:p>
+            <a:pPr marL="171450" indent="-171450">
+              <a:buFont typeface="Arial"/>
+              <a:buChar char="•"/>
+            </a:pPr>
+            <a:r>
+              <a:rPr lang="en-US" baseline="0" dirty="0" smtClean="0">
+                <a:latin typeface="Arial" charset="0"/>
+              </a:rPr>
+              <a:t>At the moment we are working with other standards in order to come together to a common data model. For example with UPnP we are currently trying to harmonize the large amount of </a:t>
+            </a:r>
+            <a:r>
+              <a:rPr lang="en-US" baseline="0" dirty="0" err="1" smtClean="0">
+                <a:latin typeface="Arial" charset="0"/>
+              </a:rPr>
+              <a:t>resuorce</a:t>
+            </a:r>
+            <a:r>
+              <a:rPr lang="en-US" baseline="0" dirty="0" smtClean="0">
+                <a:latin typeface="Arial" charset="0"/>
+              </a:rPr>
+              <a:t> descriptions in UPnP with the IPSO Objects. Some of the challenges here is that UPnP uses more of a SOAP approach with its Message Exchange </a:t>
+            </a:r>
+            <a:r>
+              <a:rPr lang="en-US" baseline="0" dirty="0" err="1" smtClean="0">
+                <a:latin typeface="Arial" charset="0"/>
+              </a:rPr>
+              <a:t>Pattenrs</a:t>
+            </a:r>
+            <a:r>
+              <a:rPr lang="en-US" baseline="0" dirty="0" smtClean="0">
+                <a:latin typeface="Arial" charset="0"/>
+              </a:rPr>
+              <a:t> than a REST-based one. </a:t>
+            </a:r>
+          </a:p>
+          <a:p>
+            <a:pPr marL="171450" marR="0" indent="-171450" algn="l" defTabSz="914400" rtl="0" eaLnBrk="0" fontAlgn="base" latinLnBrk="0" hangingPunct="0">
+              <a:lnSpc>
+                <a:spcPct val="100000"/>
+              </a:lnSpc>
+              <a:spcBef>
+                <a:spcPct val="30000"/>
+              </a:spcBef>
+              <a:spcAft>
+                <a:spcPct val="0"/>
+              </a:spcAft>
+              <a:buClrTx/>
+              <a:buSzTx/>
+              <a:buFont typeface="Arial"/>
+              <a:buChar char="•"/>
+              <a:tabLst/>
+              <a:defRPr/>
+            </a:pPr>
+            <a:r>
+              <a:rPr lang="en-US" baseline="0" dirty="0" smtClean="0">
+                <a:latin typeface="Arial" charset="0"/>
+              </a:rPr>
+              <a:t>Interworking with TR69, </a:t>
+            </a:r>
+            <a:r>
+              <a:rPr lang="en-US" baseline="0" dirty="0" err="1" smtClean="0">
+                <a:latin typeface="Arial" charset="0"/>
+              </a:rPr>
+              <a:t>ZigBee</a:t>
+            </a:r>
+            <a:r>
+              <a:rPr lang="en-US" baseline="0" dirty="0" smtClean="0">
+                <a:latin typeface="Arial" charset="0"/>
+              </a:rPr>
+              <a:t>, BLE and how to harmonize them so that there is one set. </a:t>
+            </a:r>
+          </a:p>
+          <a:p>
+            <a:pPr marL="171450" indent="-171450">
+              <a:buFont typeface="Arial"/>
+              <a:buChar char="•"/>
+            </a:pPr>
+            <a:r>
+              <a:rPr lang="en-US" baseline="0" dirty="0" smtClean="0">
+                <a:latin typeface="Arial" charset="0"/>
+              </a:rPr>
+              <a:t>We have also some deadlines, this list is taken from our item activity document. So basically we are setting up some test servers for continuous testing of Smart Objects, in this case over IPv6 and LWM2M. </a:t>
+            </a:r>
+          </a:p>
+          <a:p>
+            <a:pPr marL="171450" indent="-171450">
+              <a:buFont typeface="Arial"/>
+              <a:buChar char="•"/>
+            </a:pPr>
+            <a:r>
+              <a:rPr lang="en-US" baseline="0" dirty="0" smtClean="0">
+                <a:latin typeface="Arial" charset="0"/>
+              </a:rPr>
+              <a:t>We are also working on various expansion packs, like the domain specific objects (GW Objects, Home Appliances, </a:t>
+            </a:r>
+            <a:r>
+              <a:rPr lang="en-US" baseline="0" dirty="0" err="1" smtClean="0">
+                <a:latin typeface="Arial" charset="0"/>
+              </a:rPr>
+              <a:t>etc</a:t>
+            </a:r>
+            <a:r>
+              <a:rPr lang="en-US" baseline="0" dirty="0" smtClean="0">
+                <a:latin typeface="Arial" charset="0"/>
+              </a:rPr>
+              <a:t>)</a:t>
+            </a:r>
+          </a:p>
+          <a:p>
+            <a:pPr marL="171450" marR="0" indent="-171450" algn="l" defTabSz="914400" rtl="0" eaLnBrk="0" fontAlgn="base" latinLnBrk="0" hangingPunct="0">
+              <a:lnSpc>
+                <a:spcPct val="100000"/>
+              </a:lnSpc>
+              <a:spcBef>
+                <a:spcPct val="30000"/>
+              </a:spcBef>
+              <a:spcAft>
+                <a:spcPct val="0"/>
+              </a:spcAft>
+              <a:buClrTx/>
+              <a:buSzTx/>
+              <a:buFont typeface="Arial"/>
+              <a:buChar char="•"/>
+              <a:tabLst/>
+              <a:defRPr/>
+            </a:pPr>
+            <a:r>
+              <a:rPr lang="en-US" baseline="0" dirty="0" smtClean="0">
+                <a:latin typeface="Arial" charset="0"/>
+              </a:rPr>
+              <a:t>We have to produce a standalone schema on how to construct the objects and how clients and servers are supposed to use them. </a:t>
+            </a:r>
+          </a:p>
+          <a:p>
+            <a:pPr marL="171450" indent="-171450">
+              <a:buFont typeface="Arial"/>
+              <a:buChar char="•"/>
+            </a:pPr>
+            <a:r>
+              <a:rPr lang="en-US" baseline="0" dirty="0" smtClean="0">
+                <a:latin typeface="Arial" charset="0"/>
+              </a:rPr>
+              <a:t>We are also working on Composite objects, by using a new data type that represents a link. So that we will have resources that do not only map to a specific resource, rather it will be more like the web and we will use linking instead. </a:t>
+            </a:r>
+          </a:p>
+          <a:p>
+            <a:pPr marL="171450" indent="-171450">
+              <a:buFont typeface="Arial"/>
+              <a:buChar char="•"/>
+            </a:pPr>
+            <a:r>
+              <a:rPr lang="en-US" baseline="0" dirty="0" smtClean="0">
+                <a:latin typeface="Arial" charset="0"/>
+              </a:rPr>
+              <a:t>Also we will have a session in November in the IETF bits and bites. There we will show how objects work, some examples, how to create them and so on. </a:t>
+            </a:r>
+          </a:p>
+          <a:p>
+            <a:endParaRPr lang="en-US" baseline="0" dirty="0">
+              <a:latin typeface="Arial" charset="0"/>
+            </a:endParaRPr>
+          </a:p>
+        </p:txBody>
+      </p:sp>
+      <p:sp>
+        <p:nvSpPr>
+          <p:cNvPr id="30723" name="Header Placeholder 3"/>
+          <p:cNvSpPr>
+            <a:spLocks noGrp="1"/>
+          </p:cNvSpPr>
+          <p:nvPr>
+            <p:ph type="hdr" sz="quarter"/>
+          </p:nvPr>
+        </p:nvSpPr>
+        <p:spPr>
+          <a:noFill/>
+          <a:ln/>
+          <a:extLst>
+            <a:ext uri="{909E8E84-426E-40dd-AFC4-6F175D3DCCD1}">
+              <a14:hiddenFill xmlns:a14="http://schemas.microsoft.com/office/drawing/2010/main">
+                <a:solidFill>
+                  <a:srgbClr val="FFFFFF"/>
+                </a:solidFill>
+              </a14:hiddenFill>
+            </a:ext>
+            <a:ext uri="{91240B29-F687-4f45-9708-019B960494DF}">
+              <a14:hiddenLine xmlns:a14="http://schemas.microsoft.com/office/drawing/2010/main" w="9525">
+                <a:solidFill>
+                  <a:srgbClr val="000000"/>
+                </a:solidFill>
+                <a:miter lim="800000"/>
+                <a:headEnd/>
+                <a:tailEnd/>
+              </a14:hiddenLine>
+            </a:ext>
+          </a:extLst>
+        </p:spPr>
+        <p:txBody>
+          <a:bodyPr/>
+          <a:lstStyle>
+            <a:lvl1pPr eaLnBrk="0" hangingPunct="0">
+              <a:defRPr sz="2100">
+                <a:solidFill>
+                  <a:schemeClr val="tx1"/>
+                </a:solidFill>
+                <a:latin typeface="Arial" charset="0"/>
+                <a:ea typeface="ＭＳ Ｐゴシック" charset="0"/>
+                <a:cs typeface="ＭＳ Ｐゴシック" charset="0"/>
+              </a:defRPr>
+            </a:lvl1pPr>
+            <a:lvl2pPr marL="784778" indent="-301838" eaLnBrk="0" hangingPunct="0">
+              <a:defRPr sz="2100">
+                <a:solidFill>
+                  <a:schemeClr val="tx1"/>
+                </a:solidFill>
+                <a:latin typeface="Arial" charset="0"/>
+                <a:ea typeface="ＭＳ Ｐゴシック" charset="0"/>
+              </a:defRPr>
+            </a:lvl2pPr>
+            <a:lvl3pPr marL="1207351" indent="-241470" eaLnBrk="0" hangingPunct="0">
+              <a:defRPr sz="2100">
+                <a:solidFill>
+                  <a:schemeClr val="tx1"/>
+                </a:solidFill>
+                <a:latin typeface="Arial" charset="0"/>
+                <a:ea typeface="ＭＳ Ｐゴシック" charset="0"/>
+              </a:defRPr>
+            </a:lvl3pPr>
+            <a:lvl4pPr marL="1690291" indent="-241470" eaLnBrk="0" hangingPunct="0">
+              <a:defRPr sz="2100">
+                <a:solidFill>
+                  <a:schemeClr val="tx1"/>
+                </a:solidFill>
+                <a:latin typeface="Arial" charset="0"/>
+                <a:ea typeface="ＭＳ Ｐゴシック" charset="0"/>
+              </a:defRPr>
+            </a:lvl4pPr>
+            <a:lvl5pPr marL="2173232" indent="-241470" eaLnBrk="0" hangingPunct="0">
+              <a:defRPr sz="2100">
+                <a:solidFill>
+                  <a:schemeClr val="tx1"/>
+                </a:solidFill>
+                <a:latin typeface="Arial" charset="0"/>
+                <a:ea typeface="ＭＳ Ｐゴシック" charset="0"/>
+              </a:defRPr>
+            </a:lvl5pPr>
+            <a:lvl6pPr marL="2656172" indent="-241470" algn="ctr" eaLnBrk="0" fontAlgn="base" hangingPunct="0">
+              <a:spcBef>
+                <a:spcPct val="0"/>
+              </a:spcBef>
+              <a:spcAft>
+                <a:spcPct val="0"/>
+              </a:spcAft>
+              <a:defRPr sz="2100">
+                <a:solidFill>
+                  <a:schemeClr val="tx1"/>
+                </a:solidFill>
+                <a:latin typeface="Arial" charset="0"/>
+                <a:ea typeface="ＭＳ Ｐゴシック" charset="0"/>
+              </a:defRPr>
+            </a:lvl6pPr>
+            <a:lvl7pPr marL="3139112" indent="-241470" algn="ctr" eaLnBrk="0" fontAlgn="base" hangingPunct="0">
+              <a:spcBef>
+                <a:spcPct val="0"/>
+              </a:spcBef>
+              <a:spcAft>
+                <a:spcPct val="0"/>
+              </a:spcAft>
+              <a:defRPr sz="2100">
+                <a:solidFill>
+                  <a:schemeClr val="tx1"/>
+                </a:solidFill>
+                <a:latin typeface="Arial" charset="0"/>
+                <a:ea typeface="ＭＳ Ｐゴシック" charset="0"/>
+              </a:defRPr>
+            </a:lvl7pPr>
+            <a:lvl8pPr marL="3622053" indent="-241470" algn="ctr" eaLnBrk="0" fontAlgn="base" hangingPunct="0">
+              <a:spcBef>
+                <a:spcPct val="0"/>
+              </a:spcBef>
+              <a:spcAft>
+                <a:spcPct val="0"/>
+              </a:spcAft>
+              <a:defRPr sz="2100">
+                <a:solidFill>
+                  <a:schemeClr val="tx1"/>
+                </a:solidFill>
+                <a:latin typeface="Arial" charset="0"/>
+                <a:ea typeface="ＭＳ Ｐゴシック" charset="0"/>
+              </a:defRPr>
+            </a:lvl8pPr>
+            <a:lvl9pPr marL="4104993" indent="-241470" algn="ctr" eaLnBrk="0" fontAlgn="base" hangingPunct="0">
+              <a:spcBef>
+                <a:spcPct val="0"/>
+              </a:spcBef>
+              <a:spcAft>
+                <a:spcPct val="0"/>
+              </a:spcAft>
+              <a:defRPr sz="2100">
+                <a:solidFill>
+                  <a:schemeClr val="tx1"/>
+                </a:solidFill>
+                <a:latin typeface="Arial" charset="0"/>
+                <a:ea typeface="ＭＳ Ｐゴシック" charset="0"/>
+              </a:defRPr>
+            </a:lvl9pPr>
+          </a:lstStyle>
+          <a:p>
+            <a:pPr eaLnBrk="1" hangingPunct="1"/>
+            <a:r>
+              <a:rPr lang="en-US" sz="1300"/>
+              <a:t>  </a:t>
+            </a:r>
+          </a:p>
+        </p:txBody>
+      </p:sp>
+      <p:sp>
+        <p:nvSpPr>
+          <p:cNvPr id="30724" name="Date Placeholder 4"/>
+          <p:cNvSpPr>
+            <a:spLocks noGrp="1"/>
+          </p:cNvSpPr>
+          <p:nvPr>
+            <p:ph type="dt" sz="quarter" idx="1"/>
+          </p:nvPr>
+        </p:nvSpPr>
+        <p:spPr>
+          <a:noFill/>
+          <a:ln/>
+          <a:extLst>
+            <a:ext uri="{909E8E84-426E-40dd-AFC4-6F175D3DCCD1}">
+              <a14:hiddenFill xmlns:a14="http://schemas.microsoft.com/office/drawing/2010/main">
+                <a:solidFill>
+                  <a:srgbClr val="FFFFFF"/>
+                </a:solidFill>
+              </a14:hiddenFill>
+            </a:ext>
+            <a:ext uri="{91240B29-F687-4f45-9708-019B960494DF}">
+              <a14:hiddenLine xmlns:a14="http://schemas.microsoft.com/office/drawing/2010/main" w="9525">
+                <a:solidFill>
+                  <a:srgbClr val="000000"/>
+                </a:solidFill>
+                <a:miter lim="800000"/>
+                <a:headEnd/>
+                <a:tailEnd/>
+              </a14:hiddenLine>
+            </a:ext>
+          </a:extLst>
+        </p:spPr>
+        <p:txBody>
+          <a:bodyPr/>
+          <a:lstStyle>
+            <a:lvl1pPr eaLnBrk="0" hangingPunct="0">
+              <a:defRPr sz="2100">
+                <a:solidFill>
+                  <a:schemeClr val="tx1"/>
+                </a:solidFill>
+                <a:latin typeface="Arial" charset="0"/>
+                <a:ea typeface="ＭＳ Ｐゴシック" charset="0"/>
+                <a:cs typeface="ＭＳ Ｐゴシック" charset="0"/>
+              </a:defRPr>
+            </a:lvl1pPr>
+            <a:lvl2pPr marL="784778" indent="-301838" eaLnBrk="0" hangingPunct="0">
+              <a:defRPr sz="2100">
+                <a:solidFill>
+                  <a:schemeClr val="tx1"/>
+                </a:solidFill>
+                <a:latin typeface="Arial" charset="0"/>
+                <a:ea typeface="ＭＳ Ｐゴシック" charset="0"/>
+              </a:defRPr>
+            </a:lvl2pPr>
+            <a:lvl3pPr marL="1207351" indent="-241470" eaLnBrk="0" hangingPunct="0">
+              <a:defRPr sz="2100">
+                <a:solidFill>
+                  <a:schemeClr val="tx1"/>
+                </a:solidFill>
+                <a:latin typeface="Arial" charset="0"/>
+                <a:ea typeface="ＭＳ Ｐゴシック" charset="0"/>
+              </a:defRPr>
+            </a:lvl3pPr>
+            <a:lvl4pPr marL="1690291" indent="-241470" eaLnBrk="0" hangingPunct="0">
+              <a:defRPr sz="2100">
+                <a:solidFill>
+                  <a:schemeClr val="tx1"/>
+                </a:solidFill>
+                <a:latin typeface="Arial" charset="0"/>
+                <a:ea typeface="ＭＳ Ｐゴシック" charset="0"/>
+              </a:defRPr>
+            </a:lvl4pPr>
+            <a:lvl5pPr marL="2173232" indent="-241470" eaLnBrk="0" hangingPunct="0">
+              <a:defRPr sz="2100">
+                <a:solidFill>
+                  <a:schemeClr val="tx1"/>
+                </a:solidFill>
+                <a:latin typeface="Arial" charset="0"/>
+                <a:ea typeface="ＭＳ Ｐゴシック" charset="0"/>
+              </a:defRPr>
+            </a:lvl5pPr>
+            <a:lvl6pPr marL="2656172" indent="-241470" algn="ctr" eaLnBrk="0" fontAlgn="base" hangingPunct="0">
+              <a:spcBef>
+                <a:spcPct val="0"/>
+              </a:spcBef>
+              <a:spcAft>
+                <a:spcPct val="0"/>
+              </a:spcAft>
+              <a:defRPr sz="2100">
+                <a:solidFill>
+                  <a:schemeClr val="tx1"/>
+                </a:solidFill>
+                <a:latin typeface="Arial" charset="0"/>
+                <a:ea typeface="ＭＳ Ｐゴシック" charset="0"/>
+              </a:defRPr>
+            </a:lvl6pPr>
+            <a:lvl7pPr marL="3139112" indent="-241470" algn="ctr" eaLnBrk="0" fontAlgn="base" hangingPunct="0">
+              <a:spcBef>
+                <a:spcPct val="0"/>
+              </a:spcBef>
+              <a:spcAft>
+                <a:spcPct val="0"/>
+              </a:spcAft>
+              <a:defRPr sz="2100">
+                <a:solidFill>
+                  <a:schemeClr val="tx1"/>
+                </a:solidFill>
+                <a:latin typeface="Arial" charset="0"/>
+                <a:ea typeface="ＭＳ Ｐゴシック" charset="0"/>
+              </a:defRPr>
+            </a:lvl7pPr>
+            <a:lvl8pPr marL="3622053" indent="-241470" algn="ctr" eaLnBrk="0" fontAlgn="base" hangingPunct="0">
+              <a:spcBef>
+                <a:spcPct val="0"/>
+              </a:spcBef>
+              <a:spcAft>
+                <a:spcPct val="0"/>
+              </a:spcAft>
+              <a:defRPr sz="2100">
+                <a:solidFill>
+                  <a:schemeClr val="tx1"/>
+                </a:solidFill>
+                <a:latin typeface="Arial" charset="0"/>
+                <a:ea typeface="ＭＳ Ｐゴシック" charset="0"/>
+              </a:defRPr>
+            </a:lvl8pPr>
+            <a:lvl9pPr marL="4104993" indent="-241470" algn="ctr" eaLnBrk="0" fontAlgn="base" hangingPunct="0">
+              <a:spcBef>
+                <a:spcPct val="0"/>
+              </a:spcBef>
+              <a:spcAft>
+                <a:spcPct val="0"/>
+              </a:spcAft>
+              <a:defRPr sz="2100">
+                <a:solidFill>
+                  <a:schemeClr val="tx1"/>
+                </a:solidFill>
+                <a:latin typeface="Arial" charset="0"/>
+                <a:ea typeface="ＭＳ Ｐゴシック" charset="0"/>
+              </a:defRPr>
+            </a:lvl9pPr>
+          </a:lstStyle>
+          <a:p>
+            <a:pPr eaLnBrk="1" hangingPunct="1"/>
+            <a:fld id="{1D535339-8385-F148-A20E-9136B5CB9B04}" type="datetime1">
+              <a:rPr lang="en-US" sz="1300"/>
+              <a:pPr eaLnBrk="1" hangingPunct="1"/>
+              <a:t>17/06/15</a:t>
+            </a:fld>
+            <a:r>
+              <a:rPr lang="en-US" sz="1300"/>
+              <a:t>2010-12-10 </a:t>
+            </a:r>
+          </a:p>
+        </p:txBody>
+      </p:sp>
+      <p:sp>
+        <p:nvSpPr>
+          <p:cNvPr id="30725" name="Footer Placeholder 5"/>
+          <p:cNvSpPr>
+            <a:spLocks noGrp="1"/>
+          </p:cNvSpPr>
+          <p:nvPr>
+            <p:ph type="ftr" sz="quarter" idx="4"/>
+          </p:nvPr>
+        </p:nvSpPr>
+        <p:spPr>
+          <a:noFill/>
+          <a:ln/>
+          <a:extLst>
+            <a:ext uri="{909E8E84-426E-40dd-AFC4-6F175D3DCCD1}">
+              <a14:hiddenFill xmlns:a14="http://schemas.microsoft.com/office/drawing/2010/main">
+                <a:solidFill>
+                  <a:srgbClr val="FFFFFF"/>
+                </a:solidFill>
+              </a14:hiddenFill>
+            </a:ext>
+            <a:ext uri="{91240B29-F687-4f45-9708-019B960494DF}">
+              <a14:hiddenLine xmlns:a14="http://schemas.microsoft.com/office/drawing/2010/main" w="9525">
+                <a:solidFill>
+                  <a:srgbClr val="000000"/>
+                </a:solidFill>
+                <a:miter lim="800000"/>
+                <a:headEnd/>
+                <a:tailEnd/>
+              </a14:hiddenLine>
+            </a:ext>
+          </a:extLst>
+        </p:spPr>
+        <p:txBody>
+          <a:bodyPr/>
+          <a:lstStyle>
+            <a:lvl1pPr eaLnBrk="0" hangingPunct="0">
+              <a:defRPr sz="2100">
+                <a:solidFill>
+                  <a:schemeClr val="tx1"/>
+                </a:solidFill>
+                <a:latin typeface="Arial" charset="0"/>
+                <a:ea typeface="ＭＳ Ｐゴシック" charset="0"/>
+                <a:cs typeface="ＭＳ Ｐゴシック" charset="0"/>
+              </a:defRPr>
+            </a:lvl1pPr>
+            <a:lvl2pPr marL="784778" indent="-301838" eaLnBrk="0" hangingPunct="0">
+              <a:defRPr sz="2100">
+                <a:solidFill>
+                  <a:schemeClr val="tx1"/>
+                </a:solidFill>
+                <a:latin typeface="Arial" charset="0"/>
+                <a:ea typeface="ＭＳ Ｐゴシック" charset="0"/>
+              </a:defRPr>
+            </a:lvl2pPr>
+            <a:lvl3pPr marL="1207351" indent="-241470" eaLnBrk="0" hangingPunct="0">
+              <a:defRPr sz="2100">
+                <a:solidFill>
+                  <a:schemeClr val="tx1"/>
+                </a:solidFill>
+                <a:latin typeface="Arial" charset="0"/>
+                <a:ea typeface="ＭＳ Ｐゴシック" charset="0"/>
+              </a:defRPr>
+            </a:lvl3pPr>
+            <a:lvl4pPr marL="1690291" indent="-241470" eaLnBrk="0" hangingPunct="0">
+              <a:defRPr sz="2100">
+                <a:solidFill>
+                  <a:schemeClr val="tx1"/>
+                </a:solidFill>
+                <a:latin typeface="Arial" charset="0"/>
+                <a:ea typeface="ＭＳ Ｐゴシック" charset="0"/>
+              </a:defRPr>
+            </a:lvl4pPr>
+            <a:lvl5pPr marL="2173232" indent="-241470" eaLnBrk="0" hangingPunct="0">
+              <a:defRPr sz="2100">
+                <a:solidFill>
+                  <a:schemeClr val="tx1"/>
+                </a:solidFill>
+                <a:latin typeface="Arial" charset="0"/>
+                <a:ea typeface="ＭＳ Ｐゴシック" charset="0"/>
+              </a:defRPr>
+            </a:lvl5pPr>
+            <a:lvl6pPr marL="2656172" indent="-241470" algn="ctr" eaLnBrk="0" fontAlgn="base" hangingPunct="0">
+              <a:spcBef>
+                <a:spcPct val="0"/>
+              </a:spcBef>
+              <a:spcAft>
+                <a:spcPct val="0"/>
+              </a:spcAft>
+              <a:defRPr sz="2100">
+                <a:solidFill>
+                  <a:schemeClr val="tx1"/>
+                </a:solidFill>
+                <a:latin typeface="Arial" charset="0"/>
+                <a:ea typeface="ＭＳ Ｐゴシック" charset="0"/>
+              </a:defRPr>
+            </a:lvl6pPr>
+            <a:lvl7pPr marL="3139112" indent="-241470" algn="ctr" eaLnBrk="0" fontAlgn="base" hangingPunct="0">
+              <a:spcBef>
+                <a:spcPct val="0"/>
+              </a:spcBef>
+              <a:spcAft>
+                <a:spcPct val="0"/>
+              </a:spcAft>
+              <a:defRPr sz="2100">
+                <a:solidFill>
+                  <a:schemeClr val="tx1"/>
+                </a:solidFill>
+                <a:latin typeface="Arial" charset="0"/>
+                <a:ea typeface="ＭＳ Ｐゴシック" charset="0"/>
+              </a:defRPr>
+            </a:lvl7pPr>
+            <a:lvl8pPr marL="3622053" indent="-241470" algn="ctr" eaLnBrk="0" fontAlgn="base" hangingPunct="0">
+              <a:spcBef>
+                <a:spcPct val="0"/>
+              </a:spcBef>
+              <a:spcAft>
+                <a:spcPct val="0"/>
+              </a:spcAft>
+              <a:defRPr sz="2100">
+                <a:solidFill>
+                  <a:schemeClr val="tx1"/>
+                </a:solidFill>
+                <a:latin typeface="Arial" charset="0"/>
+                <a:ea typeface="ＭＳ Ｐゴシック" charset="0"/>
+              </a:defRPr>
+            </a:lvl8pPr>
+            <a:lvl9pPr marL="4104993" indent="-241470" algn="ctr" eaLnBrk="0" fontAlgn="base" hangingPunct="0">
+              <a:spcBef>
+                <a:spcPct val="0"/>
+              </a:spcBef>
+              <a:spcAft>
+                <a:spcPct val="0"/>
+              </a:spcAft>
+              <a:defRPr sz="2100">
+                <a:solidFill>
+                  <a:schemeClr val="tx1"/>
+                </a:solidFill>
+                <a:latin typeface="Arial" charset="0"/>
+                <a:ea typeface="ＭＳ Ｐゴシック" charset="0"/>
+              </a:defRPr>
+            </a:lvl9pPr>
+          </a:lstStyle>
+          <a:p>
+            <a:pPr eaLnBrk="1" hangingPunct="1"/>
+            <a:r>
+              <a:rPr lang="en-US" sz="1300"/>
+              <a:t>  </a:t>
+            </a:r>
+          </a:p>
+        </p:txBody>
+      </p:sp>
+      <p:sp>
+        <p:nvSpPr>
+          <p:cNvPr id="30726" name="Slide Number Placeholder 6"/>
+          <p:cNvSpPr>
+            <a:spLocks noGrp="1"/>
+          </p:cNvSpPr>
+          <p:nvPr>
+            <p:ph type="sldNum" sz="quarter" idx="5"/>
+          </p:nvPr>
+        </p:nvSpPr>
+        <p:spPr>
+          <a:noFill/>
+          <a:ln/>
+          <a:extLst>
+            <a:ext uri="{909E8E84-426E-40dd-AFC4-6F175D3DCCD1}">
+              <a14:hiddenFill xmlns:a14="http://schemas.microsoft.com/office/drawing/2010/main">
+                <a:solidFill>
+                  <a:srgbClr val="FFFFFF"/>
+                </a:solidFill>
+              </a14:hiddenFill>
+            </a:ext>
+            <a:ext uri="{91240B29-F687-4f45-9708-019B960494DF}">
+              <a14:hiddenLine xmlns:a14="http://schemas.microsoft.com/office/drawing/2010/main" w="9525">
+                <a:solidFill>
+                  <a:srgbClr val="000000"/>
+                </a:solidFill>
+                <a:miter lim="800000"/>
+                <a:headEnd/>
+                <a:tailEnd/>
+              </a14:hiddenLine>
+            </a:ext>
+          </a:extLst>
+        </p:spPr>
+        <p:txBody>
+          <a:bodyPr/>
+          <a:lstStyle>
+            <a:lvl1pPr eaLnBrk="0" hangingPunct="0">
+              <a:defRPr sz="2100">
+                <a:solidFill>
+                  <a:schemeClr val="tx1"/>
+                </a:solidFill>
+                <a:latin typeface="Arial" charset="0"/>
+                <a:ea typeface="ＭＳ Ｐゴシック" charset="0"/>
+                <a:cs typeface="ＭＳ Ｐゴシック" charset="0"/>
+              </a:defRPr>
+            </a:lvl1pPr>
+            <a:lvl2pPr marL="784778" indent="-301838" eaLnBrk="0" hangingPunct="0">
+              <a:defRPr sz="2100">
+                <a:solidFill>
+                  <a:schemeClr val="tx1"/>
+                </a:solidFill>
+                <a:latin typeface="Arial" charset="0"/>
+                <a:ea typeface="ＭＳ Ｐゴシック" charset="0"/>
+              </a:defRPr>
+            </a:lvl2pPr>
+            <a:lvl3pPr marL="1207351" indent="-241470" eaLnBrk="0" hangingPunct="0">
+              <a:defRPr sz="2100">
+                <a:solidFill>
+                  <a:schemeClr val="tx1"/>
+                </a:solidFill>
+                <a:latin typeface="Arial" charset="0"/>
+                <a:ea typeface="ＭＳ Ｐゴシック" charset="0"/>
+              </a:defRPr>
+            </a:lvl3pPr>
+            <a:lvl4pPr marL="1690291" indent="-241470" eaLnBrk="0" hangingPunct="0">
+              <a:defRPr sz="2100">
+                <a:solidFill>
+                  <a:schemeClr val="tx1"/>
+                </a:solidFill>
+                <a:latin typeface="Arial" charset="0"/>
+                <a:ea typeface="ＭＳ Ｐゴシック" charset="0"/>
+              </a:defRPr>
+            </a:lvl4pPr>
+            <a:lvl5pPr marL="2173232" indent="-241470" eaLnBrk="0" hangingPunct="0">
+              <a:defRPr sz="2100">
+                <a:solidFill>
+                  <a:schemeClr val="tx1"/>
+                </a:solidFill>
+                <a:latin typeface="Arial" charset="0"/>
+                <a:ea typeface="ＭＳ Ｐゴシック" charset="0"/>
+              </a:defRPr>
+            </a:lvl5pPr>
+            <a:lvl6pPr marL="2656172" indent="-241470" algn="ctr" eaLnBrk="0" fontAlgn="base" hangingPunct="0">
+              <a:spcBef>
+                <a:spcPct val="0"/>
+              </a:spcBef>
+              <a:spcAft>
+                <a:spcPct val="0"/>
+              </a:spcAft>
+              <a:defRPr sz="2100">
+                <a:solidFill>
+                  <a:schemeClr val="tx1"/>
+                </a:solidFill>
+                <a:latin typeface="Arial" charset="0"/>
+                <a:ea typeface="ＭＳ Ｐゴシック" charset="0"/>
+              </a:defRPr>
+            </a:lvl6pPr>
+            <a:lvl7pPr marL="3139112" indent="-241470" algn="ctr" eaLnBrk="0" fontAlgn="base" hangingPunct="0">
+              <a:spcBef>
+                <a:spcPct val="0"/>
+              </a:spcBef>
+              <a:spcAft>
+                <a:spcPct val="0"/>
+              </a:spcAft>
+              <a:defRPr sz="2100">
+                <a:solidFill>
+                  <a:schemeClr val="tx1"/>
+                </a:solidFill>
+                <a:latin typeface="Arial" charset="0"/>
+                <a:ea typeface="ＭＳ Ｐゴシック" charset="0"/>
+              </a:defRPr>
+            </a:lvl7pPr>
+            <a:lvl8pPr marL="3622053" indent="-241470" algn="ctr" eaLnBrk="0" fontAlgn="base" hangingPunct="0">
+              <a:spcBef>
+                <a:spcPct val="0"/>
+              </a:spcBef>
+              <a:spcAft>
+                <a:spcPct val="0"/>
+              </a:spcAft>
+              <a:defRPr sz="2100">
+                <a:solidFill>
+                  <a:schemeClr val="tx1"/>
+                </a:solidFill>
+                <a:latin typeface="Arial" charset="0"/>
+                <a:ea typeface="ＭＳ Ｐゴシック" charset="0"/>
+              </a:defRPr>
+            </a:lvl8pPr>
+            <a:lvl9pPr marL="4104993" indent="-241470" algn="ctr" eaLnBrk="0" fontAlgn="base" hangingPunct="0">
+              <a:spcBef>
+                <a:spcPct val="0"/>
+              </a:spcBef>
+              <a:spcAft>
+                <a:spcPct val="0"/>
+              </a:spcAft>
+              <a:defRPr sz="2100">
+                <a:solidFill>
+                  <a:schemeClr val="tx1"/>
+                </a:solidFill>
+                <a:latin typeface="Arial" charset="0"/>
+                <a:ea typeface="ＭＳ Ｐゴシック" charset="0"/>
+              </a:defRPr>
+            </a:lvl9pPr>
+          </a:lstStyle>
+          <a:p>
+            <a:pPr eaLnBrk="1" hangingPunct="1"/>
+            <a:fld id="{A51D5D40-B425-B849-A9BC-1045A25E78D9}" type="slidenum">
+              <a:rPr lang="en-US" sz="1300"/>
+              <a:pPr eaLnBrk="1" hangingPunct="1"/>
+              <a:t>15</a:t>
+            </a:fld>
+            <a:endParaRPr lang="en-US" sz="1300"/>
+          </a:p>
+        </p:txBody>
+      </p:sp>
+    </p:spTree>
+  </p:cSld>
+  <p:clrMapOvr>
+    <a:masterClrMapping/>
+  </p:clrMapOvr>
+</p:notes>
+</file>
+
+<file path=ppt/notesSlides/notesSlide15.xml><?xml version="1.0" encoding="utf-8"?>
+<p:notes xmlns:a="http://schemas.openxmlformats.org/drawingml/2006/main" xmlns:r="http://schemas.openxmlformats.org/officeDocument/2006/relationships" xmlns:p="http://schemas.openxmlformats.org/presentationml/2006/main">
+  <p:cSld>
+    <p:spTree>
+      <p:nvGrpSpPr>
+        <p:cNvPr id="1" name=""/>
+        <p:cNvGrpSpPr/>
+        <p:nvPr/>
+      </p:nvGrpSpPr>
+      <p:grpSpPr>
+        <a:xfrm>
+          <a:off x="0" y="0"/>
+          <a:ext cx="0" cy="0"/>
+          <a:chOff x="0" y="0"/>
+          <a:chExt cx="0" cy="0"/>
+        </a:xfrm>
+      </p:grpSpPr>
+      <p:sp>
+        <p:nvSpPr>
           <p:cNvPr id="2" name="Slide Image Placeholder 1"/>
           <p:cNvSpPr>
             <a:spLocks noGrp="1" noRot="1" noChangeAspect="1"/>
@@ -3159,7 +4015,7 @@
           <a:p>
             <a:fld id="{D1E33C2B-3F10-4E9F-A60A-AFC9EEA81319}" type="slidenum">
               <a:rPr lang="en-US" smtClean="0"/>
-              <a:t>15</a:t>
+              <a:t>16</a:t>
             </a:fld>
             <a:endParaRPr lang="en-US"/>
           </a:p>
@@ -17516,12 +18372,12 @@
                         </a:spcAft>
                       </a:pPr>
                       <a:r>
-                        <a:rPr lang="en-GB" sz="1200">
+                        <a:rPr lang="en-GB" sz="1200" dirty="0">
                           <a:effectLst/>
                         </a:rPr>
                         <a:t>3304</a:t>
                       </a:r>
-                      <a:endParaRPr lang="en-US" sz="1200">
+                      <a:endParaRPr lang="en-US" sz="1200" dirty="0">
                         <a:effectLst/>
                         <a:latin typeface="Times New Roman"/>
                         <a:ea typeface="SimSun"/>
@@ -21749,7 +22605,15 @@
             </a:pPr>
             <a:r>
               <a:rPr lang="en-US" sz="2000" dirty="0"/>
-              <a:t>☐ IETF 93 – Bits and </a:t>
+              <a:t>☐ IETF </a:t>
+            </a:r>
+            <a:r>
+              <a:rPr lang="en-US" sz="2000" dirty="0" smtClean="0"/>
+              <a:t>93 </a:t>
+            </a:r>
+            <a:r>
+              <a:rPr lang="en-US" sz="2000" dirty="0"/>
+              <a:t>– Bits and </a:t>
             </a:r>
             <a:r>
               <a:rPr lang="en-US" sz="2000" dirty="0" smtClean="0"/>
@@ -21803,6 +22667,334 @@
 </file>
 
 <file path=ppt/slides/slide15.xml><?xml version="1.0" encoding="utf-8"?>
+<p:sld xmlns:a="http://schemas.openxmlformats.org/drawingml/2006/main" xmlns:r="http://schemas.openxmlformats.org/officeDocument/2006/relationships" xmlns:p="http://schemas.openxmlformats.org/presentationml/2006/main">
+  <p:cSld>
+    <p:spTree>
+      <p:nvGrpSpPr>
+        <p:cNvPr id="1" name=""/>
+        <p:cNvGrpSpPr/>
+        <p:nvPr/>
+      </p:nvGrpSpPr>
+      <p:grpSpPr>
+        <a:xfrm>
+          <a:off x="0" y="0"/>
+          <a:ext cx="0" cy="0"/>
+          <a:chOff x="0" y="0"/>
+          <a:chExt cx="0" cy="0"/>
+        </a:xfrm>
+      </p:grpSpPr>
+      <p:sp>
+        <p:nvSpPr>
+          <p:cNvPr id="29697" name="Title 1"/>
+          <p:cNvSpPr>
+            <a:spLocks noGrp="1"/>
+          </p:cNvSpPr>
+          <p:nvPr>
+            <p:ph type="title"/>
+          </p:nvPr>
+        </p:nvSpPr>
+        <p:spPr>
+          <a:xfrm>
+            <a:off x="525463" y="239713"/>
+            <a:ext cx="10418762" cy="1085850"/>
+          </a:xfrm>
+        </p:spPr>
+        <p:txBody>
+          <a:bodyPr/>
+          <a:lstStyle/>
+          <a:p>
+            <a:r>
+              <a:rPr lang="en-US" dirty="0" smtClean="0">
+                <a:solidFill>
+                  <a:srgbClr val="2C2C2D"/>
+                </a:solidFill>
+                <a:latin typeface="+mn-lt"/>
+              </a:rPr>
+              <a:t>References</a:t>
+            </a:r>
+            <a:endParaRPr lang="en-US" dirty="0">
+              <a:solidFill>
+                <a:srgbClr val="2C2C2D"/>
+              </a:solidFill>
+              <a:latin typeface="+mn-lt"/>
+            </a:endParaRPr>
+          </a:p>
+        </p:txBody>
+      </p:sp>
+      <p:sp>
+        <p:nvSpPr>
+          <p:cNvPr id="5" name="Content Placeholder 12"/>
+          <p:cNvSpPr>
+            <a:spLocks noGrp="1"/>
+          </p:cNvSpPr>
+          <p:nvPr>
+            <p:ph sz="half" idx="1"/>
+          </p:nvPr>
+        </p:nvSpPr>
+        <p:spPr>
+          <a:xfrm>
+            <a:off x="528637" y="1384299"/>
+            <a:ext cx="11101479" cy="5033963"/>
+          </a:xfrm>
+        </p:spPr>
+        <p:txBody>
+          <a:bodyPr>
+            <a:normAutofit/>
+          </a:bodyPr>
+          <a:lstStyle/>
+          <a:p>
+            <a:r>
+              <a:rPr lang="en-US" sz="2000" dirty="0" smtClean="0"/>
+              <a:t>IPSO Smart Object Guidelines</a:t>
+            </a:r>
+          </a:p>
+          <a:p>
+            <a:pPr lvl="1"/>
+            <a:r>
+              <a:rPr lang="en-US" sz="1600" dirty="0">
+                <a:hlinkClick r:id="rId3"/>
+              </a:rPr>
+              <a:t>http://www.ipso-alliance.org/smart-object-</a:t>
+            </a:r>
+            <a:r>
+              <a:rPr lang="en-US" sz="1600" dirty="0" smtClean="0">
+                <a:hlinkClick r:id="rId3"/>
+              </a:rPr>
+              <a:t>guidelines</a:t>
+            </a:r>
+            <a:endParaRPr lang="en-US" sz="1600" dirty="0" smtClean="0"/>
+          </a:p>
+          <a:p>
+            <a:pPr lvl="1"/>
+            <a:r>
+              <a:rPr lang="en-US" sz="1600" dirty="0">
+                <a:hlinkClick r:id="rId4"/>
+              </a:rPr>
+              <a:t>https://github.com/IPSO-</a:t>
+            </a:r>
+            <a:r>
+              <a:rPr lang="en-US" sz="1600" dirty="0" smtClean="0">
+                <a:hlinkClick r:id="rId4"/>
+              </a:rPr>
+              <a:t>Alliance</a:t>
+            </a:r>
+            <a:r>
+              <a:rPr lang="en-US" sz="1600" dirty="0"/>
+              <a:t> </a:t>
+            </a:r>
+            <a:r>
+              <a:rPr lang="en-US" sz="1600" dirty="0" smtClean="0"/>
+              <a:t> (requires access)		</a:t>
+            </a:r>
+            <a:endParaRPr lang="en-US" sz="1600" dirty="0" smtClean="0"/>
+          </a:p>
+          <a:p>
+            <a:r>
+              <a:rPr lang="en-US" sz="2000" dirty="0" smtClean="0"/>
+              <a:t>OMA LWM2M Specification</a:t>
+            </a:r>
+          </a:p>
+          <a:p>
+            <a:pPr lvl="1"/>
+            <a:r>
+              <a:rPr lang="en-US" sz="1600" dirty="0">
+                <a:hlinkClick r:id="rId5"/>
+              </a:rPr>
+              <a:t>http://technical.openmobilealliance.org/Technical/technical-information/release-program/current-releases/oma-lightweightm2m-v1-</a:t>
+            </a:r>
+            <a:r>
+              <a:rPr lang="en-US" sz="1600" dirty="0" smtClean="0">
+                <a:hlinkClick r:id="rId5"/>
+              </a:rPr>
+              <a:t>0</a:t>
+            </a:r>
+            <a:endParaRPr lang="en-US" sz="1600" dirty="0" smtClean="0"/>
+          </a:p>
+          <a:p>
+            <a:r>
+              <a:rPr lang="en-US" sz="2000" dirty="0" smtClean="0"/>
+              <a:t>IETF </a:t>
+            </a:r>
+            <a:r>
+              <a:rPr lang="en-US" sz="2000" dirty="0" err="1" smtClean="0"/>
+              <a:t>CoAP</a:t>
+            </a:r>
+            <a:r>
+              <a:rPr lang="en-US" sz="2000" dirty="0" smtClean="0"/>
+              <a:t> References</a:t>
+            </a:r>
+          </a:p>
+          <a:p>
+            <a:pPr lvl="1"/>
+            <a:r>
+              <a:rPr lang="en-US" sz="1600" dirty="0" err="1" smtClean="0"/>
+              <a:t>CoAP</a:t>
+            </a:r>
+            <a:r>
+              <a:rPr lang="en-US" sz="1600" dirty="0" smtClean="0"/>
+              <a:t> (RFC 7252)</a:t>
+            </a:r>
+          </a:p>
+          <a:p>
+            <a:pPr marL="355600" lvl="1" indent="0">
+              <a:buNone/>
+            </a:pPr>
+            <a:r>
+              <a:rPr lang="en-US" sz="1600" dirty="0" smtClean="0">
+                <a:hlinkClick r:id="rId6"/>
+              </a:rPr>
+              <a:t>https</a:t>
+            </a:r>
+            <a:r>
+              <a:rPr lang="en-US" sz="1600" dirty="0">
+                <a:hlinkClick r:id="rId6"/>
+              </a:rPr>
+              <a:t>://tools.ietf.org/html/</a:t>
+            </a:r>
+            <a:r>
+              <a:rPr lang="en-US" sz="1600" dirty="0" smtClean="0">
+                <a:hlinkClick r:id="rId6"/>
+              </a:rPr>
+              <a:t>rfc7252</a:t>
+            </a:r>
+            <a:endParaRPr lang="en-US" sz="1600" dirty="0" smtClean="0"/>
+          </a:p>
+          <a:p>
+            <a:pPr lvl="1"/>
+            <a:r>
+              <a:rPr lang="en-US" sz="1600" dirty="0" err="1" smtClean="0"/>
+              <a:t>CoRE</a:t>
+            </a:r>
+            <a:r>
+              <a:rPr lang="en-US" sz="1600" dirty="0" smtClean="0"/>
+              <a:t> Link-Format (RFC 6690)</a:t>
+            </a:r>
+          </a:p>
+          <a:p>
+            <a:pPr marL="355600" lvl="1" indent="0">
+              <a:buNone/>
+            </a:pPr>
+            <a:r>
+              <a:rPr lang="en-US" sz="1600" dirty="0">
+                <a:hlinkClick r:id="rId7"/>
+              </a:rPr>
+              <a:t>https://tools.ietf.org/html/</a:t>
+            </a:r>
+            <a:r>
+              <a:rPr lang="en-US" sz="1600" dirty="0" smtClean="0">
+                <a:hlinkClick r:id="rId7"/>
+              </a:rPr>
+              <a:t>rfc6690</a:t>
+            </a:r>
+            <a:endParaRPr lang="en-US" sz="1600" dirty="0" smtClean="0"/>
+          </a:p>
+          <a:p>
+            <a:pPr lvl="1"/>
+            <a:r>
+              <a:rPr lang="en-US" sz="1600" dirty="0" err="1" smtClean="0"/>
+              <a:t>CoRE</a:t>
+            </a:r>
+            <a:r>
+              <a:rPr lang="en-US" sz="1600" dirty="0" smtClean="0"/>
+              <a:t> Resource Directory</a:t>
+            </a:r>
+          </a:p>
+          <a:p>
+            <a:pPr marL="355600" lvl="1" indent="0">
+              <a:buNone/>
+            </a:pPr>
+            <a:r>
+              <a:rPr lang="en-US" sz="1600" dirty="0">
+                <a:hlinkClick r:id="rId8"/>
+              </a:rPr>
+              <a:t>https://tools.ietf.org/html/draft-ietf-core-resource-directory-</a:t>
+            </a:r>
+            <a:r>
+              <a:rPr lang="en-US" sz="1600" dirty="0" smtClean="0">
+                <a:hlinkClick r:id="rId8"/>
+              </a:rPr>
+              <a:t>02</a:t>
+            </a:r>
+            <a:endParaRPr lang="en-US" sz="1600" dirty="0" smtClean="0"/>
+          </a:p>
+          <a:p>
+            <a:pPr lvl="1"/>
+            <a:r>
+              <a:rPr lang="en-US" sz="1600" dirty="0" err="1" smtClean="0"/>
+              <a:t>CoRE</a:t>
+            </a:r>
+            <a:r>
+              <a:rPr lang="en-US" sz="1600" dirty="0" smtClean="0"/>
+              <a:t> </a:t>
+            </a:r>
+            <a:r>
+              <a:rPr lang="en-US" sz="1600" dirty="0" err="1" smtClean="0"/>
+              <a:t>CoAP</a:t>
+            </a:r>
+            <a:r>
+              <a:rPr lang="en-US" sz="1600" dirty="0" smtClean="0"/>
+              <a:t> </a:t>
+            </a:r>
+            <a:r>
+              <a:rPr lang="en-US" sz="1600" dirty="0" err="1" smtClean="0"/>
+              <a:t>PubSub</a:t>
+            </a:r>
+            <a:r>
+              <a:rPr lang="en-US" sz="1600" dirty="0" smtClean="0"/>
+              <a:t> Broker</a:t>
+            </a:r>
+          </a:p>
+          <a:p>
+            <a:pPr marL="355600" lvl="1" indent="0">
+              <a:buNone/>
+            </a:pPr>
+            <a:r>
+              <a:rPr lang="en-US" sz="1600" dirty="0">
+                <a:hlinkClick r:id="rId9"/>
+              </a:rPr>
+              <a:t>https://tools.ietf.org/html/draft-koster-core-coap-</a:t>
+            </a:r>
+            <a:r>
+              <a:rPr lang="en-US" sz="1600" dirty="0" smtClean="0">
+                <a:hlinkClick r:id="rId9"/>
+              </a:rPr>
+              <a:t>pubsub</a:t>
+            </a:r>
+            <a:endParaRPr lang="en-US" sz="1600" dirty="0" smtClean="0"/>
+          </a:p>
+          <a:p>
+            <a:pPr marL="355600" lvl="1" indent="0">
+              <a:buNone/>
+            </a:pPr>
+            <a:endParaRPr lang="en-US" sz="1600" dirty="0"/>
+          </a:p>
+          <a:p>
+            <a:pPr lvl="1"/>
+            <a:endParaRPr lang="en-US" sz="1600" dirty="0" smtClean="0"/>
+          </a:p>
+        </p:txBody>
+      </p:sp>
+    </p:spTree>
+    <p:extLst>
+      <p:ext uri="{BB962C8B-B14F-4D97-AF65-F5344CB8AC3E}">
+        <p14:creationId xmlns:p14="http://schemas.microsoft.com/office/powerpoint/2010/main" val="3924131248"/>
+      </p:ext>
+    </p:extLst>
+  </p:cSld>
+  <p:clrMapOvr>
+    <a:masterClrMapping/>
+  </p:clrMapOvr>
+  <p:timing>
+    <p:tnLst>
+      <p:par>
+        <p:cTn xmlns:p14="http://schemas.microsoft.com/office/powerpoint/2010/main" id="1" dur="indefinite" restart="never" nodeType="tmRoot"/>
+      </p:par>
+    </p:tnLst>
+  </p:timing>
+</p:sld>
+</file>
+
+<file path=ppt/slides/slide16.xml><?xml version="1.0" encoding="utf-8"?>
 <p:sld xmlns:a="http://schemas.openxmlformats.org/drawingml/2006/main" xmlns:r="http://schemas.openxmlformats.org/officeDocument/2006/relationships" xmlns:p="http://schemas.openxmlformats.org/presentationml/2006/main">
   <p:cSld>
     <p:spTree>
@@ -22042,17 +23234,26 @@
         </p:spPr>
         <p:txBody>
           <a:bodyPr>
-            <a:normAutofit fontScale="85000" lnSpcReduction="20000"/>
+            <a:normAutofit fontScale="70000" lnSpcReduction="20000"/>
           </a:bodyPr>
           <a:lstStyle/>
           <a:p>
+            <a:pPr>
+              <a:lnSpc>
+                <a:spcPct val="120000"/>
+              </a:lnSpc>
+            </a:pPr>
             <a:r>
               <a:rPr lang="en-US" dirty="0"/>
               <a:t>Narrow Waist</a:t>
             </a:r>
           </a:p>
           <a:p>
-            <a:pPr lvl="1"/>
+            <a:pPr lvl="1">
+              <a:lnSpc>
+                <a:spcPct val="120000"/>
+              </a:lnSpc>
+            </a:pPr>
             <a:r>
               <a:rPr lang="en-US" dirty="0"/>
               <a:t>Innovation </a:t>
@@ -22064,20 +23265,33 @@
             <a:endParaRPr lang="en-US" dirty="0"/>
           </a:p>
           <a:p>
+            <a:pPr>
+              <a:lnSpc>
+                <a:spcPct val="120000"/>
+              </a:lnSpc>
+            </a:pPr>
             <a:r>
               <a:rPr lang="en-US" dirty="0"/>
               <a:t>Stateless Interaction</a:t>
             </a:r>
           </a:p>
           <a:p>
-            <a:pPr lvl="1"/>
+            <a:pPr lvl="1">
+              <a:lnSpc>
+                <a:spcPct val="120000"/>
+              </a:lnSpc>
+            </a:pPr>
             <a:r>
               <a:rPr lang="en-US" dirty="0" smtClean="0"/>
               <a:t>REST APIs</a:t>
             </a:r>
           </a:p>
           <a:p>
-            <a:pPr lvl="1"/>
+            <a:pPr lvl="1">
+              <a:lnSpc>
+                <a:spcPct val="120000"/>
+              </a:lnSpc>
+            </a:pPr>
             <a:r>
               <a:rPr lang="en-US" dirty="0" smtClean="0"/>
               <a:t>HTTP client</a:t>
@@ -22092,7 +23306,11 @@
             </a:r>
           </a:p>
           <a:p>
-            <a:pPr lvl="1"/>
+            <a:pPr lvl="1">
+              <a:lnSpc>
+                <a:spcPct val="120000"/>
+              </a:lnSpc>
+            </a:pPr>
             <a:r>
               <a:rPr lang="en-US" dirty="0" smtClean="0"/>
               <a:t>HTTP  </a:t>
@@ -22108,6 +23326,11 @@
             <a:endParaRPr lang="en-US" dirty="0"/>
           </a:p>
           <a:p>
+            <a:pPr>
+              <a:lnSpc>
+                <a:spcPct val="120000"/>
+              </a:lnSpc>
+            </a:pPr>
             <a:r>
               <a:rPr lang="en-US" dirty="0" smtClean="0"/>
               <a:t>Focus on Resources and Content</a:t>
@@ -22115,7 +23338,11 @@
             <a:endParaRPr lang="en-US" dirty="0"/>
           </a:p>
           <a:p>
-            <a:pPr lvl="1"/>
+            <a:pPr lvl="1">
+              <a:lnSpc>
+                <a:spcPct val="120000"/>
+              </a:lnSpc>
+            </a:pPr>
             <a:r>
               <a:rPr lang="en-US" dirty="0"/>
               <a:t>Support </a:t>
@@ -22135,7 +23362,11 @@
             <a:endParaRPr lang="en-US" dirty="0"/>
           </a:p>
           <a:p>
-            <a:pPr lvl="1"/>
+            <a:pPr lvl="1">
+              <a:lnSpc>
+                <a:spcPct val="120000"/>
+              </a:lnSpc>
+            </a:pPr>
             <a:r>
               <a:rPr lang="en-US" dirty="0"/>
               <a:t>Web content can be anything (HTML files, images, video…) each piece of information is a resource</a:t>
@@ -22146,6 +23377,11 @@
             </a:r>
           </a:p>
           <a:p>
+            <a:pPr>
+              <a:lnSpc>
+                <a:spcPct val="120000"/>
+              </a:lnSpc>
+            </a:pPr>
             <a:r>
               <a:rPr lang="en-US" dirty="0" smtClean="0"/>
               <a:t>Uniform Addressing</a:t>
@@ -22153,7 +23389,11 @@
             <a:endParaRPr lang="en-US" dirty="0"/>
           </a:p>
           <a:p>
-            <a:pPr lvl="1"/>
+            <a:pPr lvl="1">
+              <a:lnSpc>
+                <a:spcPct val="120000"/>
+              </a:lnSpc>
+            </a:pPr>
             <a:r>
               <a:rPr lang="en-US" dirty="0" smtClean="0"/>
               <a:t>Resources </a:t>
@@ -22172,14 +23412,22 @@
             </a:r>
           </a:p>
           <a:p>
-            <a:pPr lvl="1"/>
+            <a:pPr lvl="1">
+              <a:lnSpc>
+                <a:spcPct val="120000"/>
+              </a:lnSpc>
+            </a:pPr>
             <a:r>
               <a:rPr lang="en-US" dirty="0" smtClean="0"/>
               <a:t>Hyperlinks pointing to resources.</a:t>
             </a:r>
           </a:p>
           <a:p>
-            <a:pPr lvl="1"/>
+            <a:pPr lvl="1">
+              <a:lnSpc>
+                <a:spcPct val="120000"/>
+              </a:lnSpc>
+            </a:pPr>
             <a:r>
               <a:rPr lang="en-US" dirty="0"/>
               <a:t>IP addressing and global DNS</a:t>
@@ -22188,19 +23436,6 @@
               <a:rPr lang="en-US" dirty="0" smtClean="0"/>
               <a:t>.</a:t>
             </a:r>
-            <a:endParaRPr lang="en-US" dirty="0"/>
-          </a:p>
-          <a:p>
-            <a:pPr lvl="1"/>
-            <a:endParaRPr lang="en-US" dirty="0"/>
-          </a:p>
-          <a:p>
-            <a:pPr marL="0" indent="0">
-              <a:buNone/>
-            </a:pPr>
-            <a:endParaRPr lang="en-US" dirty="0"/>
-          </a:p>
-          <a:p>
             <a:endParaRPr lang="en-US" dirty="0"/>
           </a:p>
         </p:txBody>
@@ -23296,10 +24531,15 @@
         </p:spPr>
         <p:txBody>
           <a:bodyPr>
-            <a:normAutofit fontScale="92500" lnSpcReduction="10000"/>
+            <a:normAutofit fontScale="92500" lnSpcReduction="20000"/>
           </a:bodyPr>
           <a:lstStyle/>
           <a:p>
+            <a:pPr>
+              <a:lnSpc>
+                <a:spcPct val="110000"/>
+              </a:lnSpc>
+            </a:pPr>
             <a:r>
               <a:rPr lang="en-US" dirty="0" err="1" smtClean="0"/>
               <a:t>CoRE</a:t>
@@ -23310,61 +24550,99 @@
             </a:r>
           </a:p>
           <a:p>
-            <a:pPr lvl="1"/>
+            <a:pPr lvl="1">
+              <a:lnSpc>
+                <a:spcPct val="110000"/>
+              </a:lnSpc>
+            </a:pPr>
             <a:r>
               <a:rPr lang="en-US" dirty="0" smtClean="0"/>
               <a:t>Link format</a:t>
             </a:r>
           </a:p>
           <a:p>
-            <a:pPr lvl="1"/>
+            <a:pPr lvl="1">
+              <a:lnSpc>
+                <a:spcPct val="110000"/>
+              </a:lnSpc>
+            </a:pPr>
             <a:r>
               <a:rPr lang="en-US" dirty="0" smtClean="0"/>
               <a:t>Device to device discovery.</a:t>
             </a:r>
           </a:p>
           <a:p>
+            <a:pPr>
+              <a:lnSpc>
+                <a:spcPct val="110000"/>
+              </a:lnSpc>
+            </a:pPr>
             <a:r>
               <a:rPr lang="en-US" dirty="0" smtClean="0"/>
               <a:t>Resource Directory draft adds</a:t>
             </a:r>
           </a:p>
           <a:p>
-            <a:pPr lvl="1"/>
+            <a:pPr lvl="1">
+              <a:lnSpc>
+                <a:spcPct val="110000"/>
+              </a:lnSpc>
+            </a:pPr>
             <a:r>
               <a:rPr lang="en-US" dirty="0" smtClean="0"/>
               <a:t>Sleepy node support.</a:t>
             </a:r>
           </a:p>
           <a:p>
-            <a:pPr lvl="1"/>
+            <a:pPr lvl="1">
+              <a:lnSpc>
+                <a:spcPct val="110000"/>
+              </a:lnSpc>
+            </a:pPr>
             <a:r>
               <a:rPr lang="en-US" dirty="0" smtClean="0"/>
               <a:t>No multicast needed.</a:t>
             </a:r>
           </a:p>
           <a:p>
-            <a:pPr lvl="1"/>
+            <a:pPr lvl="1">
+              <a:lnSpc>
+                <a:spcPct val="110000"/>
+              </a:lnSpc>
+            </a:pPr>
             <a:r>
               <a:rPr lang="en-US" dirty="0" smtClean="0"/>
               <a:t>Remote lookup, hierarchical and federated distribution.</a:t>
             </a:r>
           </a:p>
           <a:p>
+            <a:pPr>
+              <a:lnSpc>
+                <a:spcPct val="110000"/>
+              </a:lnSpc>
+            </a:pPr>
             <a:r>
               <a:rPr lang="en-US" dirty="0" smtClean="0"/>
               <a:t>Core Link is also used in RD</a:t>
             </a:r>
           </a:p>
           <a:p>
-            <a:pPr lvl="1"/>
+            <a:pPr lvl="1">
+              <a:lnSpc>
+                <a:spcPct val="110000"/>
+              </a:lnSpc>
+            </a:pPr>
             <a:r>
               <a:rPr lang="en-US" dirty="0" smtClean="0"/>
               <a:t>EP POST (register) resource links to RD.</a:t>
             </a:r>
           </a:p>
           <a:p>
-            <a:pPr lvl="1"/>
+            <a:pPr lvl="1">
+              <a:lnSpc>
+                <a:spcPct val="110000"/>
+              </a:lnSpc>
+            </a:pPr>
             <a:r>
               <a:rPr lang="en-US" dirty="0"/>
               <a:t>EP </a:t>
@@ -23375,7 +24653,11 @@
             </a:r>
           </a:p>
           <a:p>
-            <a:pPr lvl="1"/>
+            <a:pPr lvl="1">
+              <a:lnSpc>
+                <a:spcPct val="110000"/>
+              </a:lnSpc>
+            </a:pPr>
             <a:r>
               <a:rPr lang="en-US" dirty="0"/>
               <a:t>EP </a:t>
@@ -23384,10 +24666,6 @@
               <a:rPr lang="en-US" dirty="0" smtClean="0"/>
               <a:t>DELETE (remove) their RD entry.</a:t>
             </a:r>
-            <a:endParaRPr lang="en-US" dirty="0"/>
-          </a:p>
-          <a:p>
-            <a:pPr lvl="1"/>
             <a:endParaRPr lang="en-US" dirty="0"/>
           </a:p>
         </p:txBody>
@@ -25595,10 +26873,15 @@
         </p:spPr>
         <p:txBody>
           <a:bodyPr>
-            <a:normAutofit lnSpcReduction="10000"/>
+            <a:normAutofit fontScale="92500"/>
           </a:bodyPr>
           <a:lstStyle/>
           <a:p>
+            <a:pPr>
+              <a:lnSpc>
+                <a:spcPct val="110000"/>
+              </a:lnSpc>
+            </a:pPr>
             <a:r>
               <a:rPr lang="en-US" sz="2400" dirty="0"/>
               <a:t>Developed by IP for Smart Objects (IPSO) </a:t>
@@ -25610,6 +26893,11 @@
             <a:endParaRPr lang="en-US" sz="2400" dirty="0"/>
           </a:p>
           <a:p>
+            <a:pPr>
+              <a:lnSpc>
+                <a:spcPct val="110000"/>
+              </a:lnSpc>
+            </a:pPr>
             <a:r>
               <a:rPr lang="en-US" sz="2400" dirty="0" smtClean="0"/>
               <a:t>Work exclusively on semantic </a:t>
@@ -25628,6 +26916,11 @@
             </a:r>
           </a:p>
           <a:p>
+            <a:pPr>
+              <a:lnSpc>
+                <a:spcPct val="110000"/>
+              </a:lnSpc>
+            </a:pPr>
             <a:r>
               <a:rPr lang="en-US" sz="2400" dirty="0"/>
               <a:t>Based on LWM2M Object </a:t>
@@ -25638,6 +26931,11 @@
             </a:r>
           </a:p>
           <a:p>
+            <a:pPr>
+              <a:lnSpc>
+                <a:spcPct val="110000"/>
+              </a:lnSpc>
+            </a:pPr>
             <a:r>
               <a:rPr lang="en-US" sz="2400" dirty="0" smtClean="0"/>
               <a:t>Reusable </a:t>
@@ -25648,6 +26946,11 @@
             </a:r>
           </a:p>
           <a:p>
+            <a:pPr>
+              <a:lnSpc>
+                <a:spcPct val="110000"/>
+              </a:lnSpc>
+            </a:pPr>
             <a:r>
               <a:rPr lang="en-US" sz="2400" dirty="0"/>
               <a:t>Transport Protocol Independent (</a:t>
@@ -25674,6 +26977,11 @@
             </a:r>
           </a:p>
           <a:p>
+            <a:pPr>
+              <a:lnSpc>
+                <a:spcPct val="110000"/>
+              </a:lnSpc>
+            </a:pPr>
             <a:r>
               <a:rPr lang="en-US" sz="2400" dirty="0" smtClean="0"/>
               <a:t>Encoding Independent (JSON, TLV, </a:t>
@@ -25689,12 +26997,22 @@
             <a:endParaRPr lang="en-US" sz="2400" dirty="0"/>
           </a:p>
           <a:p>
+            <a:pPr>
+              <a:lnSpc>
+                <a:spcPct val="110000"/>
+              </a:lnSpc>
+            </a:pPr>
             <a:r>
               <a:rPr lang="en-US" sz="2400" dirty="0"/>
               <a:t>Basic Objects represent simple sensors and actuators.</a:t>
             </a:r>
           </a:p>
           <a:p>
+            <a:pPr>
+              <a:lnSpc>
+                <a:spcPct val="110000"/>
+              </a:lnSpc>
+            </a:pPr>
             <a:r>
               <a:rPr lang="en-US" sz="2400" dirty="0"/>
               <a:t>Basic Starter Pack published on 2014 (Expansion Pack upcoming)</a:t>
@@ -25705,6 +27023,11 @@
             </a:r>
           </a:p>
           <a:p>
+            <a:pPr>
+              <a:lnSpc>
+                <a:spcPct val="110000"/>
+              </a:lnSpc>
+            </a:pPr>
             <a:r>
               <a:rPr lang="en-US" sz="2400" dirty="0" smtClean="0"/>
               <a:t>Tested over </a:t>
@@ -25736,9 +27059,19 @@
             <a:endParaRPr lang="en-US" sz="2400" dirty="0"/>
           </a:p>
           <a:p>
+            <a:pPr>
+              <a:lnSpc>
+                <a:spcPct val="110000"/>
+              </a:lnSpc>
+            </a:pPr>
             <a:endParaRPr lang="en-US" sz="2400" dirty="0"/>
           </a:p>
           <a:p>
+            <a:pPr>
+              <a:lnSpc>
+                <a:spcPct val="110000"/>
+              </a:lnSpc>
+            </a:pPr>
             <a:endParaRPr lang="en-US" sz="2400" dirty="0"/>
           </a:p>
         </p:txBody>
